--- a/2016-10-06 Teensy FFT Speed/Figures.pptx
+++ b/2016-10-06 Teensy FFT Speed/Figures.pptx
@@ -293,7 +293,7 @@
           <a:p>
             <a:fld id="{416C9C19-CFF4-4FAE-9690-4F73D1444028}" type="datetimeFigureOut">
               <a:rPr lang="en-US" smtClean="0"/>
-              <a:t>10/3/2016</a:t>
+              <a:t>10/5/2016</a:t>
             </a:fld>
             <a:endParaRPr lang="en-US"/>
           </a:p>
@@ -463,7 +463,7 @@
           <a:p>
             <a:fld id="{416C9C19-CFF4-4FAE-9690-4F73D1444028}" type="datetimeFigureOut">
               <a:rPr lang="en-US" smtClean="0"/>
-              <a:t>10/3/2016</a:t>
+              <a:t>10/5/2016</a:t>
             </a:fld>
             <a:endParaRPr lang="en-US"/>
           </a:p>
@@ -643,7 +643,7 @@
           <a:p>
             <a:fld id="{416C9C19-CFF4-4FAE-9690-4F73D1444028}" type="datetimeFigureOut">
               <a:rPr lang="en-US" smtClean="0"/>
-              <a:t>10/3/2016</a:t>
+              <a:t>10/5/2016</a:t>
             </a:fld>
             <a:endParaRPr lang="en-US"/>
           </a:p>
@@ -813,7 +813,7 @@
           <a:p>
             <a:fld id="{416C9C19-CFF4-4FAE-9690-4F73D1444028}" type="datetimeFigureOut">
               <a:rPr lang="en-US" smtClean="0"/>
-              <a:t>10/3/2016</a:t>
+              <a:t>10/5/2016</a:t>
             </a:fld>
             <a:endParaRPr lang="en-US"/>
           </a:p>
@@ -1059,7 +1059,7 @@
           <a:p>
             <a:fld id="{416C9C19-CFF4-4FAE-9690-4F73D1444028}" type="datetimeFigureOut">
               <a:rPr lang="en-US" smtClean="0"/>
-              <a:t>10/3/2016</a:t>
+              <a:t>10/5/2016</a:t>
             </a:fld>
             <a:endParaRPr lang="en-US"/>
           </a:p>
@@ -1347,7 +1347,7 @@
           <a:p>
             <a:fld id="{416C9C19-CFF4-4FAE-9690-4F73D1444028}" type="datetimeFigureOut">
               <a:rPr lang="en-US" smtClean="0"/>
-              <a:t>10/3/2016</a:t>
+              <a:t>10/5/2016</a:t>
             </a:fld>
             <a:endParaRPr lang="en-US"/>
           </a:p>
@@ -1769,7 +1769,7 @@
           <a:p>
             <a:fld id="{416C9C19-CFF4-4FAE-9690-4F73D1444028}" type="datetimeFigureOut">
               <a:rPr lang="en-US" smtClean="0"/>
-              <a:t>10/3/2016</a:t>
+              <a:t>10/5/2016</a:t>
             </a:fld>
             <a:endParaRPr lang="en-US"/>
           </a:p>
@@ -1887,7 +1887,7 @@
           <a:p>
             <a:fld id="{416C9C19-CFF4-4FAE-9690-4F73D1444028}" type="datetimeFigureOut">
               <a:rPr lang="en-US" smtClean="0"/>
-              <a:t>10/3/2016</a:t>
+              <a:t>10/5/2016</a:t>
             </a:fld>
             <a:endParaRPr lang="en-US"/>
           </a:p>
@@ -1982,7 +1982,7 @@
           <a:p>
             <a:fld id="{416C9C19-CFF4-4FAE-9690-4F73D1444028}" type="datetimeFigureOut">
               <a:rPr lang="en-US" smtClean="0"/>
-              <a:t>10/3/2016</a:t>
+              <a:t>10/5/2016</a:t>
             </a:fld>
             <a:endParaRPr lang="en-US"/>
           </a:p>
@@ -2259,7 +2259,7 @@
           <a:p>
             <a:fld id="{416C9C19-CFF4-4FAE-9690-4F73D1444028}" type="datetimeFigureOut">
               <a:rPr lang="en-US" smtClean="0"/>
-              <a:t>10/3/2016</a:t>
+              <a:t>10/5/2016</a:t>
             </a:fld>
             <a:endParaRPr lang="en-US"/>
           </a:p>
@@ -2512,7 +2512,7 @@
           <a:p>
             <a:fld id="{416C9C19-CFF4-4FAE-9690-4F73D1444028}" type="datetimeFigureOut">
               <a:rPr lang="en-US" smtClean="0"/>
-              <a:t>10/3/2016</a:t>
+              <a:t>10/5/2016</a:t>
             </a:fld>
             <a:endParaRPr lang="en-US"/>
           </a:p>
@@ -2725,7 +2725,7 @@
           <a:p>
             <a:fld id="{416C9C19-CFF4-4FAE-9690-4F73D1444028}" type="datetimeFigureOut">
               <a:rPr lang="en-US" smtClean="0"/>
-              <a:t>10/3/2016</a:t>
+              <a:t>10/5/2016</a:t>
             </a:fld>
             <a:endParaRPr lang="en-US"/>
           </a:p>
@@ -3220,23 +3220,6 @@
                 </a:rPr>
                 <a:t>3.5</a:t>
               </a:r>
-              <a:endParaRPr lang="en-US" sz="4400" cap="small" spc="-150" dirty="0" smtClean="0">
-                <a:ln w="11430">
-                  <a:noFill/>
-                </a:ln>
-                <a:solidFill>
-                  <a:srgbClr val="FFFF00"/>
-                </a:solidFill>
-                <a:effectLst>
-                  <a:outerShdw blurRad="38100" dist="38100" dir="2700000" algn="tl">
-                    <a:srgbClr val="000000">
-                      <a:alpha val="43137"/>
-                    </a:srgbClr>
-                  </a:outerShdw>
-                </a:effectLst>
-                <a:latin typeface="Tw Cen MT Condensed Extra Bold" panose="020B0803020202020204" pitchFamily="34" charset="0"/>
-                <a:cs typeface="Arial" panose="020B0604020202020204" pitchFamily="34" charset="0"/>
-              </a:endParaRPr>
             </a:p>
           </p:txBody>
         </p:sp>
@@ -3301,23 +3284,6 @@
                 </a:rPr>
                 <a:t>3.6</a:t>
               </a:r>
-              <a:endParaRPr lang="en-US" sz="4400" cap="small" spc="-150" dirty="0" smtClean="0">
-                <a:ln w="11430">
-                  <a:noFill/>
-                </a:ln>
-                <a:solidFill>
-                  <a:srgbClr val="FFFF00"/>
-                </a:solidFill>
-                <a:effectLst>
-                  <a:outerShdw blurRad="38100" dist="38100" dir="2700000" algn="tl">
-                    <a:srgbClr val="000000">
-                      <a:alpha val="43137"/>
-                    </a:srgbClr>
-                  </a:outerShdw>
-                </a:effectLst>
-                <a:latin typeface="Tw Cen MT Condensed Extra Bold" panose="020B0803020202020204" pitchFamily="34" charset="0"/>
-                <a:cs typeface="Arial" panose="020B0604020202020204" pitchFamily="34" charset="0"/>
-              </a:endParaRPr>
             </a:p>
           </p:txBody>
         </p:sp>
@@ -3396,23 +3362,6 @@
                   </a:rPr>
                   <a:t>Teensies!</a:t>
                 </a:r>
-                <a:endParaRPr lang="en-US" sz="9600" cap="small" spc="-150" dirty="0" smtClean="0">
-                  <a:ln w="11430">
-                    <a:noFill/>
-                  </a:ln>
-                  <a:solidFill>
-                    <a:srgbClr val="FFFF00"/>
-                  </a:solidFill>
-                  <a:effectLst>
-                    <a:outerShdw blurRad="38100" dist="38100" dir="2700000" algn="tl">
-                      <a:srgbClr val="000000">
-                        <a:alpha val="43137"/>
-                      </a:srgbClr>
-                    </a:outerShdw>
-                  </a:effectLst>
-                  <a:latin typeface="Tw Cen MT Condensed Extra Bold" panose="020B0803020202020204" pitchFamily="34" charset="0"/>
-                  <a:cs typeface="Arial" panose="020B0604020202020204" pitchFamily="34" charset="0"/>
-                </a:endParaRPr>
               </a:p>
             </p:txBody>
           </p:sp>
@@ -3477,23 +3426,6 @@
                   </a:rPr>
                   <a:t>New and Faster</a:t>
                 </a:r>
-                <a:endParaRPr lang="en-US" sz="3600" cap="small" spc="-150" dirty="0" smtClean="0">
-                  <a:ln w="11430">
-                    <a:noFill/>
-                  </a:ln>
-                  <a:solidFill>
-                    <a:srgbClr val="FFFF00"/>
-                  </a:solidFill>
-                  <a:effectLst>
-                    <a:outerShdw blurRad="38100" dist="38100" dir="2700000" algn="tl">
-                      <a:srgbClr val="000000">
-                        <a:alpha val="43137"/>
-                      </a:srgbClr>
-                    </a:outerShdw>
-                  </a:effectLst>
-                  <a:latin typeface="Tw Cen MT Condensed Extra Bold" panose="020B0803020202020204" pitchFamily="34" charset="0"/>
-                  <a:cs typeface="Arial" panose="020B0604020202020204" pitchFamily="34" charset="0"/>
-                </a:endParaRPr>
               </a:p>
             </p:txBody>
           </p:sp>
@@ -3559,23 +3491,6 @@
                 </a:rPr>
                 <a:t> NEW</a:t>
               </a:r>
-              <a:endParaRPr lang="en-US" sz="2000" cap="small" dirty="0" smtClean="0">
-                <a:ln w="11430">
-                  <a:noFill/>
-                </a:ln>
-                <a:solidFill>
-                  <a:srgbClr val="FFFF00"/>
-                </a:solidFill>
-                <a:effectLst>
-                  <a:outerShdw blurRad="38100" dist="38100" dir="2700000" algn="tl">
-                    <a:srgbClr val="000000">
-                      <a:alpha val="43137"/>
-                    </a:srgbClr>
-                  </a:outerShdw>
-                </a:effectLst>
-                <a:latin typeface="Tw Cen MT Condensed Extra Bold" panose="020B0803020202020204" pitchFamily="34" charset="0"/>
-                <a:cs typeface="Arial" panose="020B0604020202020204" pitchFamily="34" charset="0"/>
-              </a:endParaRPr>
             </a:p>
           </p:txBody>
         </p:sp>
@@ -3640,23 +3555,6 @@
                 </a:rPr>
                 <a:t> NEW</a:t>
               </a:r>
-              <a:endParaRPr lang="en-US" sz="2000" cap="small" dirty="0" smtClean="0">
-                <a:ln w="11430">
-                  <a:noFill/>
-                </a:ln>
-                <a:solidFill>
-                  <a:srgbClr val="FFFF00"/>
-                </a:solidFill>
-                <a:effectLst>
-                  <a:outerShdw blurRad="38100" dist="38100" dir="2700000" algn="tl">
-                    <a:srgbClr val="000000">
-                      <a:alpha val="43137"/>
-                    </a:srgbClr>
-                  </a:outerShdw>
-                </a:effectLst>
-                <a:latin typeface="Tw Cen MT Condensed Extra Bold" panose="020B0803020202020204" pitchFamily="34" charset="0"/>
-                <a:cs typeface="Arial" panose="020B0604020202020204" pitchFamily="34" charset="0"/>
-              </a:endParaRPr>
             </a:p>
           </p:txBody>
         </p:sp>
@@ -3721,23 +3619,6 @@
                 </a:rPr>
                 <a:t>3.2</a:t>
               </a:r>
-              <a:endParaRPr lang="en-US" sz="4400" cap="small" spc="-150" dirty="0" smtClean="0">
-                <a:ln w="11430">
-                  <a:noFill/>
-                </a:ln>
-                <a:solidFill>
-                  <a:srgbClr val="FFFF00"/>
-                </a:solidFill>
-                <a:effectLst>
-                  <a:outerShdw blurRad="38100" dist="38100" dir="2700000" algn="tl">
-                    <a:srgbClr val="000000">
-                      <a:alpha val="43137"/>
-                    </a:srgbClr>
-                  </a:outerShdw>
-                </a:effectLst>
-                <a:latin typeface="Tw Cen MT Condensed Extra Bold" panose="020B0803020202020204" pitchFamily="34" charset="0"/>
-                <a:cs typeface="Arial" panose="020B0604020202020204" pitchFamily="34" charset="0"/>
-              </a:endParaRPr>
             </a:p>
           </p:txBody>
         </p:sp>
@@ -7855,6 +7736,5127 @@
                     </a:p>
                   </a:txBody>
                   <a:tcPr marL="45720" marR="27432" marT="9144" marB="9144" anchor="b">
+                    <a:lnL w="6350" cap="flat" cmpd="sng" algn="ctr">
+                      <a:solidFill>
+                        <a:srgbClr val="000000"/>
+                      </a:solidFill>
+                      <a:prstDash val="solid"/>
+                      <a:round/>
+                      <a:headEnd type="none" w="med" len="med"/>
+                      <a:tailEnd type="none" w="med" len="med"/>
+                    </a:lnL>
+                    <a:lnR w="6350" cap="flat" cmpd="sng" algn="ctr">
+                      <a:solidFill>
+                        <a:srgbClr val="000000"/>
+                      </a:solidFill>
+                      <a:prstDash val="solid"/>
+                      <a:round/>
+                      <a:headEnd type="none" w="med" len="med"/>
+                      <a:tailEnd type="none" w="med" len="med"/>
+                    </a:lnR>
+                    <a:lnT w="6350" cap="flat" cmpd="sng" algn="ctr">
+                      <a:solidFill>
+                        <a:srgbClr val="000000"/>
+                      </a:solidFill>
+                      <a:prstDash val="solid"/>
+                      <a:round/>
+                      <a:headEnd type="none" w="med" len="med"/>
+                      <a:tailEnd type="none" w="med" len="med"/>
+                    </a:lnT>
+                    <a:lnB w="6350" cap="flat" cmpd="sng" algn="ctr">
+                      <a:solidFill>
+                        <a:srgbClr val="000000"/>
+                      </a:solidFill>
+                      <a:prstDash val="solid"/>
+                      <a:round/>
+                      <a:headEnd type="none" w="med" len="med"/>
+                      <a:tailEnd type="none" w="med" len="med"/>
+                    </a:lnB>
+                    <a:solidFill>
+                      <a:srgbClr val="FFFFFF"/>
+                    </a:solidFill>
+                  </a:tcPr>
+                </a:tc>
+              </a:tr>
+            </a:tbl>
+          </a:graphicData>
+        </a:graphic>
+      </p:graphicFrame>
+      <p:graphicFrame>
+        <p:nvGraphicFramePr>
+          <p:cNvPr id="2" name="Table 1"/>
+          <p:cNvGraphicFramePr>
+            <a:graphicFrameLocks noGrp="1"/>
+          </p:cNvGraphicFramePr>
+          <p:nvPr>
+            <p:extLst>
+              <p:ext uri="{D42A27DB-BD31-4B8C-83A1-F6EECF244321}">
+                <p14:modId xmlns:p14="http://schemas.microsoft.com/office/powerpoint/2010/main" val="569159521"/>
+              </p:ext>
+            </p:extLst>
+          </p:nvPr>
+        </p:nvGraphicFramePr>
+        <p:xfrm>
+          <a:off x="0" y="3276600"/>
+          <a:ext cx="9144000" cy="2621280"/>
+        </p:xfrm>
+        <a:graphic>
+          <a:graphicData uri="http://schemas.openxmlformats.org/drawingml/2006/table">
+            <a:tbl>
+              <a:tblPr/>
+              <a:tblGrid>
+                <a:gridCol w="906517"/>
+                <a:gridCol w="1274379"/>
+                <a:gridCol w="735724"/>
+                <a:gridCol w="1426780"/>
+                <a:gridCol w="1828800"/>
+                <a:gridCol w="914400"/>
+                <a:gridCol w="685800"/>
+                <a:gridCol w="533400"/>
+                <a:gridCol w="838200"/>
+              </a:tblGrid>
+              <a:tr h="200025">
+                <a:tc gridSpan="2">
+                  <a:txBody>
+                    <a:bodyPr/>
+                    <a:lstStyle/>
+                    <a:p>
+                      <a:pPr algn="ctr" fontAlgn="b"/>
+                      <a:r>
+                        <a:rPr lang="en-US" sz="1600" b="1" i="0" u="none" strike="noStrike" dirty="0">
+                          <a:solidFill>
+                            <a:srgbClr val="000000"/>
+                          </a:solidFill>
+                          <a:effectLst/>
+                          <a:latin typeface="Calibri"/>
+                        </a:rPr>
+                        <a:t>Board</a:t>
+                      </a:r>
+                    </a:p>
+                  </a:txBody>
+                  <a:tcPr marL="45720" marR="45720" marT="9144" marB="9144" anchor="b">
+                    <a:lnL w="6350" cap="flat" cmpd="sng" algn="ctr">
+                      <a:solidFill>
+                        <a:srgbClr val="000000"/>
+                      </a:solidFill>
+                      <a:prstDash val="solid"/>
+                      <a:round/>
+                      <a:headEnd type="none" w="med" len="med"/>
+                      <a:tailEnd type="none" w="med" len="med"/>
+                    </a:lnL>
+                    <a:lnR w="6350" cap="flat" cmpd="sng" algn="ctr">
+                      <a:solidFill>
+                        <a:srgbClr val="000000"/>
+                      </a:solidFill>
+                      <a:prstDash val="solid"/>
+                      <a:round/>
+                      <a:headEnd type="none" w="med" len="med"/>
+                      <a:tailEnd type="none" w="med" len="med"/>
+                    </a:lnR>
+                    <a:lnT w="6350" cap="flat" cmpd="sng" algn="ctr">
+                      <a:solidFill>
+                        <a:srgbClr val="000000"/>
+                      </a:solidFill>
+                      <a:prstDash val="solid"/>
+                      <a:round/>
+                      <a:headEnd type="none" w="med" len="med"/>
+                      <a:tailEnd type="none" w="med" len="med"/>
+                    </a:lnT>
+                    <a:lnB w="6350" cap="flat" cmpd="sng" algn="ctr">
+                      <a:solidFill>
+                        <a:srgbClr val="000000"/>
+                      </a:solidFill>
+                      <a:prstDash val="solid"/>
+                      <a:round/>
+                      <a:headEnd type="none" w="med" len="med"/>
+                      <a:tailEnd type="none" w="med" len="med"/>
+                    </a:lnB>
+                    <a:solidFill>
+                      <a:srgbClr val="DCE6F1"/>
+                    </a:solidFill>
+                  </a:tcPr>
+                </a:tc>
+                <a:tc hMerge="1">
+                  <a:txBody>
+                    <a:bodyPr/>
+                    <a:lstStyle/>
+                    <a:p>
+                      <a:endParaRPr lang="en-US"/>
+                    </a:p>
+                  </a:txBody>
+                  <a:tcPr/>
+                </a:tc>
+                <a:tc gridSpan="7">
+                  <a:txBody>
+                    <a:bodyPr/>
+                    <a:lstStyle/>
+                    <a:p>
+                      <a:pPr algn="ctr" fontAlgn="b"/>
+                      <a:r>
+                        <a:rPr lang="en-US" sz="1600" b="1" i="0" u="none" strike="noStrike">
+                          <a:solidFill>
+                            <a:srgbClr val="000000"/>
+                          </a:solidFill>
+                          <a:effectLst/>
+                          <a:latin typeface="Calibri"/>
+                        </a:rPr>
+                        <a:t>Microcontroller</a:t>
+                      </a:r>
+                    </a:p>
+                  </a:txBody>
+                  <a:tcPr marL="45720" marR="45720" marT="9144" marB="9144" anchor="b">
+                    <a:lnL w="6350" cap="flat" cmpd="sng" algn="ctr">
+                      <a:solidFill>
+                        <a:srgbClr val="000000"/>
+                      </a:solidFill>
+                      <a:prstDash val="solid"/>
+                      <a:round/>
+                      <a:headEnd type="none" w="med" len="med"/>
+                      <a:tailEnd type="none" w="med" len="med"/>
+                    </a:lnL>
+                    <a:lnR w="6350" cap="flat" cmpd="sng" algn="ctr">
+                      <a:solidFill>
+                        <a:srgbClr val="000000"/>
+                      </a:solidFill>
+                      <a:prstDash val="solid"/>
+                      <a:round/>
+                      <a:headEnd type="none" w="med" len="med"/>
+                      <a:tailEnd type="none" w="med" len="med"/>
+                    </a:lnR>
+                    <a:lnT w="6350" cap="flat" cmpd="sng" algn="ctr">
+                      <a:solidFill>
+                        <a:srgbClr val="000000"/>
+                      </a:solidFill>
+                      <a:prstDash val="solid"/>
+                      <a:round/>
+                      <a:headEnd type="none" w="med" len="med"/>
+                      <a:tailEnd type="none" w="med" len="med"/>
+                    </a:lnT>
+                    <a:lnB w="6350" cap="flat" cmpd="sng" algn="ctr">
+                      <a:solidFill>
+                        <a:srgbClr val="000000"/>
+                      </a:solidFill>
+                      <a:prstDash val="solid"/>
+                      <a:round/>
+                      <a:headEnd type="none" w="med" len="med"/>
+                      <a:tailEnd type="none" w="med" len="med"/>
+                    </a:lnB>
+                    <a:solidFill>
+                      <a:srgbClr val="F2F2F2"/>
+                    </a:solidFill>
+                  </a:tcPr>
+                </a:tc>
+                <a:tc hMerge="1">
+                  <a:txBody>
+                    <a:bodyPr/>
+                    <a:lstStyle/>
+                    <a:p>
+                      <a:endParaRPr lang="en-US"/>
+                    </a:p>
+                  </a:txBody>
+                  <a:tcPr/>
+                </a:tc>
+                <a:tc hMerge="1">
+                  <a:txBody>
+                    <a:bodyPr/>
+                    <a:lstStyle/>
+                    <a:p>
+                      <a:endParaRPr lang="en-US"/>
+                    </a:p>
+                  </a:txBody>
+                  <a:tcPr/>
+                </a:tc>
+                <a:tc hMerge="1">
+                  <a:txBody>
+                    <a:bodyPr/>
+                    <a:lstStyle/>
+                    <a:p>
+                      <a:endParaRPr lang="en-US"/>
+                    </a:p>
+                  </a:txBody>
+                  <a:tcPr/>
+                </a:tc>
+                <a:tc hMerge="1">
+                  <a:txBody>
+                    <a:bodyPr/>
+                    <a:lstStyle/>
+                    <a:p>
+                      <a:endParaRPr lang="en-US"/>
+                    </a:p>
+                  </a:txBody>
+                  <a:tcPr/>
+                </a:tc>
+                <a:tc hMerge="1">
+                  <a:txBody>
+                    <a:bodyPr/>
+                    <a:lstStyle/>
+                    <a:p>
+                      <a:endParaRPr lang="en-US"/>
+                    </a:p>
+                  </a:txBody>
+                  <a:tcPr/>
+                </a:tc>
+                <a:tc hMerge="1">
+                  <a:txBody>
+                    <a:bodyPr/>
+                    <a:lstStyle/>
+                    <a:p>
+                      <a:endParaRPr lang="en-US"/>
+                    </a:p>
+                  </a:txBody>
+                  <a:tcPr/>
+                </a:tc>
+              </a:tr>
+              <a:tr h="200025">
+                <a:tc>
+                  <a:txBody>
+                    <a:bodyPr/>
+                    <a:lstStyle/>
+                    <a:p>
+                      <a:pPr algn="l" fontAlgn="b"/>
+                      <a:r>
+                        <a:rPr lang="en-US" sz="1600" b="1" i="0" u="none" strike="noStrike">
+                          <a:solidFill>
+                            <a:srgbClr val="000000"/>
+                          </a:solidFill>
+                          <a:effectLst/>
+                          <a:latin typeface="Calibri"/>
+                        </a:rPr>
+                        <a:t>Brand</a:t>
+                      </a:r>
+                    </a:p>
+                  </a:txBody>
+                  <a:tcPr marL="45720" marR="45720" marT="9144" marB="9144" anchor="b">
+                    <a:lnL w="6350" cap="flat" cmpd="sng" algn="ctr">
+                      <a:solidFill>
+                        <a:srgbClr val="000000"/>
+                      </a:solidFill>
+                      <a:prstDash val="solid"/>
+                      <a:round/>
+                      <a:headEnd type="none" w="med" len="med"/>
+                      <a:tailEnd type="none" w="med" len="med"/>
+                    </a:lnL>
+                    <a:lnR w="6350" cap="flat" cmpd="sng" algn="ctr">
+                      <a:solidFill>
+                        <a:srgbClr val="000000"/>
+                      </a:solidFill>
+                      <a:prstDash val="solid"/>
+                      <a:round/>
+                      <a:headEnd type="none" w="med" len="med"/>
+                      <a:tailEnd type="none" w="med" len="med"/>
+                    </a:lnR>
+                    <a:lnT w="6350" cap="flat" cmpd="sng" algn="ctr">
+                      <a:solidFill>
+                        <a:srgbClr val="000000"/>
+                      </a:solidFill>
+                      <a:prstDash val="solid"/>
+                      <a:round/>
+                      <a:headEnd type="none" w="med" len="med"/>
+                      <a:tailEnd type="none" w="med" len="med"/>
+                    </a:lnT>
+                    <a:lnB w="6350" cap="flat" cmpd="sng" algn="ctr">
+                      <a:solidFill>
+                        <a:srgbClr val="000000"/>
+                      </a:solidFill>
+                      <a:prstDash val="solid"/>
+                      <a:round/>
+                      <a:headEnd type="none" w="med" len="med"/>
+                      <a:tailEnd type="none" w="med" len="med"/>
+                    </a:lnB>
+                    <a:solidFill>
+                      <a:srgbClr val="DCE6F1"/>
+                    </a:solidFill>
+                  </a:tcPr>
+                </a:tc>
+                <a:tc>
+                  <a:txBody>
+                    <a:bodyPr/>
+                    <a:lstStyle/>
+                    <a:p>
+                      <a:pPr algn="l" fontAlgn="b"/>
+                      <a:r>
+                        <a:rPr lang="en-US" sz="1600" b="1" i="0" u="none" strike="noStrike">
+                          <a:solidFill>
+                            <a:srgbClr val="000000"/>
+                          </a:solidFill>
+                          <a:effectLst/>
+                          <a:latin typeface="Calibri"/>
+                        </a:rPr>
+                        <a:t>Model</a:t>
+                      </a:r>
+                    </a:p>
+                  </a:txBody>
+                  <a:tcPr marL="45720" marR="45720" marT="9144" marB="9144" anchor="b">
+                    <a:lnL w="6350" cap="flat" cmpd="sng" algn="ctr">
+                      <a:solidFill>
+                        <a:srgbClr val="000000"/>
+                      </a:solidFill>
+                      <a:prstDash val="solid"/>
+                      <a:round/>
+                      <a:headEnd type="none" w="med" len="med"/>
+                      <a:tailEnd type="none" w="med" len="med"/>
+                    </a:lnL>
+                    <a:lnR w="6350" cap="flat" cmpd="sng" algn="ctr">
+                      <a:solidFill>
+                        <a:srgbClr val="000000"/>
+                      </a:solidFill>
+                      <a:prstDash val="solid"/>
+                      <a:round/>
+                      <a:headEnd type="none" w="med" len="med"/>
+                      <a:tailEnd type="none" w="med" len="med"/>
+                    </a:lnR>
+                    <a:lnT w="6350" cap="flat" cmpd="sng" algn="ctr">
+                      <a:solidFill>
+                        <a:srgbClr val="000000"/>
+                      </a:solidFill>
+                      <a:prstDash val="solid"/>
+                      <a:round/>
+                      <a:headEnd type="none" w="med" len="med"/>
+                      <a:tailEnd type="none" w="med" len="med"/>
+                    </a:lnT>
+                    <a:lnB w="6350" cap="flat" cmpd="sng" algn="ctr">
+                      <a:solidFill>
+                        <a:srgbClr val="000000"/>
+                      </a:solidFill>
+                      <a:prstDash val="solid"/>
+                      <a:round/>
+                      <a:headEnd type="none" w="med" len="med"/>
+                      <a:tailEnd type="none" w="med" len="med"/>
+                    </a:lnB>
+                    <a:solidFill>
+                      <a:srgbClr val="DCE6F1"/>
+                    </a:solidFill>
+                  </a:tcPr>
+                </a:tc>
+                <a:tc>
+                  <a:txBody>
+                    <a:bodyPr/>
+                    <a:lstStyle/>
+                    <a:p>
+                      <a:pPr algn="l" fontAlgn="b"/>
+                      <a:r>
+                        <a:rPr lang="en-US" sz="1600" b="1" i="0" u="none" strike="noStrike">
+                          <a:solidFill>
+                            <a:srgbClr val="000000"/>
+                          </a:solidFill>
+                          <a:effectLst/>
+                          <a:latin typeface="Calibri"/>
+                        </a:rPr>
+                        <a:t>Brand</a:t>
+                      </a:r>
+                    </a:p>
+                  </a:txBody>
+                  <a:tcPr marL="45720" marR="45720" marT="9144" marB="9144" anchor="b">
+                    <a:lnL w="6350" cap="flat" cmpd="sng" algn="ctr">
+                      <a:solidFill>
+                        <a:srgbClr val="000000"/>
+                      </a:solidFill>
+                      <a:prstDash val="solid"/>
+                      <a:round/>
+                      <a:headEnd type="none" w="med" len="med"/>
+                      <a:tailEnd type="none" w="med" len="med"/>
+                    </a:lnL>
+                    <a:lnR w="6350" cap="flat" cmpd="sng" algn="ctr">
+                      <a:solidFill>
+                        <a:srgbClr val="000000"/>
+                      </a:solidFill>
+                      <a:prstDash val="solid"/>
+                      <a:round/>
+                      <a:headEnd type="none" w="med" len="med"/>
+                      <a:tailEnd type="none" w="med" len="med"/>
+                    </a:lnR>
+                    <a:lnT w="6350" cap="flat" cmpd="sng" algn="ctr">
+                      <a:solidFill>
+                        <a:srgbClr val="000000"/>
+                      </a:solidFill>
+                      <a:prstDash val="solid"/>
+                      <a:round/>
+                      <a:headEnd type="none" w="med" len="med"/>
+                      <a:tailEnd type="none" w="med" len="med"/>
+                    </a:lnT>
+                    <a:lnB w="6350" cap="flat" cmpd="sng" algn="ctr">
+                      <a:solidFill>
+                        <a:srgbClr val="000000"/>
+                      </a:solidFill>
+                      <a:prstDash val="solid"/>
+                      <a:round/>
+                      <a:headEnd type="none" w="med" len="med"/>
+                      <a:tailEnd type="none" w="med" len="med"/>
+                    </a:lnB>
+                    <a:solidFill>
+                      <a:srgbClr val="F2F2F2"/>
+                    </a:solidFill>
+                  </a:tcPr>
+                </a:tc>
+                <a:tc>
+                  <a:txBody>
+                    <a:bodyPr/>
+                    <a:lstStyle/>
+                    <a:p>
+                      <a:pPr algn="l" fontAlgn="b"/>
+                      <a:r>
+                        <a:rPr lang="en-US" sz="1600" b="1" i="0" u="none" strike="noStrike">
+                          <a:solidFill>
+                            <a:srgbClr val="000000"/>
+                          </a:solidFill>
+                          <a:effectLst/>
+                          <a:latin typeface="Calibri"/>
+                        </a:rPr>
+                        <a:t>Model</a:t>
+                      </a:r>
+                    </a:p>
+                  </a:txBody>
+                  <a:tcPr marL="45720" marR="45720" marT="9144" marB="9144" anchor="b">
+                    <a:lnL w="6350" cap="flat" cmpd="sng" algn="ctr">
+                      <a:solidFill>
+                        <a:srgbClr val="000000"/>
+                      </a:solidFill>
+                      <a:prstDash val="solid"/>
+                      <a:round/>
+                      <a:headEnd type="none" w="med" len="med"/>
+                      <a:tailEnd type="none" w="med" len="med"/>
+                    </a:lnL>
+                    <a:lnR w="6350" cap="flat" cmpd="sng" algn="ctr">
+                      <a:solidFill>
+                        <a:srgbClr val="000000"/>
+                      </a:solidFill>
+                      <a:prstDash val="solid"/>
+                      <a:round/>
+                      <a:headEnd type="none" w="med" len="med"/>
+                      <a:tailEnd type="none" w="med" len="med"/>
+                    </a:lnR>
+                    <a:lnT w="6350" cap="flat" cmpd="sng" algn="ctr">
+                      <a:solidFill>
+                        <a:srgbClr val="000000"/>
+                      </a:solidFill>
+                      <a:prstDash val="solid"/>
+                      <a:round/>
+                      <a:headEnd type="none" w="med" len="med"/>
+                      <a:tailEnd type="none" w="med" len="med"/>
+                    </a:lnT>
+                    <a:lnB w="6350" cap="flat" cmpd="sng" algn="ctr">
+                      <a:solidFill>
+                        <a:srgbClr val="000000"/>
+                      </a:solidFill>
+                      <a:prstDash val="solid"/>
+                      <a:round/>
+                      <a:headEnd type="none" w="med" len="med"/>
+                      <a:tailEnd type="none" w="med" len="med"/>
+                    </a:lnB>
+                    <a:solidFill>
+                      <a:srgbClr val="F2F2F2"/>
+                    </a:solidFill>
+                  </a:tcPr>
+                </a:tc>
+                <a:tc>
+                  <a:txBody>
+                    <a:bodyPr/>
+                    <a:lstStyle/>
+                    <a:p>
+                      <a:pPr algn="l" fontAlgn="b"/>
+                      <a:r>
+                        <a:rPr lang="en-US" sz="1600" b="1" i="0" u="none" strike="noStrike">
+                          <a:solidFill>
+                            <a:srgbClr val="000000"/>
+                          </a:solidFill>
+                          <a:effectLst/>
+                          <a:latin typeface="Calibri"/>
+                        </a:rPr>
+                        <a:t>Core</a:t>
+                      </a:r>
+                    </a:p>
+                  </a:txBody>
+                  <a:tcPr marL="45720" marR="45720" marT="9144" marB="9144" anchor="b">
+                    <a:lnL w="6350" cap="flat" cmpd="sng" algn="ctr">
+                      <a:solidFill>
+                        <a:srgbClr val="000000"/>
+                      </a:solidFill>
+                      <a:prstDash val="solid"/>
+                      <a:round/>
+                      <a:headEnd type="none" w="med" len="med"/>
+                      <a:tailEnd type="none" w="med" len="med"/>
+                    </a:lnL>
+                    <a:lnR w="6350" cap="flat" cmpd="sng" algn="ctr">
+                      <a:solidFill>
+                        <a:srgbClr val="000000"/>
+                      </a:solidFill>
+                      <a:prstDash val="solid"/>
+                      <a:round/>
+                      <a:headEnd type="none" w="med" len="med"/>
+                      <a:tailEnd type="none" w="med" len="med"/>
+                    </a:lnR>
+                    <a:lnT w="6350" cap="flat" cmpd="sng" algn="ctr">
+                      <a:solidFill>
+                        <a:srgbClr val="000000"/>
+                      </a:solidFill>
+                      <a:prstDash val="solid"/>
+                      <a:round/>
+                      <a:headEnd type="none" w="med" len="med"/>
+                      <a:tailEnd type="none" w="med" len="med"/>
+                    </a:lnT>
+                    <a:lnB w="6350" cap="flat" cmpd="sng" algn="ctr">
+                      <a:solidFill>
+                        <a:srgbClr val="000000"/>
+                      </a:solidFill>
+                      <a:prstDash val="solid"/>
+                      <a:round/>
+                      <a:headEnd type="none" w="med" len="med"/>
+                      <a:tailEnd type="none" w="med" len="med"/>
+                    </a:lnB>
+                    <a:solidFill>
+                      <a:srgbClr val="F2F2F2"/>
+                    </a:solidFill>
+                  </a:tcPr>
+                </a:tc>
+                <a:tc>
+                  <a:txBody>
+                    <a:bodyPr/>
+                    <a:lstStyle/>
+                    <a:p>
+                      <a:pPr algn="l" fontAlgn="b"/>
+                      <a:r>
+                        <a:rPr lang="en-US" sz="1600" b="1" i="0" u="none" strike="noStrike">
+                          <a:solidFill>
+                            <a:srgbClr val="000000"/>
+                          </a:solidFill>
+                          <a:effectLst/>
+                          <a:latin typeface="Calibri"/>
+                        </a:rPr>
+                        <a:t>Clock</a:t>
+                      </a:r>
+                    </a:p>
+                  </a:txBody>
+                  <a:tcPr marL="45720" marR="45720" marT="9144" marB="9144" anchor="b">
+                    <a:lnL w="6350" cap="flat" cmpd="sng" algn="ctr">
+                      <a:solidFill>
+                        <a:srgbClr val="000000"/>
+                      </a:solidFill>
+                      <a:prstDash val="solid"/>
+                      <a:round/>
+                      <a:headEnd type="none" w="med" len="med"/>
+                      <a:tailEnd type="none" w="med" len="med"/>
+                    </a:lnL>
+                    <a:lnR w="6350" cap="flat" cmpd="sng" algn="ctr">
+                      <a:solidFill>
+                        <a:srgbClr val="000000"/>
+                      </a:solidFill>
+                      <a:prstDash val="solid"/>
+                      <a:round/>
+                      <a:headEnd type="none" w="med" len="med"/>
+                      <a:tailEnd type="none" w="med" len="med"/>
+                    </a:lnR>
+                    <a:lnT w="6350" cap="flat" cmpd="sng" algn="ctr">
+                      <a:solidFill>
+                        <a:srgbClr val="000000"/>
+                      </a:solidFill>
+                      <a:prstDash val="solid"/>
+                      <a:round/>
+                      <a:headEnd type="none" w="med" len="med"/>
+                      <a:tailEnd type="none" w="med" len="med"/>
+                    </a:lnT>
+                    <a:lnB w="6350" cap="flat" cmpd="sng" algn="ctr">
+                      <a:solidFill>
+                        <a:srgbClr val="000000"/>
+                      </a:solidFill>
+                      <a:prstDash val="solid"/>
+                      <a:round/>
+                      <a:headEnd type="none" w="med" len="med"/>
+                      <a:tailEnd type="none" w="med" len="med"/>
+                    </a:lnB>
+                    <a:solidFill>
+                      <a:srgbClr val="F2F2F2"/>
+                    </a:solidFill>
+                  </a:tcPr>
+                </a:tc>
+                <a:tc>
+                  <a:txBody>
+                    <a:bodyPr/>
+                    <a:lstStyle/>
+                    <a:p>
+                      <a:pPr algn="l" fontAlgn="b"/>
+                      <a:r>
+                        <a:rPr lang="en-US" sz="1600" b="1" i="0" u="none" strike="noStrike">
+                          <a:solidFill>
+                            <a:srgbClr val="000000"/>
+                          </a:solidFill>
+                          <a:effectLst/>
+                          <a:latin typeface="Calibri"/>
+                        </a:rPr>
+                        <a:t>Width</a:t>
+                      </a:r>
+                    </a:p>
+                  </a:txBody>
+                  <a:tcPr marL="45720" marR="45720" marT="9144" marB="9144" anchor="b">
+                    <a:lnL w="6350" cap="flat" cmpd="sng" algn="ctr">
+                      <a:solidFill>
+                        <a:srgbClr val="000000"/>
+                      </a:solidFill>
+                      <a:prstDash val="solid"/>
+                      <a:round/>
+                      <a:headEnd type="none" w="med" len="med"/>
+                      <a:tailEnd type="none" w="med" len="med"/>
+                    </a:lnL>
+                    <a:lnR w="6350" cap="flat" cmpd="sng" algn="ctr">
+                      <a:solidFill>
+                        <a:srgbClr val="000000"/>
+                      </a:solidFill>
+                      <a:prstDash val="solid"/>
+                      <a:round/>
+                      <a:headEnd type="none" w="med" len="med"/>
+                      <a:tailEnd type="none" w="med" len="med"/>
+                    </a:lnR>
+                    <a:lnT w="6350" cap="flat" cmpd="sng" algn="ctr">
+                      <a:solidFill>
+                        <a:srgbClr val="000000"/>
+                      </a:solidFill>
+                      <a:prstDash val="solid"/>
+                      <a:round/>
+                      <a:headEnd type="none" w="med" len="med"/>
+                      <a:tailEnd type="none" w="med" len="med"/>
+                    </a:lnT>
+                    <a:lnB w="6350" cap="flat" cmpd="sng" algn="ctr">
+                      <a:solidFill>
+                        <a:srgbClr val="000000"/>
+                      </a:solidFill>
+                      <a:prstDash val="solid"/>
+                      <a:round/>
+                      <a:headEnd type="none" w="med" len="med"/>
+                      <a:tailEnd type="none" w="med" len="med"/>
+                    </a:lnB>
+                    <a:solidFill>
+                      <a:srgbClr val="F2F2F2"/>
+                    </a:solidFill>
+                  </a:tcPr>
+                </a:tc>
+                <a:tc>
+                  <a:txBody>
+                    <a:bodyPr/>
+                    <a:lstStyle/>
+                    <a:p>
+                      <a:pPr algn="l" fontAlgn="b"/>
+                      <a:r>
+                        <a:rPr lang="en-US" sz="1600" b="1" i="0" u="none" strike="noStrike">
+                          <a:solidFill>
+                            <a:srgbClr val="000000"/>
+                          </a:solidFill>
+                          <a:effectLst/>
+                          <a:latin typeface="Calibri"/>
+                        </a:rPr>
+                        <a:t>FPU</a:t>
+                      </a:r>
+                    </a:p>
+                  </a:txBody>
+                  <a:tcPr marL="45720" marR="45720" marT="9144" marB="9144" anchor="b">
+                    <a:lnL w="6350" cap="flat" cmpd="sng" algn="ctr">
+                      <a:solidFill>
+                        <a:srgbClr val="000000"/>
+                      </a:solidFill>
+                      <a:prstDash val="solid"/>
+                      <a:round/>
+                      <a:headEnd type="none" w="med" len="med"/>
+                      <a:tailEnd type="none" w="med" len="med"/>
+                    </a:lnL>
+                    <a:lnR w="6350" cap="flat" cmpd="sng" algn="ctr">
+                      <a:solidFill>
+                        <a:srgbClr val="000000"/>
+                      </a:solidFill>
+                      <a:prstDash val="solid"/>
+                      <a:round/>
+                      <a:headEnd type="none" w="med" len="med"/>
+                      <a:tailEnd type="none" w="med" len="med"/>
+                    </a:lnR>
+                    <a:lnT w="6350" cap="flat" cmpd="sng" algn="ctr">
+                      <a:solidFill>
+                        <a:srgbClr val="000000"/>
+                      </a:solidFill>
+                      <a:prstDash val="solid"/>
+                      <a:round/>
+                      <a:headEnd type="none" w="med" len="med"/>
+                      <a:tailEnd type="none" w="med" len="med"/>
+                    </a:lnT>
+                    <a:lnB w="6350" cap="flat" cmpd="sng" algn="ctr">
+                      <a:solidFill>
+                        <a:srgbClr val="000000"/>
+                      </a:solidFill>
+                      <a:prstDash val="solid"/>
+                      <a:round/>
+                      <a:headEnd type="none" w="med" len="med"/>
+                      <a:tailEnd type="none" w="med" len="med"/>
+                    </a:lnB>
+                    <a:solidFill>
+                      <a:srgbClr val="F2F2F2"/>
+                    </a:solidFill>
+                  </a:tcPr>
+                </a:tc>
+                <a:tc>
+                  <a:txBody>
+                    <a:bodyPr/>
+                    <a:lstStyle/>
+                    <a:p>
+                      <a:pPr algn="l" fontAlgn="b"/>
+                      <a:r>
+                        <a:rPr lang="en-US" sz="1600" b="1" i="0" u="none" strike="noStrike">
+                          <a:solidFill>
+                            <a:srgbClr val="000000"/>
+                          </a:solidFill>
+                          <a:effectLst/>
+                          <a:latin typeface="Calibri"/>
+                        </a:rPr>
+                        <a:t>RAM</a:t>
+                      </a:r>
+                    </a:p>
+                  </a:txBody>
+                  <a:tcPr marL="45720" marR="45720" marT="9144" marB="9144" anchor="b">
+                    <a:lnL w="6350" cap="flat" cmpd="sng" algn="ctr">
+                      <a:solidFill>
+                        <a:srgbClr val="000000"/>
+                      </a:solidFill>
+                      <a:prstDash val="solid"/>
+                      <a:round/>
+                      <a:headEnd type="none" w="med" len="med"/>
+                      <a:tailEnd type="none" w="med" len="med"/>
+                    </a:lnL>
+                    <a:lnR w="6350" cap="flat" cmpd="sng" algn="ctr">
+                      <a:solidFill>
+                        <a:srgbClr val="000000"/>
+                      </a:solidFill>
+                      <a:prstDash val="solid"/>
+                      <a:round/>
+                      <a:headEnd type="none" w="med" len="med"/>
+                      <a:tailEnd type="none" w="med" len="med"/>
+                    </a:lnR>
+                    <a:lnT w="6350" cap="flat" cmpd="sng" algn="ctr">
+                      <a:solidFill>
+                        <a:srgbClr val="000000"/>
+                      </a:solidFill>
+                      <a:prstDash val="solid"/>
+                      <a:round/>
+                      <a:headEnd type="none" w="med" len="med"/>
+                      <a:tailEnd type="none" w="med" len="med"/>
+                    </a:lnT>
+                    <a:lnB w="6350" cap="flat" cmpd="sng" algn="ctr">
+                      <a:solidFill>
+                        <a:srgbClr val="000000"/>
+                      </a:solidFill>
+                      <a:prstDash val="solid"/>
+                      <a:round/>
+                      <a:headEnd type="none" w="med" len="med"/>
+                      <a:tailEnd type="none" w="med" len="med"/>
+                    </a:lnB>
+                    <a:solidFill>
+                      <a:srgbClr val="F2F2F2"/>
+                    </a:solidFill>
+                  </a:tcPr>
+                </a:tc>
+              </a:tr>
+              <a:tr h="200025">
+                <a:tc>
+                  <a:txBody>
+                    <a:bodyPr/>
+                    <a:lstStyle/>
+                    <a:p>
+                      <a:pPr algn="l" fontAlgn="b"/>
+                      <a:r>
+                        <a:rPr lang="en-US" sz="1600" b="0" i="0" u="none" strike="noStrike">
+                          <a:solidFill>
+                            <a:srgbClr val="000000"/>
+                          </a:solidFill>
+                          <a:effectLst/>
+                          <a:latin typeface="Calibri"/>
+                        </a:rPr>
+                        <a:t>Arduino</a:t>
+                      </a:r>
+                    </a:p>
+                  </a:txBody>
+                  <a:tcPr marL="45720" marR="45720" marT="9144" marB="9144" anchor="b">
+                    <a:lnL w="6350" cap="flat" cmpd="sng" algn="ctr">
+                      <a:solidFill>
+                        <a:srgbClr val="000000"/>
+                      </a:solidFill>
+                      <a:prstDash val="solid"/>
+                      <a:round/>
+                      <a:headEnd type="none" w="med" len="med"/>
+                      <a:tailEnd type="none" w="med" len="med"/>
+                    </a:lnL>
+                    <a:lnR w="6350" cap="flat" cmpd="sng" algn="ctr">
+                      <a:solidFill>
+                        <a:srgbClr val="000000"/>
+                      </a:solidFill>
+                      <a:prstDash val="solid"/>
+                      <a:round/>
+                      <a:headEnd type="none" w="med" len="med"/>
+                      <a:tailEnd type="none" w="med" len="med"/>
+                    </a:lnR>
+                    <a:lnT w="6350" cap="flat" cmpd="sng" algn="ctr">
+                      <a:solidFill>
+                        <a:srgbClr val="000000"/>
+                      </a:solidFill>
+                      <a:prstDash val="solid"/>
+                      <a:round/>
+                      <a:headEnd type="none" w="med" len="med"/>
+                      <a:tailEnd type="none" w="med" len="med"/>
+                    </a:lnT>
+                    <a:lnB w="6350" cap="flat" cmpd="sng" algn="ctr">
+                      <a:solidFill>
+                        <a:srgbClr val="000000"/>
+                      </a:solidFill>
+                      <a:prstDash val="solid"/>
+                      <a:round/>
+                      <a:headEnd type="none" w="med" len="med"/>
+                      <a:tailEnd type="none" w="med" len="med"/>
+                    </a:lnB>
+                    <a:solidFill>
+                      <a:srgbClr val="FFFFFF"/>
+                    </a:solidFill>
+                  </a:tcPr>
+                </a:tc>
+                <a:tc>
+                  <a:txBody>
+                    <a:bodyPr/>
+                    <a:lstStyle/>
+                    <a:p>
+                      <a:pPr algn="l" fontAlgn="b"/>
+                      <a:r>
+                        <a:rPr lang="en-US" sz="1600" b="0" i="0" u="none" strike="noStrike">
+                          <a:solidFill>
+                            <a:srgbClr val="000000"/>
+                          </a:solidFill>
+                          <a:effectLst/>
+                          <a:latin typeface="Calibri"/>
+                        </a:rPr>
+                        <a:t>Uno</a:t>
+                      </a:r>
+                    </a:p>
+                  </a:txBody>
+                  <a:tcPr marL="45720" marR="45720" marT="9144" marB="9144" anchor="b">
+                    <a:lnL w="6350" cap="flat" cmpd="sng" algn="ctr">
+                      <a:solidFill>
+                        <a:srgbClr val="000000"/>
+                      </a:solidFill>
+                      <a:prstDash val="solid"/>
+                      <a:round/>
+                      <a:headEnd type="none" w="med" len="med"/>
+                      <a:tailEnd type="none" w="med" len="med"/>
+                    </a:lnL>
+                    <a:lnR w="6350" cap="flat" cmpd="sng" algn="ctr">
+                      <a:solidFill>
+                        <a:srgbClr val="000000"/>
+                      </a:solidFill>
+                      <a:prstDash val="solid"/>
+                      <a:round/>
+                      <a:headEnd type="none" w="med" len="med"/>
+                      <a:tailEnd type="none" w="med" len="med"/>
+                    </a:lnR>
+                    <a:lnT w="6350" cap="flat" cmpd="sng" algn="ctr">
+                      <a:solidFill>
+                        <a:srgbClr val="000000"/>
+                      </a:solidFill>
+                      <a:prstDash val="solid"/>
+                      <a:round/>
+                      <a:headEnd type="none" w="med" len="med"/>
+                      <a:tailEnd type="none" w="med" len="med"/>
+                    </a:lnT>
+                    <a:lnB w="6350" cap="flat" cmpd="sng" algn="ctr">
+                      <a:solidFill>
+                        <a:srgbClr val="000000"/>
+                      </a:solidFill>
+                      <a:prstDash val="solid"/>
+                      <a:round/>
+                      <a:headEnd type="none" w="med" len="med"/>
+                      <a:tailEnd type="none" w="med" len="med"/>
+                    </a:lnB>
+                    <a:solidFill>
+                      <a:srgbClr val="FFFFFF"/>
+                    </a:solidFill>
+                  </a:tcPr>
+                </a:tc>
+                <a:tc>
+                  <a:txBody>
+                    <a:bodyPr/>
+                    <a:lstStyle/>
+                    <a:p>
+                      <a:pPr algn="l" fontAlgn="b"/>
+                      <a:r>
+                        <a:rPr lang="en-US" sz="1600" b="0" i="0" u="none" strike="noStrike">
+                          <a:solidFill>
+                            <a:srgbClr val="000000"/>
+                          </a:solidFill>
+                          <a:effectLst/>
+                          <a:latin typeface="Calibri"/>
+                        </a:rPr>
+                        <a:t>Atmel</a:t>
+                      </a:r>
+                    </a:p>
+                  </a:txBody>
+                  <a:tcPr marL="45720" marR="45720" marT="9144" marB="9144" anchor="b">
+                    <a:lnL w="6350" cap="flat" cmpd="sng" algn="ctr">
+                      <a:solidFill>
+                        <a:srgbClr val="000000"/>
+                      </a:solidFill>
+                      <a:prstDash val="solid"/>
+                      <a:round/>
+                      <a:headEnd type="none" w="med" len="med"/>
+                      <a:tailEnd type="none" w="med" len="med"/>
+                    </a:lnL>
+                    <a:lnR w="6350" cap="flat" cmpd="sng" algn="ctr">
+                      <a:solidFill>
+                        <a:srgbClr val="000000"/>
+                      </a:solidFill>
+                      <a:prstDash val="solid"/>
+                      <a:round/>
+                      <a:headEnd type="none" w="med" len="med"/>
+                      <a:tailEnd type="none" w="med" len="med"/>
+                    </a:lnR>
+                    <a:lnT w="6350" cap="flat" cmpd="sng" algn="ctr">
+                      <a:solidFill>
+                        <a:srgbClr val="000000"/>
+                      </a:solidFill>
+                      <a:prstDash val="solid"/>
+                      <a:round/>
+                      <a:headEnd type="none" w="med" len="med"/>
+                      <a:tailEnd type="none" w="med" len="med"/>
+                    </a:lnT>
+                    <a:lnB w="6350" cap="flat" cmpd="sng" algn="ctr">
+                      <a:solidFill>
+                        <a:srgbClr val="000000"/>
+                      </a:solidFill>
+                      <a:prstDash val="solid"/>
+                      <a:round/>
+                      <a:headEnd type="none" w="med" len="med"/>
+                      <a:tailEnd type="none" w="med" len="med"/>
+                    </a:lnB>
+                    <a:solidFill>
+                      <a:srgbClr val="FFFFFF"/>
+                    </a:solidFill>
+                  </a:tcPr>
+                </a:tc>
+                <a:tc>
+                  <a:txBody>
+                    <a:bodyPr/>
+                    <a:lstStyle/>
+                    <a:p>
+                      <a:pPr algn="l" fontAlgn="b"/>
+                      <a:r>
+                        <a:rPr lang="en-US" sz="1600" b="0" i="0" u="none" strike="noStrike">
+                          <a:solidFill>
+                            <a:srgbClr val="000000"/>
+                          </a:solidFill>
+                          <a:effectLst/>
+                          <a:latin typeface="Calibri"/>
+                        </a:rPr>
+                        <a:t>MEGA328P</a:t>
+                      </a:r>
+                    </a:p>
+                  </a:txBody>
+                  <a:tcPr marL="45720" marR="45720" marT="9144" marB="9144" anchor="b">
+                    <a:lnL w="6350" cap="flat" cmpd="sng" algn="ctr">
+                      <a:solidFill>
+                        <a:srgbClr val="000000"/>
+                      </a:solidFill>
+                      <a:prstDash val="solid"/>
+                      <a:round/>
+                      <a:headEnd type="none" w="med" len="med"/>
+                      <a:tailEnd type="none" w="med" len="med"/>
+                    </a:lnL>
+                    <a:lnR w="6350" cap="flat" cmpd="sng" algn="ctr">
+                      <a:solidFill>
+                        <a:srgbClr val="000000"/>
+                      </a:solidFill>
+                      <a:prstDash val="solid"/>
+                      <a:round/>
+                      <a:headEnd type="none" w="med" len="med"/>
+                      <a:tailEnd type="none" w="med" len="med"/>
+                    </a:lnR>
+                    <a:lnT w="6350" cap="flat" cmpd="sng" algn="ctr">
+                      <a:solidFill>
+                        <a:srgbClr val="000000"/>
+                      </a:solidFill>
+                      <a:prstDash val="solid"/>
+                      <a:round/>
+                      <a:headEnd type="none" w="med" len="med"/>
+                      <a:tailEnd type="none" w="med" len="med"/>
+                    </a:lnT>
+                    <a:lnB w="6350" cap="flat" cmpd="sng" algn="ctr">
+                      <a:solidFill>
+                        <a:srgbClr val="000000"/>
+                      </a:solidFill>
+                      <a:prstDash val="solid"/>
+                      <a:round/>
+                      <a:headEnd type="none" w="med" len="med"/>
+                      <a:tailEnd type="none" w="med" len="med"/>
+                    </a:lnB>
+                    <a:solidFill>
+                      <a:srgbClr val="FFFFFF"/>
+                    </a:solidFill>
+                  </a:tcPr>
+                </a:tc>
+                <a:tc>
+                  <a:txBody>
+                    <a:bodyPr/>
+                    <a:lstStyle/>
+                    <a:p>
+                      <a:pPr algn="l" fontAlgn="b"/>
+                      <a:r>
+                        <a:rPr lang="en-US" sz="1600" b="0" i="0" u="none" strike="noStrike">
+                          <a:solidFill>
+                            <a:srgbClr val="000000"/>
+                          </a:solidFill>
+                          <a:effectLst/>
+                          <a:latin typeface="Calibri"/>
+                        </a:rPr>
+                        <a:t>AVR</a:t>
+                      </a:r>
+                    </a:p>
+                  </a:txBody>
+                  <a:tcPr marL="45720" marR="45720" marT="9144" marB="9144" anchor="b">
+                    <a:lnL w="6350" cap="flat" cmpd="sng" algn="ctr">
+                      <a:solidFill>
+                        <a:srgbClr val="000000"/>
+                      </a:solidFill>
+                      <a:prstDash val="solid"/>
+                      <a:round/>
+                      <a:headEnd type="none" w="med" len="med"/>
+                      <a:tailEnd type="none" w="med" len="med"/>
+                    </a:lnL>
+                    <a:lnR w="6350" cap="flat" cmpd="sng" algn="ctr">
+                      <a:solidFill>
+                        <a:srgbClr val="000000"/>
+                      </a:solidFill>
+                      <a:prstDash val="solid"/>
+                      <a:round/>
+                      <a:headEnd type="none" w="med" len="med"/>
+                      <a:tailEnd type="none" w="med" len="med"/>
+                    </a:lnR>
+                    <a:lnT w="6350" cap="flat" cmpd="sng" algn="ctr">
+                      <a:solidFill>
+                        <a:srgbClr val="000000"/>
+                      </a:solidFill>
+                      <a:prstDash val="solid"/>
+                      <a:round/>
+                      <a:headEnd type="none" w="med" len="med"/>
+                      <a:tailEnd type="none" w="med" len="med"/>
+                    </a:lnT>
+                    <a:lnB w="6350" cap="flat" cmpd="sng" algn="ctr">
+                      <a:solidFill>
+                        <a:srgbClr val="000000"/>
+                      </a:solidFill>
+                      <a:prstDash val="solid"/>
+                      <a:round/>
+                      <a:headEnd type="none" w="med" len="med"/>
+                      <a:tailEnd type="none" w="med" len="med"/>
+                    </a:lnB>
+                    <a:solidFill>
+                      <a:srgbClr val="FFFFFF"/>
+                    </a:solidFill>
+                  </a:tcPr>
+                </a:tc>
+                <a:tc>
+                  <a:txBody>
+                    <a:bodyPr/>
+                    <a:lstStyle/>
+                    <a:p>
+                      <a:pPr algn="l" fontAlgn="b"/>
+                      <a:r>
+                        <a:rPr lang="en-US" sz="1600" b="0" i="0" u="none" strike="noStrike">
+                          <a:solidFill>
+                            <a:srgbClr val="000000"/>
+                          </a:solidFill>
+                          <a:effectLst/>
+                          <a:latin typeface="Calibri"/>
+                        </a:rPr>
+                        <a:t>16 MHz</a:t>
+                      </a:r>
+                    </a:p>
+                  </a:txBody>
+                  <a:tcPr marL="45720" marR="45720" marT="9144" marB="9144" anchor="b">
+                    <a:lnL w="6350" cap="flat" cmpd="sng" algn="ctr">
+                      <a:solidFill>
+                        <a:srgbClr val="000000"/>
+                      </a:solidFill>
+                      <a:prstDash val="solid"/>
+                      <a:round/>
+                      <a:headEnd type="none" w="med" len="med"/>
+                      <a:tailEnd type="none" w="med" len="med"/>
+                    </a:lnL>
+                    <a:lnR w="6350" cap="flat" cmpd="sng" algn="ctr">
+                      <a:solidFill>
+                        <a:srgbClr val="000000"/>
+                      </a:solidFill>
+                      <a:prstDash val="solid"/>
+                      <a:round/>
+                      <a:headEnd type="none" w="med" len="med"/>
+                      <a:tailEnd type="none" w="med" len="med"/>
+                    </a:lnR>
+                    <a:lnT w="6350" cap="flat" cmpd="sng" algn="ctr">
+                      <a:solidFill>
+                        <a:srgbClr val="000000"/>
+                      </a:solidFill>
+                      <a:prstDash val="solid"/>
+                      <a:round/>
+                      <a:headEnd type="none" w="med" len="med"/>
+                      <a:tailEnd type="none" w="med" len="med"/>
+                    </a:lnT>
+                    <a:lnB w="6350" cap="flat" cmpd="sng" algn="ctr">
+                      <a:solidFill>
+                        <a:srgbClr val="000000"/>
+                      </a:solidFill>
+                      <a:prstDash val="solid"/>
+                      <a:round/>
+                      <a:headEnd type="none" w="med" len="med"/>
+                      <a:tailEnd type="none" w="med" len="med"/>
+                    </a:lnB>
+                    <a:solidFill>
+                      <a:srgbClr val="FFFFFF"/>
+                    </a:solidFill>
+                  </a:tcPr>
+                </a:tc>
+                <a:tc>
+                  <a:txBody>
+                    <a:bodyPr/>
+                    <a:lstStyle/>
+                    <a:p>
+                      <a:pPr algn="l" fontAlgn="b"/>
+                      <a:r>
+                        <a:rPr lang="en-US" sz="1600" b="0" i="0" u="none" strike="noStrike">
+                          <a:solidFill>
+                            <a:srgbClr val="000000"/>
+                          </a:solidFill>
+                          <a:effectLst/>
+                          <a:latin typeface="Calibri"/>
+                        </a:rPr>
+                        <a:t>8-bit</a:t>
+                      </a:r>
+                    </a:p>
+                  </a:txBody>
+                  <a:tcPr marL="45720" marR="45720" marT="9144" marB="9144" anchor="b">
+                    <a:lnL w="6350" cap="flat" cmpd="sng" algn="ctr">
+                      <a:solidFill>
+                        <a:srgbClr val="000000"/>
+                      </a:solidFill>
+                      <a:prstDash val="solid"/>
+                      <a:round/>
+                      <a:headEnd type="none" w="med" len="med"/>
+                      <a:tailEnd type="none" w="med" len="med"/>
+                    </a:lnL>
+                    <a:lnR w="6350" cap="flat" cmpd="sng" algn="ctr">
+                      <a:solidFill>
+                        <a:srgbClr val="000000"/>
+                      </a:solidFill>
+                      <a:prstDash val="solid"/>
+                      <a:round/>
+                      <a:headEnd type="none" w="med" len="med"/>
+                      <a:tailEnd type="none" w="med" len="med"/>
+                    </a:lnR>
+                    <a:lnT w="6350" cap="flat" cmpd="sng" algn="ctr">
+                      <a:solidFill>
+                        <a:srgbClr val="000000"/>
+                      </a:solidFill>
+                      <a:prstDash val="solid"/>
+                      <a:round/>
+                      <a:headEnd type="none" w="med" len="med"/>
+                      <a:tailEnd type="none" w="med" len="med"/>
+                    </a:lnT>
+                    <a:lnB w="6350" cap="flat" cmpd="sng" algn="ctr">
+                      <a:solidFill>
+                        <a:srgbClr val="000000"/>
+                      </a:solidFill>
+                      <a:prstDash val="solid"/>
+                      <a:round/>
+                      <a:headEnd type="none" w="med" len="med"/>
+                      <a:tailEnd type="none" w="med" len="med"/>
+                    </a:lnB>
+                    <a:solidFill>
+                      <a:srgbClr val="FFFFFF"/>
+                    </a:solidFill>
+                  </a:tcPr>
+                </a:tc>
+                <a:tc>
+                  <a:txBody>
+                    <a:bodyPr/>
+                    <a:lstStyle/>
+                    <a:p>
+                      <a:pPr algn="l" fontAlgn="b"/>
+                      <a:r>
+                        <a:rPr lang="en-US" sz="1600" b="0" i="0" u="none" strike="noStrike">
+                          <a:solidFill>
+                            <a:srgbClr val="000000"/>
+                          </a:solidFill>
+                          <a:effectLst/>
+                          <a:latin typeface="Calibri"/>
+                        </a:rPr>
+                        <a:t>No</a:t>
+                      </a:r>
+                    </a:p>
+                  </a:txBody>
+                  <a:tcPr marL="45720" marR="45720" marT="9144" marB="9144" anchor="b">
+                    <a:lnL w="6350" cap="flat" cmpd="sng" algn="ctr">
+                      <a:solidFill>
+                        <a:srgbClr val="000000"/>
+                      </a:solidFill>
+                      <a:prstDash val="solid"/>
+                      <a:round/>
+                      <a:headEnd type="none" w="med" len="med"/>
+                      <a:tailEnd type="none" w="med" len="med"/>
+                    </a:lnL>
+                    <a:lnR w="6350" cap="flat" cmpd="sng" algn="ctr">
+                      <a:solidFill>
+                        <a:srgbClr val="000000"/>
+                      </a:solidFill>
+                      <a:prstDash val="solid"/>
+                      <a:round/>
+                      <a:headEnd type="none" w="med" len="med"/>
+                      <a:tailEnd type="none" w="med" len="med"/>
+                    </a:lnR>
+                    <a:lnT w="6350" cap="flat" cmpd="sng" algn="ctr">
+                      <a:solidFill>
+                        <a:srgbClr val="000000"/>
+                      </a:solidFill>
+                      <a:prstDash val="solid"/>
+                      <a:round/>
+                      <a:headEnd type="none" w="med" len="med"/>
+                      <a:tailEnd type="none" w="med" len="med"/>
+                    </a:lnT>
+                    <a:lnB w="6350" cap="flat" cmpd="sng" algn="ctr">
+                      <a:solidFill>
+                        <a:srgbClr val="000000"/>
+                      </a:solidFill>
+                      <a:prstDash val="solid"/>
+                      <a:round/>
+                      <a:headEnd type="none" w="med" len="med"/>
+                      <a:tailEnd type="none" w="med" len="med"/>
+                    </a:lnB>
+                    <a:solidFill>
+                      <a:srgbClr val="FFFFFF"/>
+                    </a:solidFill>
+                  </a:tcPr>
+                </a:tc>
+                <a:tc>
+                  <a:txBody>
+                    <a:bodyPr/>
+                    <a:lstStyle/>
+                    <a:p>
+                      <a:pPr algn="l" fontAlgn="b"/>
+                      <a:r>
+                        <a:rPr lang="en-US" sz="1600" b="0" i="0" u="none" strike="noStrike">
+                          <a:solidFill>
+                            <a:srgbClr val="000000"/>
+                          </a:solidFill>
+                          <a:effectLst/>
+                          <a:latin typeface="Calibri"/>
+                        </a:rPr>
+                        <a:t>2 KB</a:t>
+                      </a:r>
+                    </a:p>
+                  </a:txBody>
+                  <a:tcPr marL="45720" marR="45720" marT="9144" marB="9144" anchor="b">
+                    <a:lnL w="6350" cap="flat" cmpd="sng" algn="ctr">
+                      <a:solidFill>
+                        <a:srgbClr val="000000"/>
+                      </a:solidFill>
+                      <a:prstDash val="solid"/>
+                      <a:round/>
+                      <a:headEnd type="none" w="med" len="med"/>
+                      <a:tailEnd type="none" w="med" len="med"/>
+                    </a:lnL>
+                    <a:lnR w="6350" cap="flat" cmpd="sng" algn="ctr">
+                      <a:solidFill>
+                        <a:srgbClr val="000000"/>
+                      </a:solidFill>
+                      <a:prstDash val="solid"/>
+                      <a:round/>
+                      <a:headEnd type="none" w="med" len="med"/>
+                      <a:tailEnd type="none" w="med" len="med"/>
+                    </a:lnR>
+                    <a:lnT w="6350" cap="flat" cmpd="sng" algn="ctr">
+                      <a:solidFill>
+                        <a:srgbClr val="000000"/>
+                      </a:solidFill>
+                      <a:prstDash val="solid"/>
+                      <a:round/>
+                      <a:headEnd type="none" w="med" len="med"/>
+                      <a:tailEnd type="none" w="med" len="med"/>
+                    </a:lnT>
+                    <a:lnB w="6350" cap="flat" cmpd="sng" algn="ctr">
+                      <a:solidFill>
+                        <a:srgbClr val="000000"/>
+                      </a:solidFill>
+                      <a:prstDash val="solid"/>
+                      <a:round/>
+                      <a:headEnd type="none" w="med" len="med"/>
+                      <a:tailEnd type="none" w="med" len="med"/>
+                    </a:lnB>
+                    <a:solidFill>
+                      <a:srgbClr val="FFFFFF"/>
+                    </a:solidFill>
+                  </a:tcPr>
+                </a:tc>
+              </a:tr>
+              <a:tr h="200025">
+                <a:tc>
+                  <a:txBody>
+                    <a:bodyPr/>
+                    <a:lstStyle/>
+                    <a:p>
+                      <a:pPr algn="l" fontAlgn="b"/>
+                      <a:r>
+                        <a:rPr lang="en-US" sz="1600" b="0" i="0" u="none" strike="noStrike">
+                          <a:solidFill>
+                            <a:srgbClr val="000000"/>
+                          </a:solidFill>
+                          <a:effectLst/>
+                          <a:latin typeface="Calibri"/>
+                        </a:rPr>
+                        <a:t>Arduino</a:t>
+                      </a:r>
+                    </a:p>
+                  </a:txBody>
+                  <a:tcPr marL="45720" marR="45720" marT="9144" marB="9144" anchor="b">
+                    <a:lnL w="6350" cap="flat" cmpd="sng" algn="ctr">
+                      <a:solidFill>
+                        <a:srgbClr val="000000"/>
+                      </a:solidFill>
+                      <a:prstDash val="solid"/>
+                      <a:round/>
+                      <a:headEnd type="none" w="med" len="med"/>
+                      <a:tailEnd type="none" w="med" len="med"/>
+                    </a:lnL>
+                    <a:lnR w="6350" cap="flat" cmpd="sng" algn="ctr">
+                      <a:solidFill>
+                        <a:srgbClr val="000000"/>
+                      </a:solidFill>
+                      <a:prstDash val="solid"/>
+                      <a:round/>
+                      <a:headEnd type="none" w="med" len="med"/>
+                      <a:tailEnd type="none" w="med" len="med"/>
+                    </a:lnR>
+                    <a:lnT w="6350" cap="flat" cmpd="sng" algn="ctr">
+                      <a:solidFill>
+                        <a:srgbClr val="000000"/>
+                      </a:solidFill>
+                      <a:prstDash val="solid"/>
+                      <a:round/>
+                      <a:headEnd type="none" w="med" len="med"/>
+                      <a:tailEnd type="none" w="med" len="med"/>
+                    </a:lnT>
+                    <a:lnB w="6350" cap="flat" cmpd="sng" algn="ctr">
+                      <a:solidFill>
+                        <a:srgbClr val="000000"/>
+                      </a:solidFill>
+                      <a:prstDash val="solid"/>
+                      <a:round/>
+                      <a:headEnd type="none" w="med" len="med"/>
+                      <a:tailEnd type="none" w="med" len="med"/>
+                    </a:lnB>
+                    <a:solidFill>
+                      <a:srgbClr val="FFFFFF"/>
+                    </a:solidFill>
+                  </a:tcPr>
+                </a:tc>
+                <a:tc>
+                  <a:txBody>
+                    <a:bodyPr/>
+                    <a:lstStyle/>
+                    <a:p>
+                      <a:pPr algn="l" fontAlgn="b"/>
+                      <a:r>
+                        <a:rPr lang="en-US" sz="1600" b="0" i="0" u="none" strike="noStrike">
+                          <a:solidFill>
+                            <a:srgbClr val="000000"/>
+                          </a:solidFill>
+                          <a:effectLst/>
+                          <a:latin typeface="Calibri"/>
+                        </a:rPr>
+                        <a:t>M0 PRO</a:t>
+                      </a:r>
+                    </a:p>
+                  </a:txBody>
+                  <a:tcPr marL="45720" marR="45720" marT="9144" marB="9144" anchor="b">
+                    <a:lnL w="6350" cap="flat" cmpd="sng" algn="ctr">
+                      <a:solidFill>
+                        <a:srgbClr val="000000"/>
+                      </a:solidFill>
+                      <a:prstDash val="solid"/>
+                      <a:round/>
+                      <a:headEnd type="none" w="med" len="med"/>
+                      <a:tailEnd type="none" w="med" len="med"/>
+                    </a:lnL>
+                    <a:lnR w="6350" cap="flat" cmpd="sng" algn="ctr">
+                      <a:solidFill>
+                        <a:srgbClr val="000000"/>
+                      </a:solidFill>
+                      <a:prstDash val="solid"/>
+                      <a:round/>
+                      <a:headEnd type="none" w="med" len="med"/>
+                      <a:tailEnd type="none" w="med" len="med"/>
+                    </a:lnR>
+                    <a:lnT w="6350" cap="flat" cmpd="sng" algn="ctr">
+                      <a:solidFill>
+                        <a:srgbClr val="000000"/>
+                      </a:solidFill>
+                      <a:prstDash val="solid"/>
+                      <a:round/>
+                      <a:headEnd type="none" w="med" len="med"/>
+                      <a:tailEnd type="none" w="med" len="med"/>
+                    </a:lnT>
+                    <a:lnB w="6350" cap="flat" cmpd="sng" algn="ctr">
+                      <a:solidFill>
+                        <a:srgbClr val="000000"/>
+                      </a:solidFill>
+                      <a:prstDash val="solid"/>
+                      <a:round/>
+                      <a:headEnd type="none" w="med" len="med"/>
+                      <a:tailEnd type="none" w="med" len="med"/>
+                    </a:lnB>
+                    <a:solidFill>
+                      <a:srgbClr val="FFFFFF"/>
+                    </a:solidFill>
+                  </a:tcPr>
+                </a:tc>
+                <a:tc>
+                  <a:txBody>
+                    <a:bodyPr/>
+                    <a:lstStyle/>
+                    <a:p>
+                      <a:pPr algn="l" fontAlgn="b"/>
+                      <a:r>
+                        <a:rPr lang="en-US" sz="1600" b="0" i="0" u="none" strike="noStrike">
+                          <a:solidFill>
+                            <a:srgbClr val="000000"/>
+                          </a:solidFill>
+                          <a:effectLst/>
+                          <a:latin typeface="Calibri"/>
+                        </a:rPr>
+                        <a:t>Atmel</a:t>
+                      </a:r>
+                    </a:p>
+                  </a:txBody>
+                  <a:tcPr marL="45720" marR="45720" marT="9144" marB="9144" anchor="b">
+                    <a:lnL w="6350" cap="flat" cmpd="sng" algn="ctr">
+                      <a:solidFill>
+                        <a:srgbClr val="000000"/>
+                      </a:solidFill>
+                      <a:prstDash val="solid"/>
+                      <a:round/>
+                      <a:headEnd type="none" w="med" len="med"/>
+                      <a:tailEnd type="none" w="med" len="med"/>
+                    </a:lnL>
+                    <a:lnR w="6350" cap="flat" cmpd="sng" algn="ctr">
+                      <a:solidFill>
+                        <a:srgbClr val="000000"/>
+                      </a:solidFill>
+                      <a:prstDash val="solid"/>
+                      <a:round/>
+                      <a:headEnd type="none" w="med" len="med"/>
+                      <a:tailEnd type="none" w="med" len="med"/>
+                    </a:lnR>
+                    <a:lnT w="6350" cap="flat" cmpd="sng" algn="ctr">
+                      <a:solidFill>
+                        <a:srgbClr val="000000"/>
+                      </a:solidFill>
+                      <a:prstDash val="solid"/>
+                      <a:round/>
+                      <a:headEnd type="none" w="med" len="med"/>
+                      <a:tailEnd type="none" w="med" len="med"/>
+                    </a:lnT>
+                    <a:lnB w="6350" cap="flat" cmpd="sng" algn="ctr">
+                      <a:solidFill>
+                        <a:srgbClr val="000000"/>
+                      </a:solidFill>
+                      <a:prstDash val="solid"/>
+                      <a:round/>
+                      <a:headEnd type="none" w="med" len="med"/>
+                      <a:tailEnd type="none" w="med" len="med"/>
+                    </a:lnB>
+                    <a:solidFill>
+                      <a:srgbClr val="FFFFFF"/>
+                    </a:solidFill>
+                  </a:tcPr>
+                </a:tc>
+                <a:tc>
+                  <a:txBody>
+                    <a:bodyPr/>
+                    <a:lstStyle/>
+                    <a:p>
+                      <a:pPr algn="l" fontAlgn="b"/>
+                      <a:r>
+                        <a:rPr lang="en-US" sz="1600" b="0" i="0" u="none" strike="noStrike">
+                          <a:solidFill>
+                            <a:srgbClr val="000000"/>
+                          </a:solidFill>
+                          <a:effectLst/>
+                          <a:latin typeface="Calibri"/>
+                        </a:rPr>
+                        <a:t>SAMD21G18</a:t>
+                      </a:r>
+                    </a:p>
+                  </a:txBody>
+                  <a:tcPr marL="45720" marR="45720" marT="9144" marB="9144" anchor="b">
+                    <a:lnL w="6350" cap="flat" cmpd="sng" algn="ctr">
+                      <a:solidFill>
+                        <a:srgbClr val="000000"/>
+                      </a:solidFill>
+                      <a:prstDash val="solid"/>
+                      <a:round/>
+                      <a:headEnd type="none" w="med" len="med"/>
+                      <a:tailEnd type="none" w="med" len="med"/>
+                    </a:lnL>
+                    <a:lnR w="6350" cap="flat" cmpd="sng" algn="ctr">
+                      <a:solidFill>
+                        <a:srgbClr val="000000"/>
+                      </a:solidFill>
+                      <a:prstDash val="solid"/>
+                      <a:round/>
+                      <a:headEnd type="none" w="med" len="med"/>
+                      <a:tailEnd type="none" w="med" len="med"/>
+                    </a:lnR>
+                    <a:lnT w="6350" cap="flat" cmpd="sng" algn="ctr">
+                      <a:solidFill>
+                        <a:srgbClr val="000000"/>
+                      </a:solidFill>
+                      <a:prstDash val="solid"/>
+                      <a:round/>
+                      <a:headEnd type="none" w="med" len="med"/>
+                      <a:tailEnd type="none" w="med" len="med"/>
+                    </a:lnT>
+                    <a:lnB w="6350" cap="flat" cmpd="sng" algn="ctr">
+                      <a:solidFill>
+                        <a:srgbClr val="000000"/>
+                      </a:solidFill>
+                      <a:prstDash val="solid"/>
+                      <a:round/>
+                      <a:headEnd type="none" w="med" len="med"/>
+                      <a:tailEnd type="none" w="med" len="med"/>
+                    </a:lnB>
+                    <a:solidFill>
+                      <a:srgbClr val="FFFFFF"/>
+                    </a:solidFill>
+                  </a:tcPr>
+                </a:tc>
+                <a:tc>
+                  <a:txBody>
+                    <a:bodyPr/>
+                    <a:lstStyle/>
+                    <a:p>
+                      <a:pPr algn="l" fontAlgn="b"/>
+                      <a:r>
+                        <a:rPr lang="en-US" sz="1600" b="0" i="0" u="none" strike="noStrike">
+                          <a:solidFill>
+                            <a:srgbClr val="000000"/>
+                          </a:solidFill>
+                          <a:effectLst/>
+                          <a:latin typeface="Calibri"/>
+                        </a:rPr>
+                        <a:t>ARM Cortex-M0+</a:t>
+                      </a:r>
+                    </a:p>
+                  </a:txBody>
+                  <a:tcPr marL="45720" marR="45720" marT="9144" marB="9144" anchor="b">
+                    <a:lnL w="6350" cap="flat" cmpd="sng" algn="ctr">
+                      <a:solidFill>
+                        <a:srgbClr val="000000"/>
+                      </a:solidFill>
+                      <a:prstDash val="solid"/>
+                      <a:round/>
+                      <a:headEnd type="none" w="med" len="med"/>
+                      <a:tailEnd type="none" w="med" len="med"/>
+                    </a:lnL>
+                    <a:lnR w="6350" cap="flat" cmpd="sng" algn="ctr">
+                      <a:solidFill>
+                        <a:srgbClr val="000000"/>
+                      </a:solidFill>
+                      <a:prstDash val="solid"/>
+                      <a:round/>
+                      <a:headEnd type="none" w="med" len="med"/>
+                      <a:tailEnd type="none" w="med" len="med"/>
+                    </a:lnR>
+                    <a:lnT w="6350" cap="flat" cmpd="sng" algn="ctr">
+                      <a:solidFill>
+                        <a:srgbClr val="000000"/>
+                      </a:solidFill>
+                      <a:prstDash val="solid"/>
+                      <a:round/>
+                      <a:headEnd type="none" w="med" len="med"/>
+                      <a:tailEnd type="none" w="med" len="med"/>
+                    </a:lnT>
+                    <a:lnB w="6350" cap="flat" cmpd="sng" algn="ctr">
+                      <a:solidFill>
+                        <a:srgbClr val="000000"/>
+                      </a:solidFill>
+                      <a:prstDash val="solid"/>
+                      <a:round/>
+                      <a:headEnd type="none" w="med" len="med"/>
+                      <a:tailEnd type="none" w="med" len="med"/>
+                    </a:lnB>
+                    <a:solidFill>
+                      <a:srgbClr val="FFFFFF"/>
+                    </a:solidFill>
+                  </a:tcPr>
+                </a:tc>
+                <a:tc>
+                  <a:txBody>
+                    <a:bodyPr/>
+                    <a:lstStyle/>
+                    <a:p>
+                      <a:pPr algn="l" fontAlgn="b"/>
+                      <a:r>
+                        <a:rPr lang="en-US" sz="1600" b="0" i="0" u="none" strike="noStrike">
+                          <a:solidFill>
+                            <a:srgbClr val="000000"/>
+                          </a:solidFill>
+                          <a:effectLst/>
+                          <a:latin typeface="Calibri"/>
+                        </a:rPr>
+                        <a:t>48 MHz</a:t>
+                      </a:r>
+                    </a:p>
+                  </a:txBody>
+                  <a:tcPr marL="45720" marR="45720" marT="9144" marB="9144" anchor="b">
+                    <a:lnL w="6350" cap="flat" cmpd="sng" algn="ctr">
+                      <a:solidFill>
+                        <a:srgbClr val="000000"/>
+                      </a:solidFill>
+                      <a:prstDash val="solid"/>
+                      <a:round/>
+                      <a:headEnd type="none" w="med" len="med"/>
+                      <a:tailEnd type="none" w="med" len="med"/>
+                    </a:lnL>
+                    <a:lnR w="6350" cap="flat" cmpd="sng" algn="ctr">
+                      <a:solidFill>
+                        <a:srgbClr val="000000"/>
+                      </a:solidFill>
+                      <a:prstDash val="solid"/>
+                      <a:round/>
+                      <a:headEnd type="none" w="med" len="med"/>
+                      <a:tailEnd type="none" w="med" len="med"/>
+                    </a:lnR>
+                    <a:lnT w="6350" cap="flat" cmpd="sng" algn="ctr">
+                      <a:solidFill>
+                        <a:srgbClr val="000000"/>
+                      </a:solidFill>
+                      <a:prstDash val="solid"/>
+                      <a:round/>
+                      <a:headEnd type="none" w="med" len="med"/>
+                      <a:tailEnd type="none" w="med" len="med"/>
+                    </a:lnT>
+                    <a:lnB w="6350" cap="flat" cmpd="sng" algn="ctr">
+                      <a:solidFill>
+                        <a:srgbClr val="000000"/>
+                      </a:solidFill>
+                      <a:prstDash val="solid"/>
+                      <a:round/>
+                      <a:headEnd type="none" w="med" len="med"/>
+                      <a:tailEnd type="none" w="med" len="med"/>
+                    </a:lnB>
+                    <a:solidFill>
+                      <a:srgbClr val="FFFFFF"/>
+                    </a:solidFill>
+                  </a:tcPr>
+                </a:tc>
+                <a:tc>
+                  <a:txBody>
+                    <a:bodyPr/>
+                    <a:lstStyle/>
+                    <a:p>
+                      <a:pPr algn="l" fontAlgn="b"/>
+                      <a:r>
+                        <a:rPr lang="en-US" sz="1600" b="0" i="0" u="none" strike="noStrike">
+                          <a:solidFill>
+                            <a:srgbClr val="000000"/>
+                          </a:solidFill>
+                          <a:effectLst/>
+                          <a:latin typeface="Calibri"/>
+                        </a:rPr>
+                        <a:t>32-bit</a:t>
+                      </a:r>
+                    </a:p>
+                  </a:txBody>
+                  <a:tcPr marL="45720" marR="45720" marT="9144" marB="9144" anchor="b">
+                    <a:lnL w="6350" cap="flat" cmpd="sng" algn="ctr">
+                      <a:solidFill>
+                        <a:srgbClr val="000000"/>
+                      </a:solidFill>
+                      <a:prstDash val="solid"/>
+                      <a:round/>
+                      <a:headEnd type="none" w="med" len="med"/>
+                      <a:tailEnd type="none" w="med" len="med"/>
+                    </a:lnL>
+                    <a:lnR w="6350" cap="flat" cmpd="sng" algn="ctr">
+                      <a:solidFill>
+                        <a:srgbClr val="000000"/>
+                      </a:solidFill>
+                      <a:prstDash val="solid"/>
+                      <a:round/>
+                      <a:headEnd type="none" w="med" len="med"/>
+                      <a:tailEnd type="none" w="med" len="med"/>
+                    </a:lnR>
+                    <a:lnT w="6350" cap="flat" cmpd="sng" algn="ctr">
+                      <a:solidFill>
+                        <a:srgbClr val="000000"/>
+                      </a:solidFill>
+                      <a:prstDash val="solid"/>
+                      <a:round/>
+                      <a:headEnd type="none" w="med" len="med"/>
+                      <a:tailEnd type="none" w="med" len="med"/>
+                    </a:lnT>
+                    <a:lnB w="6350" cap="flat" cmpd="sng" algn="ctr">
+                      <a:solidFill>
+                        <a:srgbClr val="000000"/>
+                      </a:solidFill>
+                      <a:prstDash val="solid"/>
+                      <a:round/>
+                      <a:headEnd type="none" w="med" len="med"/>
+                      <a:tailEnd type="none" w="med" len="med"/>
+                    </a:lnB>
+                    <a:solidFill>
+                      <a:srgbClr val="FFFFFF"/>
+                    </a:solidFill>
+                  </a:tcPr>
+                </a:tc>
+                <a:tc>
+                  <a:txBody>
+                    <a:bodyPr/>
+                    <a:lstStyle/>
+                    <a:p>
+                      <a:pPr algn="l" fontAlgn="b"/>
+                      <a:r>
+                        <a:rPr lang="en-US" sz="1600" b="0" i="0" u="none" strike="noStrike">
+                          <a:solidFill>
+                            <a:srgbClr val="000000"/>
+                          </a:solidFill>
+                          <a:effectLst/>
+                          <a:latin typeface="Calibri"/>
+                        </a:rPr>
+                        <a:t>No</a:t>
+                      </a:r>
+                    </a:p>
+                  </a:txBody>
+                  <a:tcPr marL="45720" marR="45720" marT="9144" marB="9144" anchor="b">
+                    <a:lnL w="6350" cap="flat" cmpd="sng" algn="ctr">
+                      <a:solidFill>
+                        <a:srgbClr val="000000"/>
+                      </a:solidFill>
+                      <a:prstDash val="solid"/>
+                      <a:round/>
+                      <a:headEnd type="none" w="med" len="med"/>
+                      <a:tailEnd type="none" w="med" len="med"/>
+                    </a:lnL>
+                    <a:lnR w="6350" cap="flat" cmpd="sng" algn="ctr">
+                      <a:solidFill>
+                        <a:srgbClr val="000000"/>
+                      </a:solidFill>
+                      <a:prstDash val="solid"/>
+                      <a:round/>
+                      <a:headEnd type="none" w="med" len="med"/>
+                      <a:tailEnd type="none" w="med" len="med"/>
+                    </a:lnR>
+                    <a:lnT w="6350" cap="flat" cmpd="sng" algn="ctr">
+                      <a:solidFill>
+                        <a:srgbClr val="000000"/>
+                      </a:solidFill>
+                      <a:prstDash val="solid"/>
+                      <a:round/>
+                      <a:headEnd type="none" w="med" len="med"/>
+                      <a:tailEnd type="none" w="med" len="med"/>
+                    </a:lnT>
+                    <a:lnB w="6350" cap="flat" cmpd="sng" algn="ctr">
+                      <a:solidFill>
+                        <a:srgbClr val="000000"/>
+                      </a:solidFill>
+                      <a:prstDash val="solid"/>
+                      <a:round/>
+                      <a:headEnd type="none" w="med" len="med"/>
+                      <a:tailEnd type="none" w="med" len="med"/>
+                    </a:lnB>
+                    <a:solidFill>
+                      <a:srgbClr val="FFFFFF"/>
+                    </a:solidFill>
+                  </a:tcPr>
+                </a:tc>
+                <a:tc>
+                  <a:txBody>
+                    <a:bodyPr/>
+                    <a:lstStyle/>
+                    <a:p>
+                      <a:pPr algn="l" fontAlgn="b"/>
+                      <a:r>
+                        <a:rPr lang="en-US" sz="1600" b="0" i="0" u="none" strike="noStrike">
+                          <a:solidFill>
+                            <a:srgbClr val="000000"/>
+                          </a:solidFill>
+                          <a:effectLst/>
+                          <a:latin typeface="Calibri"/>
+                        </a:rPr>
+                        <a:t>32 KB</a:t>
+                      </a:r>
+                    </a:p>
+                  </a:txBody>
+                  <a:tcPr marL="45720" marR="45720" marT="9144" marB="9144" anchor="b">
+                    <a:lnL w="6350" cap="flat" cmpd="sng" algn="ctr">
+                      <a:solidFill>
+                        <a:srgbClr val="000000"/>
+                      </a:solidFill>
+                      <a:prstDash val="solid"/>
+                      <a:round/>
+                      <a:headEnd type="none" w="med" len="med"/>
+                      <a:tailEnd type="none" w="med" len="med"/>
+                    </a:lnL>
+                    <a:lnR w="6350" cap="flat" cmpd="sng" algn="ctr">
+                      <a:solidFill>
+                        <a:srgbClr val="000000"/>
+                      </a:solidFill>
+                      <a:prstDash val="solid"/>
+                      <a:round/>
+                      <a:headEnd type="none" w="med" len="med"/>
+                      <a:tailEnd type="none" w="med" len="med"/>
+                    </a:lnR>
+                    <a:lnT w="6350" cap="flat" cmpd="sng" algn="ctr">
+                      <a:solidFill>
+                        <a:srgbClr val="000000"/>
+                      </a:solidFill>
+                      <a:prstDash val="solid"/>
+                      <a:round/>
+                      <a:headEnd type="none" w="med" len="med"/>
+                      <a:tailEnd type="none" w="med" len="med"/>
+                    </a:lnT>
+                    <a:lnB w="6350" cap="flat" cmpd="sng" algn="ctr">
+                      <a:solidFill>
+                        <a:srgbClr val="000000"/>
+                      </a:solidFill>
+                      <a:prstDash val="solid"/>
+                      <a:round/>
+                      <a:headEnd type="none" w="med" len="med"/>
+                      <a:tailEnd type="none" w="med" len="med"/>
+                    </a:lnB>
+                    <a:solidFill>
+                      <a:srgbClr val="FFFFFF"/>
+                    </a:solidFill>
+                  </a:tcPr>
+                </a:tc>
+              </a:tr>
+              <a:tr h="200025">
+                <a:tc>
+                  <a:txBody>
+                    <a:bodyPr/>
+                    <a:lstStyle/>
+                    <a:p>
+                      <a:pPr algn="l" fontAlgn="b"/>
+                      <a:r>
+                        <a:rPr lang="en-US" sz="1600" b="0" i="0" u="none" strike="noStrike">
+                          <a:solidFill>
+                            <a:srgbClr val="000000"/>
+                          </a:solidFill>
+                          <a:effectLst/>
+                          <a:latin typeface="Calibri"/>
+                        </a:rPr>
+                        <a:t>LeafLabs</a:t>
+                      </a:r>
+                    </a:p>
+                  </a:txBody>
+                  <a:tcPr marL="45720" marR="45720" marT="9144" marB="9144" anchor="b">
+                    <a:lnL w="6350" cap="flat" cmpd="sng" algn="ctr">
+                      <a:solidFill>
+                        <a:srgbClr val="000000"/>
+                      </a:solidFill>
+                      <a:prstDash val="solid"/>
+                      <a:round/>
+                      <a:headEnd type="none" w="med" len="med"/>
+                      <a:tailEnd type="none" w="med" len="med"/>
+                    </a:lnL>
+                    <a:lnR w="6350" cap="flat" cmpd="sng" algn="ctr">
+                      <a:solidFill>
+                        <a:srgbClr val="000000"/>
+                      </a:solidFill>
+                      <a:prstDash val="solid"/>
+                      <a:round/>
+                      <a:headEnd type="none" w="med" len="med"/>
+                      <a:tailEnd type="none" w="med" len="med"/>
+                    </a:lnR>
+                    <a:lnT w="6350" cap="flat" cmpd="sng" algn="ctr">
+                      <a:solidFill>
+                        <a:srgbClr val="000000"/>
+                      </a:solidFill>
+                      <a:prstDash val="solid"/>
+                      <a:round/>
+                      <a:headEnd type="none" w="med" len="med"/>
+                      <a:tailEnd type="none" w="med" len="med"/>
+                    </a:lnT>
+                    <a:lnB w="6350" cap="flat" cmpd="sng" algn="ctr">
+                      <a:solidFill>
+                        <a:srgbClr val="000000"/>
+                      </a:solidFill>
+                      <a:prstDash val="solid"/>
+                      <a:round/>
+                      <a:headEnd type="none" w="med" len="med"/>
+                      <a:tailEnd type="none" w="med" len="med"/>
+                    </a:lnB>
+                    <a:solidFill>
+                      <a:srgbClr val="FFFFFF"/>
+                    </a:solidFill>
+                  </a:tcPr>
+                </a:tc>
+                <a:tc>
+                  <a:txBody>
+                    <a:bodyPr/>
+                    <a:lstStyle/>
+                    <a:p>
+                      <a:pPr algn="l" fontAlgn="b"/>
+                      <a:r>
+                        <a:rPr lang="en-US" sz="1600" b="0" i="0" u="none" strike="noStrike">
+                          <a:solidFill>
+                            <a:srgbClr val="000000"/>
+                          </a:solidFill>
+                          <a:effectLst/>
+                          <a:latin typeface="Calibri"/>
+                        </a:rPr>
+                        <a:t>Maple</a:t>
+                      </a:r>
+                    </a:p>
+                  </a:txBody>
+                  <a:tcPr marL="45720" marR="45720" marT="9144" marB="9144" anchor="b">
+                    <a:lnL w="6350" cap="flat" cmpd="sng" algn="ctr">
+                      <a:solidFill>
+                        <a:srgbClr val="000000"/>
+                      </a:solidFill>
+                      <a:prstDash val="solid"/>
+                      <a:round/>
+                      <a:headEnd type="none" w="med" len="med"/>
+                      <a:tailEnd type="none" w="med" len="med"/>
+                    </a:lnL>
+                    <a:lnR w="6350" cap="flat" cmpd="sng" algn="ctr">
+                      <a:solidFill>
+                        <a:srgbClr val="000000"/>
+                      </a:solidFill>
+                      <a:prstDash val="solid"/>
+                      <a:round/>
+                      <a:headEnd type="none" w="med" len="med"/>
+                      <a:tailEnd type="none" w="med" len="med"/>
+                    </a:lnR>
+                    <a:lnT w="6350" cap="flat" cmpd="sng" algn="ctr">
+                      <a:solidFill>
+                        <a:srgbClr val="000000"/>
+                      </a:solidFill>
+                      <a:prstDash val="solid"/>
+                      <a:round/>
+                      <a:headEnd type="none" w="med" len="med"/>
+                      <a:tailEnd type="none" w="med" len="med"/>
+                    </a:lnT>
+                    <a:lnB w="6350" cap="flat" cmpd="sng" algn="ctr">
+                      <a:solidFill>
+                        <a:srgbClr val="000000"/>
+                      </a:solidFill>
+                      <a:prstDash val="solid"/>
+                      <a:round/>
+                      <a:headEnd type="none" w="med" len="med"/>
+                      <a:tailEnd type="none" w="med" len="med"/>
+                    </a:lnB>
+                    <a:solidFill>
+                      <a:srgbClr val="FFFFFF"/>
+                    </a:solidFill>
+                  </a:tcPr>
+                </a:tc>
+                <a:tc>
+                  <a:txBody>
+                    <a:bodyPr/>
+                    <a:lstStyle/>
+                    <a:p>
+                      <a:pPr algn="l" fontAlgn="b"/>
+                      <a:r>
+                        <a:rPr lang="en-US" sz="1600" b="0" i="0" u="none" strike="noStrike">
+                          <a:solidFill>
+                            <a:srgbClr val="000000"/>
+                          </a:solidFill>
+                          <a:effectLst/>
+                          <a:latin typeface="Calibri"/>
+                        </a:rPr>
+                        <a:t>STM</a:t>
+                      </a:r>
+                    </a:p>
+                  </a:txBody>
+                  <a:tcPr marL="45720" marR="45720" marT="9144" marB="9144" anchor="b">
+                    <a:lnL w="6350" cap="flat" cmpd="sng" algn="ctr">
+                      <a:solidFill>
+                        <a:srgbClr val="000000"/>
+                      </a:solidFill>
+                      <a:prstDash val="solid"/>
+                      <a:round/>
+                      <a:headEnd type="none" w="med" len="med"/>
+                      <a:tailEnd type="none" w="med" len="med"/>
+                    </a:lnL>
+                    <a:lnR w="6350" cap="flat" cmpd="sng" algn="ctr">
+                      <a:solidFill>
+                        <a:srgbClr val="000000"/>
+                      </a:solidFill>
+                      <a:prstDash val="solid"/>
+                      <a:round/>
+                      <a:headEnd type="none" w="med" len="med"/>
+                      <a:tailEnd type="none" w="med" len="med"/>
+                    </a:lnR>
+                    <a:lnT w="6350" cap="flat" cmpd="sng" algn="ctr">
+                      <a:solidFill>
+                        <a:srgbClr val="000000"/>
+                      </a:solidFill>
+                      <a:prstDash val="solid"/>
+                      <a:round/>
+                      <a:headEnd type="none" w="med" len="med"/>
+                      <a:tailEnd type="none" w="med" len="med"/>
+                    </a:lnT>
+                    <a:lnB w="6350" cap="flat" cmpd="sng" algn="ctr">
+                      <a:solidFill>
+                        <a:srgbClr val="000000"/>
+                      </a:solidFill>
+                      <a:prstDash val="solid"/>
+                      <a:round/>
+                      <a:headEnd type="none" w="med" len="med"/>
+                      <a:tailEnd type="none" w="med" len="med"/>
+                    </a:lnB>
+                    <a:solidFill>
+                      <a:srgbClr val="FFFFFF"/>
+                    </a:solidFill>
+                  </a:tcPr>
+                </a:tc>
+                <a:tc>
+                  <a:txBody>
+                    <a:bodyPr/>
+                    <a:lstStyle/>
+                    <a:p>
+                      <a:pPr algn="l" fontAlgn="b"/>
+                      <a:r>
+                        <a:rPr lang="en-US" sz="1600" b="0" i="0" u="none" strike="noStrike">
+                          <a:solidFill>
+                            <a:srgbClr val="000000"/>
+                          </a:solidFill>
+                          <a:effectLst/>
+                          <a:latin typeface="Calibri"/>
+                        </a:rPr>
+                        <a:t>STM32F103</a:t>
+                      </a:r>
+                    </a:p>
+                  </a:txBody>
+                  <a:tcPr marL="45720" marR="45720" marT="9144" marB="9144" anchor="b">
+                    <a:lnL w="6350" cap="flat" cmpd="sng" algn="ctr">
+                      <a:solidFill>
+                        <a:srgbClr val="000000"/>
+                      </a:solidFill>
+                      <a:prstDash val="solid"/>
+                      <a:round/>
+                      <a:headEnd type="none" w="med" len="med"/>
+                      <a:tailEnd type="none" w="med" len="med"/>
+                    </a:lnL>
+                    <a:lnR w="6350" cap="flat" cmpd="sng" algn="ctr">
+                      <a:solidFill>
+                        <a:srgbClr val="000000"/>
+                      </a:solidFill>
+                      <a:prstDash val="solid"/>
+                      <a:round/>
+                      <a:headEnd type="none" w="med" len="med"/>
+                      <a:tailEnd type="none" w="med" len="med"/>
+                    </a:lnR>
+                    <a:lnT w="6350" cap="flat" cmpd="sng" algn="ctr">
+                      <a:solidFill>
+                        <a:srgbClr val="000000"/>
+                      </a:solidFill>
+                      <a:prstDash val="solid"/>
+                      <a:round/>
+                      <a:headEnd type="none" w="med" len="med"/>
+                      <a:tailEnd type="none" w="med" len="med"/>
+                    </a:lnT>
+                    <a:lnB w="6350" cap="flat" cmpd="sng" algn="ctr">
+                      <a:solidFill>
+                        <a:srgbClr val="000000"/>
+                      </a:solidFill>
+                      <a:prstDash val="solid"/>
+                      <a:round/>
+                      <a:headEnd type="none" w="med" len="med"/>
+                      <a:tailEnd type="none" w="med" len="med"/>
+                    </a:lnB>
+                    <a:solidFill>
+                      <a:srgbClr val="FFFFFF"/>
+                    </a:solidFill>
+                  </a:tcPr>
+                </a:tc>
+                <a:tc>
+                  <a:txBody>
+                    <a:bodyPr/>
+                    <a:lstStyle/>
+                    <a:p>
+                      <a:pPr algn="l" fontAlgn="b"/>
+                      <a:r>
+                        <a:rPr lang="en-US" sz="1600" b="0" i="0" u="none" strike="noStrike">
+                          <a:solidFill>
+                            <a:srgbClr val="000000"/>
+                          </a:solidFill>
+                          <a:effectLst/>
+                          <a:latin typeface="Calibri"/>
+                        </a:rPr>
+                        <a:t>ARM Cortex-M3</a:t>
+                      </a:r>
+                    </a:p>
+                  </a:txBody>
+                  <a:tcPr marL="45720" marR="45720" marT="9144" marB="9144" anchor="b">
+                    <a:lnL w="6350" cap="flat" cmpd="sng" algn="ctr">
+                      <a:solidFill>
+                        <a:srgbClr val="000000"/>
+                      </a:solidFill>
+                      <a:prstDash val="solid"/>
+                      <a:round/>
+                      <a:headEnd type="none" w="med" len="med"/>
+                      <a:tailEnd type="none" w="med" len="med"/>
+                    </a:lnL>
+                    <a:lnR w="6350" cap="flat" cmpd="sng" algn="ctr">
+                      <a:solidFill>
+                        <a:srgbClr val="000000"/>
+                      </a:solidFill>
+                      <a:prstDash val="solid"/>
+                      <a:round/>
+                      <a:headEnd type="none" w="med" len="med"/>
+                      <a:tailEnd type="none" w="med" len="med"/>
+                    </a:lnR>
+                    <a:lnT w="6350" cap="flat" cmpd="sng" algn="ctr">
+                      <a:solidFill>
+                        <a:srgbClr val="000000"/>
+                      </a:solidFill>
+                      <a:prstDash val="solid"/>
+                      <a:round/>
+                      <a:headEnd type="none" w="med" len="med"/>
+                      <a:tailEnd type="none" w="med" len="med"/>
+                    </a:lnT>
+                    <a:lnB w="6350" cap="flat" cmpd="sng" algn="ctr">
+                      <a:solidFill>
+                        <a:srgbClr val="000000"/>
+                      </a:solidFill>
+                      <a:prstDash val="solid"/>
+                      <a:round/>
+                      <a:headEnd type="none" w="med" len="med"/>
+                      <a:tailEnd type="none" w="med" len="med"/>
+                    </a:lnB>
+                    <a:solidFill>
+                      <a:srgbClr val="FFFFFF"/>
+                    </a:solidFill>
+                  </a:tcPr>
+                </a:tc>
+                <a:tc>
+                  <a:txBody>
+                    <a:bodyPr/>
+                    <a:lstStyle/>
+                    <a:p>
+                      <a:pPr algn="l" fontAlgn="b"/>
+                      <a:r>
+                        <a:rPr lang="en-US" sz="1600" b="0" i="0" u="none" strike="noStrike">
+                          <a:solidFill>
+                            <a:srgbClr val="000000"/>
+                          </a:solidFill>
+                          <a:effectLst/>
+                          <a:latin typeface="Calibri"/>
+                        </a:rPr>
+                        <a:t>72 MHz</a:t>
+                      </a:r>
+                    </a:p>
+                  </a:txBody>
+                  <a:tcPr marL="45720" marR="45720" marT="9144" marB="9144" anchor="b">
+                    <a:lnL w="6350" cap="flat" cmpd="sng" algn="ctr">
+                      <a:solidFill>
+                        <a:srgbClr val="000000"/>
+                      </a:solidFill>
+                      <a:prstDash val="solid"/>
+                      <a:round/>
+                      <a:headEnd type="none" w="med" len="med"/>
+                      <a:tailEnd type="none" w="med" len="med"/>
+                    </a:lnL>
+                    <a:lnR w="6350" cap="flat" cmpd="sng" algn="ctr">
+                      <a:solidFill>
+                        <a:srgbClr val="000000"/>
+                      </a:solidFill>
+                      <a:prstDash val="solid"/>
+                      <a:round/>
+                      <a:headEnd type="none" w="med" len="med"/>
+                      <a:tailEnd type="none" w="med" len="med"/>
+                    </a:lnR>
+                    <a:lnT w="6350" cap="flat" cmpd="sng" algn="ctr">
+                      <a:solidFill>
+                        <a:srgbClr val="000000"/>
+                      </a:solidFill>
+                      <a:prstDash val="solid"/>
+                      <a:round/>
+                      <a:headEnd type="none" w="med" len="med"/>
+                      <a:tailEnd type="none" w="med" len="med"/>
+                    </a:lnT>
+                    <a:lnB w="6350" cap="flat" cmpd="sng" algn="ctr">
+                      <a:solidFill>
+                        <a:srgbClr val="000000"/>
+                      </a:solidFill>
+                      <a:prstDash val="solid"/>
+                      <a:round/>
+                      <a:headEnd type="none" w="med" len="med"/>
+                      <a:tailEnd type="none" w="med" len="med"/>
+                    </a:lnB>
+                    <a:solidFill>
+                      <a:srgbClr val="FFFFFF"/>
+                    </a:solidFill>
+                  </a:tcPr>
+                </a:tc>
+                <a:tc>
+                  <a:txBody>
+                    <a:bodyPr/>
+                    <a:lstStyle/>
+                    <a:p>
+                      <a:pPr algn="l" fontAlgn="b"/>
+                      <a:r>
+                        <a:rPr lang="en-US" sz="1600" b="0" i="0" u="none" strike="noStrike">
+                          <a:solidFill>
+                            <a:srgbClr val="000000"/>
+                          </a:solidFill>
+                          <a:effectLst/>
+                          <a:latin typeface="Calibri"/>
+                        </a:rPr>
+                        <a:t>32-bit</a:t>
+                      </a:r>
+                    </a:p>
+                  </a:txBody>
+                  <a:tcPr marL="45720" marR="45720" marT="9144" marB="9144" anchor="b">
+                    <a:lnL w="6350" cap="flat" cmpd="sng" algn="ctr">
+                      <a:solidFill>
+                        <a:srgbClr val="000000"/>
+                      </a:solidFill>
+                      <a:prstDash val="solid"/>
+                      <a:round/>
+                      <a:headEnd type="none" w="med" len="med"/>
+                      <a:tailEnd type="none" w="med" len="med"/>
+                    </a:lnL>
+                    <a:lnR w="6350" cap="flat" cmpd="sng" algn="ctr">
+                      <a:solidFill>
+                        <a:srgbClr val="000000"/>
+                      </a:solidFill>
+                      <a:prstDash val="solid"/>
+                      <a:round/>
+                      <a:headEnd type="none" w="med" len="med"/>
+                      <a:tailEnd type="none" w="med" len="med"/>
+                    </a:lnR>
+                    <a:lnT w="6350" cap="flat" cmpd="sng" algn="ctr">
+                      <a:solidFill>
+                        <a:srgbClr val="000000"/>
+                      </a:solidFill>
+                      <a:prstDash val="solid"/>
+                      <a:round/>
+                      <a:headEnd type="none" w="med" len="med"/>
+                      <a:tailEnd type="none" w="med" len="med"/>
+                    </a:lnT>
+                    <a:lnB w="6350" cap="flat" cmpd="sng" algn="ctr">
+                      <a:solidFill>
+                        <a:srgbClr val="000000"/>
+                      </a:solidFill>
+                      <a:prstDash val="solid"/>
+                      <a:round/>
+                      <a:headEnd type="none" w="med" len="med"/>
+                      <a:tailEnd type="none" w="med" len="med"/>
+                    </a:lnB>
+                    <a:solidFill>
+                      <a:srgbClr val="FFFFFF"/>
+                    </a:solidFill>
+                  </a:tcPr>
+                </a:tc>
+                <a:tc>
+                  <a:txBody>
+                    <a:bodyPr/>
+                    <a:lstStyle/>
+                    <a:p>
+                      <a:pPr algn="l" fontAlgn="b"/>
+                      <a:r>
+                        <a:rPr lang="en-US" sz="1600" b="0" i="0" u="none" strike="noStrike">
+                          <a:solidFill>
+                            <a:srgbClr val="000000"/>
+                          </a:solidFill>
+                          <a:effectLst/>
+                          <a:latin typeface="Calibri"/>
+                        </a:rPr>
+                        <a:t>No</a:t>
+                      </a:r>
+                    </a:p>
+                  </a:txBody>
+                  <a:tcPr marL="45720" marR="45720" marT="9144" marB="9144" anchor="b">
+                    <a:lnL w="6350" cap="flat" cmpd="sng" algn="ctr">
+                      <a:solidFill>
+                        <a:srgbClr val="000000"/>
+                      </a:solidFill>
+                      <a:prstDash val="solid"/>
+                      <a:round/>
+                      <a:headEnd type="none" w="med" len="med"/>
+                      <a:tailEnd type="none" w="med" len="med"/>
+                    </a:lnL>
+                    <a:lnR w="6350" cap="flat" cmpd="sng" algn="ctr">
+                      <a:solidFill>
+                        <a:srgbClr val="000000"/>
+                      </a:solidFill>
+                      <a:prstDash val="solid"/>
+                      <a:round/>
+                      <a:headEnd type="none" w="med" len="med"/>
+                      <a:tailEnd type="none" w="med" len="med"/>
+                    </a:lnR>
+                    <a:lnT w="6350" cap="flat" cmpd="sng" algn="ctr">
+                      <a:solidFill>
+                        <a:srgbClr val="000000"/>
+                      </a:solidFill>
+                      <a:prstDash val="solid"/>
+                      <a:round/>
+                      <a:headEnd type="none" w="med" len="med"/>
+                      <a:tailEnd type="none" w="med" len="med"/>
+                    </a:lnT>
+                    <a:lnB w="6350" cap="flat" cmpd="sng" algn="ctr">
+                      <a:solidFill>
+                        <a:srgbClr val="000000"/>
+                      </a:solidFill>
+                      <a:prstDash val="solid"/>
+                      <a:round/>
+                      <a:headEnd type="none" w="med" len="med"/>
+                      <a:tailEnd type="none" w="med" len="med"/>
+                    </a:lnB>
+                    <a:solidFill>
+                      <a:srgbClr val="FFFFFF"/>
+                    </a:solidFill>
+                  </a:tcPr>
+                </a:tc>
+                <a:tc>
+                  <a:txBody>
+                    <a:bodyPr/>
+                    <a:lstStyle/>
+                    <a:p>
+                      <a:pPr algn="l" fontAlgn="b"/>
+                      <a:r>
+                        <a:rPr lang="en-US" sz="1600" b="0" i="0" u="none" strike="noStrike">
+                          <a:solidFill>
+                            <a:srgbClr val="000000"/>
+                          </a:solidFill>
+                          <a:effectLst/>
+                          <a:latin typeface="Calibri"/>
+                        </a:rPr>
+                        <a:t>20 KB</a:t>
+                      </a:r>
+                    </a:p>
+                  </a:txBody>
+                  <a:tcPr marL="45720" marR="45720" marT="9144" marB="9144" anchor="b">
+                    <a:lnL w="6350" cap="flat" cmpd="sng" algn="ctr">
+                      <a:solidFill>
+                        <a:srgbClr val="000000"/>
+                      </a:solidFill>
+                      <a:prstDash val="solid"/>
+                      <a:round/>
+                      <a:headEnd type="none" w="med" len="med"/>
+                      <a:tailEnd type="none" w="med" len="med"/>
+                    </a:lnL>
+                    <a:lnR w="6350" cap="flat" cmpd="sng" algn="ctr">
+                      <a:solidFill>
+                        <a:srgbClr val="000000"/>
+                      </a:solidFill>
+                      <a:prstDash val="solid"/>
+                      <a:round/>
+                      <a:headEnd type="none" w="med" len="med"/>
+                      <a:tailEnd type="none" w="med" len="med"/>
+                    </a:lnR>
+                    <a:lnT w="6350" cap="flat" cmpd="sng" algn="ctr">
+                      <a:solidFill>
+                        <a:srgbClr val="000000"/>
+                      </a:solidFill>
+                      <a:prstDash val="solid"/>
+                      <a:round/>
+                      <a:headEnd type="none" w="med" len="med"/>
+                      <a:tailEnd type="none" w="med" len="med"/>
+                    </a:lnT>
+                    <a:lnB w="6350" cap="flat" cmpd="sng" algn="ctr">
+                      <a:solidFill>
+                        <a:srgbClr val="000000"/>
+                      </a:solidFill>
+                      <a:prstDash val="solid"/>
+                      <a:round/>
+                      <a:headEnd type="none" w="med" len="med"/>
+                      <a:tailEnd type="none" w="med" len="med"/>
+                    </a:lnB>
+                    <a:solidFill>
+                      <a:srgbClr val="FFFFFF"/>
+                    </a:solidFill>
+                  </a:tcPr>
+                </a:tc>
+              </a:tr>
+              <a:tr h="200025">
+                <a:tc>
+                  <a:txBody>
+                    <a:bodyPr/>
+                    <a:lstStyle/>
+                    <a:p>
+                      <a:pPr algn="l" fontAlgn="b"/>
+                      <a:r>
+                        <a:rPr lang="en-US" sz="1600" b="0" i="0" u="none" strike="noStrike">
+                          <a:solidFill>
+                            <a:srgbClr val="000000"/>
+                          </a:solidFill>
+                          <a:effectLst/>
+                          <a:latin typeface="Calibri"/>
+                        </a:rPr>
+                        <a:t>Arduino</a:t>
+                      </a:r>
+                    </a:p>
+                  </a:txBody>
+                  <a:tcPr marL="45720" marR="45720" marT="9144" marB="9144" anchor="b">
+                    <a:lnL w="6350" cap="flat" cmpd="sng" algn="ctr">
+                      <a:solidFill>
+                        <a:srgbClr val="000000"/>
+                      </a:solidFill>
+                      <a:prstDash val="solid"/>
+                      <a:round/>
+                      <a:headEnd type="none" w="med" len="med"/>
+                      <a:tailEnd type="none" w="med" len="med"/>
+                    </a:lnL>
+                    <a:lnR w="6350" cap="flat" cmpd="sng" algn="ctr">
+                      <a:solidFill>
+                        <a:srgbClr val="000000"/>
+                      </a:solidFill>
+                      <a:prstDash val="solid"/>
+                      <a:round/>
+                      <a:headEnd type="none" w="med" len="med"/>
+                      <a:tailEnd type="none" w="med" len="med"/>
+                    </a:lnR>
+                    <a:lnT w="6350" cap="flat" cmpd="sng" algn="ctr">
+                      <a:solidFill>
+                        <a:srgbClr val="000000"/>
+                      </a:solidFill>
+                      <a:prstDash val="solid"/>
+                      <a:round/>
+                      <a:headEnd type="none" w="med" len="med"/>
+                      <a:tailEnd type="none" w="med" len="med"/>
+                    </a:lnT>
+                    <a:lnB w="6350" cap="flat" cmpd="sng" algn="ctr">
+                      <a:solidFill>
+                        <a:srgbClr val="000000"/>
+                      </a:solidFill>
+                      <a:prstDash val="solid"/>
+                      <a:round/>
+                      <a:headEnd type="none" w="med" len="med"/>
+                      <a:tailEnd type="none" w="med" len="med"/>
+                    </a:lnB>
+                    <a:solidFill>
+                      <a:srgbClr val="FFFFFF"/>
+                    </a:solidFill>
+                  </a:tcPr>
+                </a:tc>
+                <a:tc>
+                  <a:txBody>
+                    <a:bodyPr/>
+                    <a:lstStyle/>
+                    <a:p>
+                      <a:pPr algn="l" fontAlgn="b"/>
+                      <a:r>
+                        <a:rPr lang="en-US" sz="1600" b="0" i="0" u="none" strike="noStrike">
+                          <a:solidFill>
+                            <a:srgbClr val="000000"/>
+                          </a:solidFill>
+                          <a:effectLst/>
+                          <a:latin typeface="Calibri"/>
+                        </a:rPr>
+                        <a:t>Due</a:t>
+                      </a:r>
+                    </a:p>
+                  </a:txBody>
+                  <a:tcPr marL="45720" marR="45720" marT="9144" marB="9144" anchor="b">
+                    <a:lnL w="6350" cap="flat" cmpd="sng" algn="ctr">
+                      <a:solidFill>
+                        <a:srgbClr val="000000"/>
+                      </a:solidFill>
+                      <a:prstDash val="solid"/>
+                      <a:round/>
+                      <a:headEnd type="none" w="med" len="med"/>
+                      <a:tailEnd type="none" w="med" len="med"/>
+                    </a:lnL>
+                    <a:lnR w="6350" cap="flat" cmpd="sng" algn="ctr">
+                      <a:solidFill>
+                        <a:srgbClr val="000000"/>
+                      </a:solidFill>
+                      <a:prstDash val="solid"/>
+                      <a:round/>
+                      <a:headEnd type="none" w="med" len="med"/>
+                      <a:tailEnd type="none" w="med" len="med"/>
+                    </a:lnR>
+                    <a:lnT w="6350" cap="flat" cmpd="sng" algn="ctr">
+                      <a:solidFill>
+                        <a:srgbClr val="000000"/>
+                      </a:solidFill>
+                      <a:prstDash val="solid"/>
+                      <a:round/>
+                      <a:headEnd type="none" w="med" len="med"/>
+                      <a:tailEnd type="none" w="med" len="med"/>
+                    </a:lnT>
+                    <a:lnB w="6350" cap="flat" cmpd="sng" algn="ctr">
+                      <a:solidFill>
+                        <a:srgbClr val="000000"/>
+                      </a:solidFill>
+                      <a:prstDash val="solid"/>
+                      <a:round/>
+                      <a:headEnd type="none" w="med" len="med"/>
+                      <a:tailEnd type="none" w="med" len="med"/>
+                    </a:lnB>
+                    <a:solidFill>
+                      <a:srgbClr val="FFFFFF"/>
+                    </a:solidFill>
+                  </a:tcPr>
+                </a:tc>
+                <a:tc>
+                  <a:txBody>
+                    <a:bodyPr/>
+                    <a:lstStyle/>
+                    <a:p>
+                      <a:pPr algn="l" fontAlgn="b"/>
+                      <a:r>
+                        <a:rPr lang="en-US" sz="1600" b="0" i="0" u="none" strike="noStrike">
+                          <a:solidFill>
+                            <a:srgbClr val="000000"/>
+                          </a:solidFill>
+                          <a:effectLst/>
+                          <a:latin typeface="Calibri"/>
+                        </a:rPr>
+                        <a:t>Atmel</a:t>
+                      </a:r>
+                    </a:p>
+                  </a:txBody>
+                  <a:tcPr marL="45720" marR="45720" marT="9144" marB="9144" anchor="b">
+                    <a:lnL w="6350" cap="flat" cmpd="sng" algn="ctr">
+                      <a:solidFill>
+                        <a:srgbClr val="000000"/>
+                      </a:solidFill>
+                      <a:prstDash val="solid"/>
+                      <a:round/>
+                      <a:headEnd type="none" w="med" len="med"/>
+                      <a:tailEnd type="none" w="med" len="med"/>
+                    </a:lnL>
+                    <a:lnR w="6350" cap="flat" cmpd="sng" algn="ctr">
+                      <a:solidFill>
+                        <a:srgbClr val="000000"/>
+                      </a:solidFill>
+                      <a:prstDash val="solid"/>
+                      <a:round/>
+                      <a:headEnd type="none" w="med" len="med"/>
+                      <a:tailEnd type="none" w="med" len="med"/>
+                    </a:lnR>
+                    <a:lnT w="6350" cap="flat" cmpd="sng" algn="ctr">
+                      <a:solidFill>
+                        <a:srgbClr val="000000"/>
+                      </a:solidFill>
+                      <a:prstDash val="solid"/>
+                      <a:round/>
+                      <a:headEnd type="none" w="med" len="med"/>
+                      <a:tailEnd type="none" w="med" len="med"/>
+                    </a:lnT>
+                    <a:lnB w="6350" cap="flat" cmpd="sng" algn="ctr">
+                      <a:solidFill>
+                        <a:srgbClr val="000000"/>
+                      </a:solidFill>
+                      <a:prstDash val="solid"/>
+                      <a:round/>
+                      <a:headEnd type="none" w="med" len="med"/>
+                      <a:tailEnd type="none" w="med" len="med"/>
+                    </a:lnB>
+                    <a:solidFill>
+                      <a:srgbClr val="FFFFFF"/>
+                    </a:solidFill>
+                  </a:tcPr>
+                </a:tc>
+                <a:tc>
+                  <a:txBody>
+                    <a:bodyPr/>
+                    <a:lstStyle/>
+                    <a:p>
+                      <a:pPr algn="l" fontAlgn="b"/>
+                      <a:r>
+                        <a:rPr lang="en-US" sz="1600" b="0" i="0" u="none" strike="noStrike">
+                          <a:solidFill>
+                            <a:srgbClr val="000000"/>
+                          </a:solidFill>
+                          <a:effectLst/>
+                          <a:latin typeface="Calibri"/>
+                        </a:rPr>
+                        <a:t>SAM3X8E</a:t>
+                      </a:r>
+                    </a:p>
+                  </a:txBody>
+                  <a:tcPr marL="45720" marR="45720" marT="9144" marB="9144" anchor="b">
+                    <a:lnL w="6350" cap="flat" cmpd="sng" algn="ctr">
+                      <a:solidFill>
+                        <a:srgbClr val="000000"/>
+                      </a:solidFill>
+                      <a:prstDash val="solid"/>
+                      <a:round/>
+                      <a:headEnd type="none" w="med" len="med"/>
+                      <a:tailEnd type="none" w="med" len="med"/>
+                    </a:lnL>
+                    <a:lnR w="6350" cap="flat" cmpd="sng" algn="ctr">
+                      <a:solidFill>
+                        <a:srgbClr val="000000"/>
+                      </a:solidFill>
+                      <a:prstDash val="solid"/>
+                      <a:round/>
+                      <a:headEnd type="none" w="med" len="med"/>
+                      <a:tailEnd type="none" w="med" len="med"/>
+                    </a:lnR>
+                    <a:lnT w="6350" cap="flat" cmpd="sng" algn="ctr">
+                      <a:solidFill>
+                        <a:srgbClr val="000000"/>
+                      </a:solidFill>
+                      <a:prstDash val="solid"/>
+                      <a:round/>
+                      <a:headEnd type="none" w="med" len="med"/>
+                      <a:tailEnd type="none" w="med" len="med"/>
+                    </a:lnT>
+                    <a:lnB w="6350" cap="flat" cmpd="sng" algn="ctr">
+                      <a:solidFill>
+                        <a:srgbClr val="000000"/>
+                      </a:solidFill>
+                      <a:prstDash val="solid"/>
+                      <a:round/>
+                      <a:headEnd type="none" w="med" len="med"/>
+                      <a:tailEnd type="none" w="med" len="med"/>
+                    </a:lnB>
+                    <a:solidFill>
+                      <a:srgbClr val="FFFFFF"/>
+                    </a:solidFill>
+                  </a:tcPr>
+                </a:tc>
+                <a:tc>
+                  <a:txBody>
+                    <a:bodyPr/>
+                    <a:lstStyle/>
+                    <a:p>
+                      <a:pPr algn="l" fontAlgn="b"/>
+                      <a:r>
+                        <a:rPr lang="en-US" sz="1600" b="0" i="0" u="none" strike="noStrike">
+                          <a:solidFill>
+                            <a:srgbClr val="000000"/>
+                          </a:solidFill>
+                          <a:effectLst/>
+                          <a:latin typeface="Calibri"/>
+                        </a:rPr>
+                        <a:t>ARM Cortex-M3</a:t>
+                      </a:r>
+                    </a:p>
+                  </a:txBody>
+                  <a:tcPr marL="45720" marR="45720" marT="9144" marB="9144" anchor="b">
+                    <a:lnL w="6350" cap="flat" cmpd="sng" algn="ctr">
+                      <a:solidFill>
+                        <a:srgbClr val="000000"/>
+                      </a:solidFill>
+                      <a:prstDash val="solid"/>
+                      <a:round/>
+                      <a:headEnd type="none" w="med" len="med"/>
+                      <a:tailEnd type="none" w="med" len="med"/>
+                    </a:lnL>
+                    <a:lnR w="6350" cap="flat" cmpd="sng" algn="ctr">
+                      <a:solidFill>
+                        <a:srgbClr val="000000"/>
+                      </a:solidFill>
+                      <a:prstDash val="solid"/>
+                      <a:round/>
+                      <a:headEnd type="none" w="med" len="med"/>
+                      <a:tailEnd type="none" w="med" len="med"/>
+                    </a:lnR>
+                    <a:lnT w="6350" cap="flat" cmpd="sng" algn="ctr">
+                      <a:solidFill>
+                        <a:srgbClr val="000000"/>
+                      </a:solidFill>
+                      <a:prstDash val="solid"/>
+                      <a:round/>
+                      <a:headEnd type="none" w="med" len="med"/>
+                      <a:tailEnd type="none" w="med" len="med"/>
+                    </a:lnT>
+                    <a:lnB w="6350" cap="flat" cmpd="sng" algn="ctr">
+                      <a:solidFill>
+                        <a:srgbClr val="000000"/>
+                      </a:solidFill>
+                      <a:prstDash val="solid"/>
+                      <a:round/>
+                      <a:headEnd type="none" w="med" len="med"/>
+                      <a:tailEnd type="none" w="med" len="med"/>
+                    </a:lnB>
+                    <a:solidFill>
+                      <a:srgbClr val="FFFFFF"/>
+                    </a:solidFill>
+                  </a:tcPr>
+                </a:tc>
+                <a:tc>
+                  <a:txBody>
+                    <a:bodyPr/>
+                    <a:lstStyle/>
+                    <a:p>
+                      <a:pPr algn="l" fontAlgn="b"/>
+                      <a:r>
+                        <a:rPr lang="en-US" sz="1600" b="0" i="0" u="none" strike="noStrike">
+                          <a:solidFill>
+                            <a:srgbClr val="000000"/>
+                          </a:solidFill>
+                          <a:effectLst/>
+                          <a:latin typeface="Calibri"/>
+                        </a:rPr>
+                        <a:t>84 MHz</a:t>
+                      </a:r>
+                    </a:p>
+                  </a:txBody>
+                  <a:tcPr marL="45720" marR="45720" marT="9144" marB="9144" anchor="b">
+                    <a:lnL w="6350" cap="flat" cmpd="sng" algn="ctr">
+                      <a:solidFill>
+                        <a:srgbClr val="000000"/>
+                      </a:solidFill>
+                      <a:prstDash val="solid"/>
+                      <a:round/>
+                      <a:headEnd type="none" w="med" len="med"/>
+                      <a:tailEnd type="none" w="med" len="med"/>
+                    </a:lnL>
+                    <a:lnR w="6350" cap="flat" cmpd="sng" algn="ctr">
+                      <a:solidFill>
+                        <a:srgbClr val="000000"/>
+                      </a:solidFill>
+                      <a:prstDash val="solid"/>
+                      <a:round/>
+                      <a:headEnd type="none" w="med" len="med"/>
+                      <a:tailEnd type="none" w="med" len="med"/>
+                    </a:lnR>
+                    <a:lnT w="6350" cap="flat" cmpd="sng" algn="ctr">
+                      <a:solidFill>
+                        <a:srgbClr val="000000"/>
+                      </a:solidFill>
+                      <a:prstDash val="solid"/>
+                      <a:round/>
+                      <a:headEnd type="none" w="med" len="med"/>
+                      <a:tailEnd type="none" w="med" len="med"/>
+                    </a:lnT>
+                    <a:lnB w="6350" cap="flat" cmpd="sng" algn="ctr">
+                      <a:solidFill>
+                        <a:srgbClr val="000000"/>
+                      </a:solidFill>
+                      <a:prstDash val="solid"/>
+                      <a:round/>
+                      <a:headEnd type="none" w="med" len="med"/>
+                      <a:tailEnd type="none" w="med" len="med"/>
+                    </a:lnB>
+                    <a:solidFill>
+                      <a:srgbClr val="FFFFFF"/>
+                    </a:solidFill>
+                  </a:tcPr>
+                </a:tc>
+                <a:tc>
+                  <a:txBody>
+                    <a:bodyPr/>
+                    <a:lstStyle/>
+                    <a:p>
+                      <a:pPr algn="l" fontAlgn="b"/>
+                      <a:r>
+                        <a:rPr lang="en-US" sz="1600" b="0" i="0" u="none" strike="noStrike">
+                          <a:solidFill>
+                            <a:srgbClr val="000000"/>
+                          </a:solidFill>
+                          <a:effectLst/>
+                          <a:latin typeface="Calibri"/>
+                        </a:rPr>
+                        <a:t>32-bit</a:t>
+                      </a:r>
+                    </a:p>
+                  </a:txBody>
+                  <a:tcPr marL="45720" marR="45720" marT="9144" marB="9144" anchor="b">
+                    <a:lnL w="6350" cap="flat" cmpd="sng" algn="ctr">
+                      <a:solidFill>
+                        <a:srgbClr val="000000"/>
+                      </a:solidFill>
+                      <a:prstDash val="solid"/>
+                      <a:round/>
+                      <a:headEnd type="none" w="med" len="med"/>
+                      <a:tailEnd type="none" w="med" len="med"/>
+                    </a:lnL>
+                    <a:lnR w="6350" cap="flat" cmpd="sng" algn="ctr">
+                      <a:solidFill>
+                        <a:srgbClr val="000000"/>
+                      </a:solidFill>
+                      <a:prstDash val="solid"/>
+                      <a:round/>
+                      <a:headEnd type="none" w="med" len="med"/>
+                      <a:tailEnd type="none" w="med" len="med"/>
+                    </a:lnR>
+                    <a:lnT w="6350" cap="flat" cmpd="sng" algn="ctr">
+                      <a:solidFill>
+                        <a:srgbClr val="000000"/>
+                      </a:solidFill>
+                      <a:prstDash val="solid"/>
+                      <a:round/>
+                      <a:headEnd type="none" w="med" len="med"/>
+                      <a:tailEnd type="none" w="med" len="med"/>
+                    </a:lnT>
+                    <a:lnB w="6350" cap="flat" cmpd="sng" algn="ctr">
+                      <a:solidFill>
+                        <a:srgbClr val="000000"/>
+                      </a:solidFill>
+                      <a:prstDash val="solid"/>
+                      <a:round/>
+                      <a:headEnd type="none" w="med" len="med"/>
+                      <a:tailEnd type="none" w="med" len="med"/>
+                    </a:lnB>
+                    <a:solidFill>
+                      <a:srgbClr val="FFFFFF"/>
+                    </a:solidFill>
+                  </a:tcPr>
+                </a:tc>
+                <a:tc>
+                  <a:txBody>
+                    <a:bodyPr/>
+                    <a:lstStyle/>
+                    <a:p>
+                      <a:pPr algn="l" fontAlgn="b"/>
+                      <a:r>
+                        <a:rPr lang="en-US" sz="1600" b="0" i="0" u="none" strike="noStrike">
+                          <a:solidFill>
+                            <a:srgbClr val="000000"/>
+                          </a:solidFill>
+                          <a:effectLst/>
+                          <a:latin typeface="Calibri"/>
+                        </a:rPr>
+                        <a:t>No</a:t>
+                      </a:r>
+                    </a:p>
+                  </a:txBody>
+                  <a:tcPr marL="45720" marR="45720" marT="9144" marB="9144" anchor="b">
+                    <a:lnL w="6350" cap="flat" cmpd="sng" algn="ctr">
+                      <a:solidFill>
+                        <a:srgbClr val="000000"/>
+                      </a:solidFill>
+                      <a:prstDash val="solid"/>
+                      <a:round/>
+                      <a:headEnd type="none" w="med" len="med"/>
+                      <a:tailEnd type="none" w="med" len="med"/>
+                    </a:lnL>
+                    <a:lnR w="6350" cap="flat" cmpd="sng" algn="ctr">
+                      <a:solidFill>
+                        <a:srgbClr val="000000"/>
+                      </a:solidFill>
+                      <a:prstDash val="solid"/>
+                      <a:round/>
+                      <a:headEnd type="none" w="med" len="med"/>
+                      <a:tailEnd type="none" w="med" len="med"/>
+                    </a:lnR>
+                    <a:lnT w="6350" cap="flat" cmpd="sng" algn="ctr">
+                      <a:solidFill>
+                        <a:srgbClr val="000000"/>
+                      </a:solidFill>
+                      <a:prstDash val="solid"/>
+                      <a:round/>
+                      <a:headEnd type="none" w="med" len="med"/>
+                      <a:tailEnd type="none" w="med" len="med"/>
+                    </a:lnT>
+                    <a:lnB w="6350" cap="flat" cmpd="sng" algn="ctr">
+                      <a:solidFill>
+                        <a:srgbClr val="000000"/>
+                      </a:solidFill>
+                      <a:prstDash val="solid"/>
+                      <a:round/>
+                      <a:headEnd type="none" w="med" len="med"/>
+                      <a:tailEnd type="none" w="med" len="med"/>
+                    </a:lnB>
+                    <a:solidFill>
+                      <a:srgbClr val="FFFFFF"/>
+                    </a:solidFill>
+                  </a:tcPr>
+                </a:tc>
+                <a:tc>
+                  <a:txBody>
+                    <a:bodyPr/>
+                    <a:lstStyle/>
+                    <a:p>
+                      <a:pPr algn="l" fontAlgn="b"/>
+                      <a:r>
+                        <a:rPr lang="en-US" sz="1600" b="0" i="0" u="none" strike="noStrike">
+                          <a:solidFill>
+                            <a:srgbClr val="000000"/>
+                          </a:solidFill>
+                          <a:effectLst/>
+                          <a:latin typeface="Calibri"/>
+                        </a:rPr>
+                        <a:t>96 KB</a:t>
+                      </a:r>
+                    </a:p>
+                  </a:txBody>
+                  <a:tcPr marL="45720" marR="45720" marT="9144" marB="9144" anchor="b">
+                    <a:lnL w="6350" cap="flat" cmpd="sng" algn="ctr">
+                      <a:solidFill>
+                        <a:srgbClr val="000000"/>
+                      </a:solidFill>
+                      <a:prstDash val="solid"/>
+                      <a:round/>
+                      <a:headEnd type="none" w="med" len="med"/>
+                      <a:tailEnd type="none" w="med" len="med"/>
+                    </a:lnL>
+                    <a:lnR w="6350" cap="flat" cmpd="sng" algn="ctr">
+                      <a:solidFill>
+                        <a:srgbClr val="000000"/>
+                      </a:solidFill>
+                      <a:prstDash val="solid"/>
+                      <a:round/>
+                      <a:headEnd type="none" w="med" len="med"/>
+                      <a:tailEnd type="none" w="med" len="med"/>
+                    </a:lnR>
+                    <a:lnT w="6350" cap="flat" cmpd="sng" algn="ctr">
+                      <a:solidFill>
+                        <a:srgbClr val="000000"/>
+                      </a:solidFill>
+                      <a:prstDash val="solid"/>
+                      <a:round/>
+                      <a:headEnd type="none" w="med" len="med"/>
+                      <a:tailEnd type="none" w="med" len="med"/>
+                    </a:lnT>
+                    <a:lnB w="6350" cap="flat" cmpd="sng" algn="ctr">
+                      <a:solidFill>
+                        <a:srgbClr val="000000"/>
+                      </a:solidFill>
+                      <a:prstDash val="solid"/>
+                      <a:round/>
+                      <a:headEnd type="none" w="med" len="med"/>
+                      <a:tailEnd type="none" w="med" len="med"/>
+                    </a:lnB>
+                    <a:solidFill>
+                      <a:srgbClr val="FFFFFF"/>
+                    </a:solidFill>
+                  </a:tcPr>
+                </a:tc>
+              </a:tr>
+              <a:tr h="200025">
+                <a:tc>
+                  <a:txBody>
+                    <a:bodyPr/>
+                    <a:lstStyle/>
+                    <a:p>
+                      <a:pPr algn="l" fontAlgn="b"/>
+                      <a:r>
+                        <a:rPr lang="en-US" sz="1600" b="0" i="0" u="none" strike="noStrike">
+                          <a:solidFill>
+                            <a:srgbClr val="000000"/>
+                          </a:solidFill>
+                          <a:effectLst/>
+                          <a:latin typeface="Calibri"/>
+                        </a:rPr>
+                        <a:t>PJRC</a:t>
+                      </a:r>
+                    </a:p>
+                  </a:txBody>
+                  <a:tcPr marL="45720" marR="45720" marT="9144" marB="9144" anchor="b">
+                    <a:lnL w="6350" cap="flat" cmpd="sng" algn="ctr">
+                      <a:solidFill>
+                        <a:srgbClr val="000000"/>
+                      </a:solidFill>
+                      <a:prstDash val="solid"/>
+                      <a:round/>
+                      <a:headEnd type="none" w="med" len="med"/>
+                      <a:tailEnd type="none" w="med" len="med"/>
+                    </a:lnL>
+                    <a:lnR w="6350" cap="flat" cmpd="sng" algn="ctr">
+                      <a:solidFill>
+                        <a:srgbClr val="000000"/>
+                      </a:solidFill>
+                      <a:prstDash val="solid"/>
+                      <a:round/>
+                      <a:headEnd type="none" w="med" len="med"/>
+                      <a:tailEnd type="none" w="med" len="med"/>
+                    </a:lnR>
+                    <a:lnT w="6350" cap="flat" cmpd="sng" algn="ctr">
+                      <a:solidFill>
+                        <a:srgbClr val="000000"/>
+                      </a:solidFill>
+                      <a:prstDash val="solid"/>
+                      <a:round/>
+                      <a:headEnd type="none" w="med" len="med"/>
+                      <a:tailEnd type="none" w="med" len="med"/>
+                    </a:lnT>
+                    <a:lnB w="6350" cap="flat" cmpd="sng" algn="ctr">
+                      <a:solidFill>
+                        <a:srgbClr val="000000"/>
+                      </a:solidFill>
+                      <a:prstDash val="solid"/>
+                      <a:round/>
+                      <a:headEnd type="none" w="med" len="med"/>
+                      <a:tailEnd type="none" w="med" len="med"/>
+                    </a:lnB>
+                    <a:solidFill>
+                      <a:srgbClr val="FFFFFF"/>
+                    </a:solidFill>
+                  </a:tcPr>
+                </a:tc>
+                <a:tc>
+                  <a:txBody>
+                    <a:bodyPr/>
+                    <a:lstStyle/>
+                    <a:p>
+                      <a:pPr algn="l" fontAlgn="b"/>
+                      <a:r>
+                        <a:rPr lang="en-US" sz="1600" b="0" i="0" u="none" strike="noStrike">
+                          <a:solidFill>
+                            <a:srgbClr val="000000"/>
+                          </a:solidFill>
+                          <a:effectLst/>
+                          <a:latin typeface="Calibri"/>
+                        </a:rPr>
+                        <a:t>Teensy 3.2</a:t>
+                      </a:r>
+                    </a:p>
+                  </a:txBody>
+                  <a:tcPr marL="45720" marR="45720" marT="9144" marB="9144" anchor="b">
+                    <a:lnL w="6350" cap="flat" cmpd="sng" algn="ctr">
+                      <a:solidFill>
+                        <a:srgbClr val="000000"/>
+                      </a:solidFill>
+                      <a:prstDash val="solid"/>
+                      <a:round/>
+                      <a:headEnd type="none" w="med" len="med"/>
+                      <a:tailEnd type="none" w="med" len="med"/>
+                    </a:lnL>
+                    <a:lnR w="6350" cap="flat" cmpd="sng" algn="ctr">
+                      <a:solidFill>
+                        <a:srgbClr val="000000"/>
+                      </a:solidFill>
+                      <a:prstDash val="solid"/>
+                      <a:round/>
+                      <a:headEnd type="none" w="med" len="med"/>
+                      <a:tailEnd type="none" w="med" len="med"/>
+                    </a:lnR>
+                    <a:lnT w="6350" cap="flat" cmpd="sng" algn="ctr">
+                      <a:solidFill>
+                        <a:srgbClr val="000000"/>
+                      </a:solidFill>
+                      <a:prstDash val="solid"/>
+                      <a:round/>
+                      <a:headEnd type="none" w="med" len="med"/>
+                      <a:tailEnd type="none" w="med" len="med"/>
+                    </a:lnT>
+                    <a:lnB w="6350" cap="flat" cmpd="sng" algn="ctr">
+                      <a:solidFill>
+                        <a:srgbClr val="000000"/>
+                      </a:solidFill>
+                      <a:prstDash val="solid"/>
+                      <a:round/>
+                      <a:headEnd type="none" w="med" len="med"/>
+                      <a:tailEnd type="none" w="med" len="med"/>
+                    </a:lnB>
+                    <a:solidFill>
+                      <a:srgbClr val="FFFFFF"/>
+                    </a:solidFill>
+                  </a:tcPr>
+                </a:tc>
+                <a:tc>
+                  <a:txBody>
+                    <a:bodyPr/>
+                    <a:lstStyle/>
+                    <a:p>
+                      <a:pPr algn="l" fontAlgn="b"/>
+                      <a:r>
+                        <a:rPr lang="en-US" sz="1600" b="0" i="0" u="none" strike="noStrike">
+                          <a:solidFill>
+                            <a:srgbClr val="000000"/>
+                          </a:solidFill>
+                          <a:effectLst/>
+                          <a:latin typeface="Calibri"/>
+                        </a:rPr>
+                        <a:t>NXP</a:t>
+                      </a:r>
+                    </a:p>
+                  </a:txBody>
+                  <a:tcPr marL="45720" marR="45720" marT="9144" marB="9144" anchor="b">
+                    <a:lnL w="6350" cap="flat" cmpd="sng" algn="ctr">
+                      <a:solidFill>
+                        <a:srgbClr val="000000"/>
+                      </a:solidFill>
+                      <a:prstDash val="solid"/>
+                      <a:round/>
+                      <a:headEnd type="none" w="med" len="med"/>
+                      <a:tailEnd type="none" w="med" len="med"/>
+                    </a:lnL>
+                    <a:lnR w="6350" cap="flat" cmpd="sng" algn="ctr">
+                      <a:solidFill>
+                        <a:srgbClr val="000000"/>
+                      </a:solidFill>
+                      <a:prstDash val="solid"/>
+                      <a:round/>
+                      <a:headEnd type="none" w="med" len="med"/>
+                      <a:tailEnd type="none" w="med" len="med"/>
+                    </a:lnR>
+                    <a:lnT w="6350" cap="flat" cmpd="sng" algn="ctr">
+                      <a:solidFill>
+                        <a:srgbClr val="000000"/>
+                      </a:solidFill>
+                      <a:prstDash val="solid"/>
+                      <a:round/>
+                      <a:headEnd type="none" w="med" len="med"/>
+                      <a:tailEnd type="none" w="med" len="med"/>
+                    </a:lnT>
+                    <a:lnB w="6350" cap="flat" cmpd="sng" algn="ctr">
+                      <a:solidFill>
+                        <a:srgbClr val="000000"/>
+                      </a:solidFill>
+                      <a:prstDash val="solid"/>
+                      <a:round/>
+                      <a:headEnd type="none" w="med" len="med"/>
+                      <a:tailEnd type="none" w="med" len="med"/>
+                    </a:lnB>
+                    <a:solidFill>
+                      <a:srgbClr val="FFFFFF"/>
+                    </a:solidFill>
+                  </a:tcPr>
+                </a:tc>
+                <a:tc>
+                  <a:txBody>
+                    <a:bodyPr/>
+                    <a:lstStyle/>
+                    <a:p>
+                      <a:pPr algn="l" fontAlgn="b"/>
+                      <a:r>
+                        <a:rPr lang="en-US" sz="1600" b="0" i="0" u="none" strike="noStrike">
+                          <a:solidFill>
+                            <a:srgbClr val="000000"/>
+                          </a:solidFill>
+                          <a:effectLst/>
+                          <a:latin typeface="Calibri"/>
+                        </a:rPr>
+                        <a:t>MK20DX256</a:t>
+                      </a:r>
+                    </a:p>
+                  </a:txBody>
+                  <a:tcPr marL="45720" marR="45720" marT="9144" marB="9144" anchor="b">
+                    <a:lnL w="6350" cap="flat" cmpd="sng" algn="ctr">
+                      <a:solidFill>
+                        <a:srgbClr val="000000"/>
+                      </a:solidFill>
+                      <a:prstDash val="solid"/>
+                      <a:round/>
+                      <a:headEnd type="none" w="med" len="med"/>
+                      <a:tailEnd type="none" w="med" len="med"/>
+                    </a:lnL>
+                    <a:lnR w="6350" cap="flat" cmpd="sng" algn="ctr">
+                      <a:solidFill>
+                        <a:srgbClr val="000000"/>
+                      </a:solidFill>
+                      <a:prstDash val="solid"/>
+                      <a:round/>
+                      <a:headEnd type="none" w="med" len="med"/>
+                      <a:tailEnd type="none" w="med" len="med"/>
+                    </a:lnR>
+                    <a:lnT w="6350" cap="flat" cmpd="sng" algn="ctr">
+                      <a:solidFill>
+                        <a:srgbClr val="000000"/>
+                      </a:solidFill>
+                      <a:prstDash val="solid"/>
+                      <a:round/>
+                      <a:headEnd type="none" w="med" len="med"/>
+                      <a:tailEnd type="none" w="med" len="med"/>
+                    </a:lnT>
+                    <a:lnB w="6350" cap="flat" cmpd="sng" algn="ctr">
+                      <a:solidFill>
+                        <a:srgbClr val="000000"/>
+                      </a:solidFill>
+                      <a:prstDash val="solid"/>
+                      <a:round/>
+                      <a:headEnd type="none" w="med" len="med"/>
+                      <a:tailEnd type="none" w="med" len="med"/>
+                    </a:lnB>
+                    <a:solidFill>
+                      <a:srgbClr val="FFFFFF"/>
+                    </a:solidFill>
+                  </a:tcPr>
+                </a:tc>
+                <a:tc>
+                  <a:txBody>
+                    <a:bodyPr/>
+                    <a:lstStyle/>
+                    <a:p>
+                      <a:pPr algn="l" fontAlgn="b"/>
+                      <a:r>
+                        <a:rPr lang="en-US" sz="1600" b="0" i="0" u="none" strike="noStrike">
+                          <a:solidFill>
+                            <a:srgbClr val="000000"/>
+                          </a:solidFill>
+                          <a:effectLst/>
+                          <a:latin typeface="Calibri"/>
+                        </a:rPr>
+                        <a:t>ARM Cortex-M4</a:t>
+                      </a:r>
+                    </a:p>
+                  </a:txBody>
+                  <a:tcPr marL="45720" marR="45720" marT="9144" marB="9144" anchor="b">
+                    <a:lnL w="6350" cap="flat" cmpd="sng" algn="ctr">
+                      <a:solidFill>
+                        <a:srgbClr val="000000"/>
+                      </a:solidFill>
+                      <a:prstDash val="solid"/>
+                      <a:round/>
+                      <a:headEnd type="none" w="med" len="med"/>
+                      <a:tailEnd type="none" w="med" len="med"/>
+                    </a:lnL>
+                    <a:lnR w="6350" cap="flat" cmpd="sng" algn="ctr">
+                      <a:solidFill>
+                        <a:srgbClr val="000000"/>
+                      </a:solidFill>
+                      <a:prstDash val="solid"/>
+                      <a:round/>
+                      <a:headEnd type="none" w="med" len="med"/>
+                      <a:tailEnd type="none" w="med" len="med"/>
+                    </a:lnR>
+                    <a:lnT w="6350" cap="flat" cmpd="sng" algn="ctr">
+                      <a:solidFill>
+                        <a:srgbClr val="000000"/>
+                      </a:solidFill>
+                      <a:prstDash val="solid"/>
+                      <a:round/>
+                      <a:headEnd type="none" w="med" len="med"/>
+                      <a:tailEnd type="none" w="med" len="med"/>
+                    </a:lnT>
+                    <a:lnB w="6350" cap="flat" cmpd="sng" algn="ctr">
+                      <a:solidFill>
+                        <a:srgbClr val="000000"/>
+                      </a:solidFill>
+                      <a:prstDash val="solid"/>
+                      <a:round/>
+                      <a:headEnd type="none" w="med" len="med"/>
+                      <a:tailEnd type="none" w="med" len="med"/>
+                    </a:lnB>
+                    <a:solidFill>
+                      <a:srgbClr val="FFFFFF"/>
+                    </a:solidFill>
+                  </a:tcPr>
+                </a:tc>
+                <a:tc>
+                  <a:txBody>
+                    <a:bodyPr/>
+                    <a:lstStyle/>
+                    <a:p>
+                      <a:pPr algn="l" fontAlgn="b"/>
+                      <a:r>
+                        <a:rPr lang="en-US" sz="1600" b="0" i="0" u="none" strike="noStrike">
+                          <a:solidFill>
+                            <a:srgbClr val="000000"/>
+                          </a:solidFill>
+                          <a:effectLst/>
+                          <a:latin typeface="Calibri"/>
+                        </a:rPr>
+                        <a:t>96 MHz</a:t>
+                      </a:r>
+                    </a:p>
+                  </a:txBody>
+                  <a:tcPr marL="45720" marR="45720" marT="9144" marB="9144" anchor="b">
+                    <a:lnL w="6350" cap="flat" cmpd="sng" algn="ctr">
+                      <a:solidFill>
+                        <a:srgbClr val="000000"/>
+                      </a:solidFill>
+                      <a:prstDash val="solid"/>
+                      <a:round/>
+                      <a:headEnd type="none" w="med" len="med"/>
+                      <a:tailEnd type="none" w="med" len="med"/>
+                    </a:lnL>
+                    <a:lnR w="6350" cap="flat" cmpd="sng" algn="ctr">
+                      <a:solidFill>
+                        <a:srgbClr val="000000"/>
+                      </a:solidFill>
+                      <a:prstDash val="solid"/>
+                      <a:round/>
+                      <a:headEnd type="none" w="med" len="med"/>
+                      <a:tailEnd type="none" w="med" len="med"/>
+                    </a:lnR>
+                    <a:lnT w="6350" cap="flat" cmpd="sng" algn="ctr">
+                      <a:solidFill>
+                        <a:srgbClr val="000000"/>
+                      </a:solidFill>
+                      <a:prstDash val="solid"/>
+                      <a:round/>
+                      <a:headEnd type="none" w="med" len="med"/>
+                      <a:tailEnd type="none" w="med" len="med"/>
+                    </a:lnT>
+                    <a:lnB w="6350" cap="flat" cmpd="sng" algn="ctr">
+                      <a:solidFill>
+                        <a:srgbClr val="000000"/>
+                      </a:solidFill>
+                      <a:prstDash val="solid"/>
+                      <a:round/>
+                      <a:headEnd type="none" w="med" len="med"/>
+                      <a:tailEnd type="none" w="med" len="med"/>
+                    </a:lnB>
+                    <a:solidFill>
+                      <a:srgbClr val="FFFFFF"/>
+                    </a:solidFill>
+                  </a:tcPr>
+                </a:tc>
+                <a:tc>
+                  <a:txBody>
+                    <a:bodyPr/>
+                    <a:lstStyle/>
+                    <a:p>
+                      <a:pPr algn="l" fontAlgn="b"/>
+                      <a:r>
+                        <a:rPr lang="en-US" sz="1600" b="0" i="0" u="none" strike="noStrike">
+                          <a:solidFill>
+                            <a:srgbClr val="000000"/>
+                          </a:solidFill>
+                          <a:effectLst/>
+                          <a:latin typeface="Calibri"/>
+                        </a:rPr>
+                        <a:t>32-bit</a:t>
+                      </a:r>
+                    </a:p>
+                  </a:txBody>
+                  <a:tcPr marL="45720" marR="45720" marT="9144" marB="9144" anchor="b">
+                    <a:lnL w="6350" cap="flat" cmpd="sng" algn="ctr">
+                      <a:solidFill>
+                        <a:srgbClr val="000000"/>
+                      </a:solidFill>
+                      <a:prstDash val="solid"/>
+                      <a:round/>
+                      <a:headEnd type="none" w="med" len="med"/>
+                      <a:tailEnd type="none" w="med" len="med"/>
+                    </a:lnL>
+                    <a:lnR w="6350" cap="flat" cmpd="sng" algn="ctr">
+                      <a:solidFill>
+                        <a:srgbClr val="000000"/>
+                      </a:solidFill>
+                      <a:prstDash val="solid"/>
+                      <a:round/>
+                      <a:headEnd type="none" w="med" len="med"/>
+                      <a:tailEnd type="none" w="med" len="med"/>
+                    </a:lnR>
+                    <a:lnT w="6350" cap="flat" cmpd="sng" algn="ctr">
+                      <a:solidFill>
+                        <a:srgbClr val="000000"/>
+                      </a:solidFill>
+                      <a:prstDash val="solid"/>
+                      <a:round/>
+                      <a:headEnd type="none" w="med" len="med"/>
+                      <a:tailEnd type="none" w="med" len="med"/>
+                    </a:lnT>
+                    <a:lnB w="6350" cap="flat" cmpd="sng" algn="ctr">
+                      <a:solidFill>
+                        <a:srgbClr val="000000"/>
+                      </a:solidFill>
+                      <a:prstDash val="solid"/>
+                      <a:round/>
+                      <a:headEnd type="none" w="med" len="med"/>
+                      <a:tailEnd type="none" w="med" len="med"/>
+                    </a:lnB>
+                    <a:solidFill>
+                      <a:srgbClr val="FFFFFF"/>
+                    </a:solidFill>
+                  </a:tcPr>
+                </a:tc>
+                <a:tc>
+                  <a:txBody>
+                    <a:bodyPr/>
+                    <a:lstStyle/>
+                    <a:p>
+                      <a:pPr algn="l" fontAlgn="b"/>
+                      <a:r>
+                        <a:rPr lang="en-US" sz="1600" b="0" i="0" u="none" strike="noStrike">
+                          <a:solidFill>
+                            <a:srgbClr val="000000"/>
+                          </a:solidFill>
+                          <a:effectLst/>
+                          <a:latin typeface="Calibri"/>
+                        </a:rPr>
+                        <a:t>No</a:t>
+                      </a:r>
+                    </a:p>
+                  </a:txBody>
+                  <a:tcPr marL="45720" marR="45720" marT="9144" marB="9144" anchor="b">
+                    <a:lnL w="6350" cap="flat" cmpd="sng" algn="ctr">
+                      <a:solidFill>
+                        <a:srgbClr val="000000"/>
+                      </a:solidFill>
+                      <a:prstDash val="solid"/>
+                      <a:round/>
+                      <a:headEnd type="none" w="med" len="med"/>
+                      <a:tailEnd type="none" w="med" len="med"/>
+                    </a:lnL>
+                    <a:lnR w="6350" cap="flat" cmpd="sng" algn="ctr">
+                      <a:solidFill>
+                        <a:srgbClr val="000000"/>
+                      </a:solidFill>
+                      <a:prstDash val="solid"/>
+                      <a:round/>
+                      <a:headEnd type="none" w="med" len="med"/>
+                      <a:tailEnd type="none" w="med" len="med"/>
+                    </a:lnR>
+                    <a:lnT w="6350" cap="flat" cmpd="sng" algn="ctr">
+                      <a:solidFill>
+                        <a:srgbClr val="000000"/>
+                      </a:solidFill>
+                      <a:prstDash val="solid"/>
+                      <a:round/>
+                      <a:headEnd type="none" w="med" len="med"/>
+                      <a:tailEnd type="none" w="med" len="med"/>
+                    </a:lnT>
+                    <a:lnB w="6350" cap="flat" cmpd="sng" algn="ctr">
+                      <a:solidFill>
+                        <a:srgbClr val="000000"/>
+                      </a:solidFill>
+                      <a:prstDash val="solid"/>
+                      <a:round/>
+                      <a:headEnd type="none" w="med" len="med"/>
+                      <a:tailEnd type="none" w="med" len="med"/>
+                    </a:lnB>
+                    <a:solidFill>
+                      <a:srgbClr val="FFFFFF"/>
+                    </a:solidFill>
+                  </a:tcPr>
+                </a:tc>
+                <a:tc>
+                  <a:txBody>
+                    <a:bodyPr/>
+                    <a:lstStyle/>
+                    <a:p>
+                      <a:pPr algn="l" fontAlgn="b"/>
+                      <a:r>
+                        <a:rPr lang="en-US" sz="1600" b="0" i="0" u="none" strike="noStrike">
+                          <a:solidFill>
+                            <a:srgbClr val="000000"/>
+                          </a:solidFill>
+                          <a:effectLst/>
+                          <a:latin typeface="Calibri"/>
+                        </a:rPr>
+                        <a:t>64 KB</a:t>
+                      </a:r>
+                    </a:p>
+                  </a:txBody>
+                  <a:tcPr marL="45720" marR="45720" marT="9144" marB="9144" anchor="b">
+                    <a:lnL w="6350" cap="flat" cmpd="sng" algn="ctr">
+                      <a:solidFill>
+                        <a:srgbClr val="000000"/>
+                      </a:solidFill>
+                      <a:prstDash val="solid"/>
+                      <a:round/>
+                      <a:headEnd type="none" w="med" len="med"/>
+                      <a:tailEnd type="none" w="med" len="med"/>
+                    </a:lnL>
+                    <a:lnR w="6350" cap="flat" cmpd="sng" algn="ctr">
+                      <a:solidFill>
+                        <a:srgbClr val="000000"/>
+                      </a:solidFill>
+                      <a:prstDash val="solid"/>
+                      <a:round/>
+                      <a:headEnd type="none" w="med" len="med"/>
+                      <a:tailEnd type="none" w="med" len="med"/>
+                    </a:lnR>
+                    <a:lnT w="6350" cap="flat" cmpd="sng" algn="ctr">
+                      <a:solidFill>
+                        <a:srgbClr val="000000"/>
+                      </a:solidFill>
+                      <a:prstDash val="solid"/>
+                      <a:round/>
+                      <a:headEnd type="none" w="med" len="med"/>
+                      <a:tailEnd type="none" w="med" len="med"/>
+                    </a:lnT>
+                    <a:lnB w="6350" cap="flat" cmpd="sng" algn="ctr">
+                      <a:solidFill>
+                        <a:srgbClr val="000000"/>
+                      </a:solidFill>
+                      <a:prstDash val="solid"/>
+                      <a:round/>
+                      <a:headEnd type="none" w="med" len="med"/>
+                      <a:tailEnd type="none" w="med" len="med"/>
+                    </a:lnB>
+                    <a:solidFill>
+                      <a:srgbClr val="FFFFFF"/>
+                    </a:solidFill>
+                  </a:tcPr>
+                </a:tc>
+              </a:tr>
+              <a:tr h="200025">
+                <a:tc>
+                  <a:txBody>
+                    <a:bodyPr/>
+                    <a:lstStyle/>
+                    <a:p>
+                      <a:pPr algn="l" fontAlgn="b"/>
+                      <a:r>
+                        <a:rPr lang="en-US" sz="1600" b="0" i="0" u="none" strike="noStrike">
+                          <a:solidFill>
+                            <a:srgbClr val="000000"/>
+                          </a:solidFill>
+                          <a:effectLst/>
+                          <a:latin typeface="Calibri"/>
+                        </a:rPr>
+                        <a:t>PJRC</a:t>
+                      </a:r>
+                    </a:p>
+                  </a:txBody>
+                  <a:tcPr marL="45720" marR="45720" marT="9144" marB="9144" anchor="b">
+                    <a:lnL w="6350" cap="flat" cmpd="sng" algn="ctr">
+                      <a:solidFill>
+                        <a:srgbClr val="000000"/>
+                      </a:solidFill>
+                      <a:prstDash val="solid"/>
+                      <a:round/>
+                      <a:headEnd type="none" w="med" len="med"/>
+                      <a:tailEnd type="none" w="med" len="med"/>
+                    </a:lnL>
+                    <a:lnR w="6350" cap="flat" cmpd="sng" algn="ctr">
+                      <a:solidFill>
+                        <a:srgbClr val="000000"/>
+                      </a:solidFill>
+                      <a:prstDash val="solid"/>
+                      <a:round/>
+                      <a:headEnd type="none" w="med" len="med"/>
+                      <a:tailEnd type="none" w="med" len="med"/>
+                    </a:lnR>
+                    <a:lnT w="6350" cap="flat" cmpd="sng" algn="ctr">
+                      <a:solidFill>
+                        <a:srgbClr val="000000"/>
+                      </a:solidFill>
+                      <a:prstDash val="solid"/>
+                      <a:round/>
+                      <a:headEnd type="none" w="med" len="med"/>
+                      <a:tailEnd type="none" w="med" len="med"/>
+                    </a:lnT>
+                    <a:lnB w="6350" cap="flat" cmpd="sng" algn="ctr">
+                      <a:solidFill>
+                        <a:srgbClr val="000000"/>
+                      </a:solidFill>
+                      <a:prstDash val="solid"/>
+                      <a:round/>
+                      <a:headEnd type="none" w="med" len="med"/>
+                      <a:tailEnd type="none" w="med" len="med"/>
+                    </a:lnB>
+                    <a:solidFill>
+                      <a:srgbClr val="FFFF00"/>
+                    </a:solidFill>
+                  </a:tcPr>
+                </a:tc>
+                <a:tc>
+                  <a:txBody>
+                    <a:bodyPr/>
+                    <a:lstStyle/>
+                    <a:p>
+                      <a:pPr algn="l" fontAlgn="b"/>
+                      <a:r>
+                        <a:rPr lang="en-US" sz="1600" b="1" i="0" u="none" strike="noStrike">
+                          <a:solidFill>
+                            <a:srgbClr val="000000"/>
+                          </a:solidFill>
+                          <a:effectLst/>
+                          <a:latin typeface="Calibri"/>
+                        </a:rPr>
+                        <a:t>Teensy 3.5</a:t>
+                      </a:r>
+                    </a:p>
+                  </a:txBody>
+                  <a:tcPr marL="45720" marR="45720" marT="9144" marB="9144" anchor="b">
+                    <a:lnL w="6350" cap="flat" cmpd="sng" algn="ctr">
+                      <a:solidFill>
+                        <a:srgbClr val="000000"/>
+                      </a:solidFill>
+                      <a:prstDash val="solid"/>
+                      <a:round/>
+                      <a:headEnd type="none" w="med" len="med"/>
+                      <a:tailEnd type="none" w="med" len="med"/>
+                    </a:lnL>
+                    <a:lnR w="6350" cap="flat" cmpd="sng" algn="ctr">
+                      <a:solidFill>
+                        <a:srgbClr val="000000"/>
+                      </a:solidFill>
+                      <a:prstDash val="solid"/>
+                      <a:round/>
+                      <a:headEnd type="none" w="med" len="med"/>
+                      <a:tailEnd type="none" w="med" len="med"/>
+                    </a:lnR>
+                    <a:lnT w="6350" cap="flat" cmpd="sng" algn="ctr">
+                      <a:solidFill>
+                        <a:srgbClr val="000000"/>
+                      </a:solidFill>
+                      <a:prstDash val="solid"/>
+                      <a:round/>
+                      <a:headEnd type="none" w="med" len="med"/>
+                      <a:tailEnd type="none" w="med" len="med"/>
+                    </a:lnT>
+                    <a:lnB w="6350" cap="flat" cmpd="sng" algn="ctr">
+                      <a:solidFill>
+                        <a:srgbClr val="000000"/>
+                      </a:solidFill>
+                      <a:prstDash val="solid"/>
+                      <a:round/>
+                      <a:headEnd type="none" w="med" len="med"/>
+                      <a:tailEnd type="none" w="med" len="med"/>
+                    </a:lnB>
+                    <a:solidFill>
+                      <a:srgbClr val="FFFF00"/>
+                    </a:solidFill>
+                  </a:tcPr>
+                </a:tc>
+                <a:tc>
+                  <a:txBody>
+                    <a:bodyPr/>
+                    <a:lstStyle/>
+                    <a:p>
+                      <a:pPr algn="l" fontAlgn="b"/>
+                      <a:r>
+                        <a:rPr lang="en-US" sz="1600" b="0" i="0" u="none" strike="noStrike">
+                          <a:solidFill>
+                            <a:srgbClr val="000000"/>
+                          </a:solidFill>
+                          <a:effectLst/>
+                          <a:latin typeface="Calibri"/>
+                        </a:rPr>
+                        <a:t>NXP</a:t>
+                      </a:r>
+                    </a:p>
+                  </a:txBody>
+                  <a:tcPr marL="45720" marR="45720" marT="9144" marB="9144" anchor="b">
+                    <a:lnL w="6350" cap="flat" cmpd="sng" algn="ctr">
+                      <a:solidFill>
+                        <a:srgbClr val="000000"/>
+                      </a:solidFill>
+                      <a:prstDash val="solid"/>
+                      <a:round/>
+                      <a:headEnd type="none" w="med" len="med"/>
+                      <a:tailEnd type="none" w="med" len="med"/>
+                    </a:lnL>
+                    <a:lnR w="6350" cap="flat" cmpd="sng" algn="ctr">
+                      <a:solidFill>
+                        <a:srgbClr val="000000"/>
+                      </a:solidFill>
+                      <a:prstDash val="solid"/>
+                      <a:round/>
+                      <a:headEnd type="none" w="med" len="med"/>
+                      <a:tailEnd type="none" w="med" len="med"/>
+                    </a:lnR>
+                    <a:lnT w="6350" cap="flat" cmpd="sng" algn="ctr">
+                      <a:solidFill>
+                        <a:srgbClr val="000000"/>
+                      </a:solidFill>
+                      <a:prstDash val="solid"/>
+                      <a:round/>
+                      <a:headEnd type="none" w="med" len="med"/>
+                      <a:tailEnd type="none" w="med" len="med"/>
+                    </a:lnT>
+                    <a:lnB w="6350" cap="flat" cmpd="sng" algn="ctr">
+                      <a:solidFill>
+                        <a:srgbClr val="000000"/>
+                      </a:solidFill>
+                      <a:prstDash val="solid"/>
+                      <a:round/>
+                      <a:headEnd type="none" w="med" len="med"/>
+                      <a:tailEnd type="none" w="med" len="med"/>
+                    </a:lnB>
+                    <a:solidFill>
+                      <a:srgbClr val="FFFF00"/>
+                    </a:solidFill>
+                  </a:tcPr>
+                </a:tc>
+                <a:tc>
+                  <a:txBody>
+                    <a:bodyPr/>
+                    <a:lstStyle/>
+                    <a:p>
+                      <a:pPr algn="l" fontAlgn="b"/>
+                      <a:r>
+                        <a:rPr lang="en-US" sz="1600" b="0" i="0" u="none" strike="noStrike" dirty="0" smtClean="0">
+                          <a:solidFill>
+                            <a:srgbClr val="000000"/>
+                          </a:solidFill>
+                          <a:effectLst/>
+                          <a:latin typeface="Calibri"/>
+                        </a:rPr>
+                        <a:t>MK64FX512</a:t>
+                      </a:r>
+                      <a:endParaRPr lang="en-US" sz="1600" b="0" i="0" u="none" strike="noStrike" dirty="0">
+                        <a:solidFill>
+                          <a:srgbClr val="000000"/>
+                        </a:solidFill>
+                        <a:effectLst/>
+                        <a:latin typeface="Calibri"/>
+                      </a:endParaRPr>
+                    </a:p>
+                  </a:txBody>
+                  <a:tcPr marL="45720" marR="45720" marT="9144" marB="9144" anchor="b">
+                    <a:lnL w="6350" cap="flat" cmpd="sng" algn="ctr">
+                      <a:solidFill>
+                        <a:srgbClr val="000000"/>
+                      </a:solidFill>
+                      <a:prstDash val="solid"/>
+                      <a:round/>
+                      <a:headEnd type="none" w="med" len="med"/>
+                      <a:tailEnd type="none" w="med" len="med"/>
+                    </a:lnL>
+                    <a:lnR w="6350" cap="flat" cmpd="sng" algn="ctr">
+                      <a:solidFill>
+                        <a:srgbClr val="000000"/>
+                      </a:solidFill>
+                      <a:prstDash val="solid"/>
+                      <a:round/>
+                      <a:headEnd type="none" w="med" len="med"/>
+                      <a:tailEnd type="none" w="med" len="med"/>
+                    </a:lnR>
+                    <a:lnT w="6350" cap="flat" cmpd="sng" algn="ctr">
+                      <a:solidFill>
+                        <a:srgbClr val="000000"/>
+                      </a:solidFill>
+                      <a:prstDash val="solid"/>
+                      <a:round/>
+                      <a:headEnd type="none" w="med" len="med"/>
+                      <a:tailEnd type="none" w="med" len="med"/>
+                    </a:lnT>
+                    <a:lnB w="6350" cap="flat" cmpd="sng" algn="ctr">
+                      <a:solidFill>
+                        <a:srgbClr val="000000"/>
+                      </a:solidFill>
+                      <a:prstDash val="solid"/>
+                      <a:round/>
+                      <a:headEnd type="none" w="med" len="med"/>
+                      <a:tailEnd type="none" w="med" len="med"/>
+                    </a:lnB>
+                    <a:solidFill>
+                      <a:srgbClr val="FFFF00"/>
+                    </a:solidFill>
+                  </a:tcPr>
+                </a:tc>
+                <a:tc>
+                  <a:txBody>
+                    <a:bodyPr/>
+                    <a:lstStyle/>
+                    <a:p>
+                      <a:pPr algn="l" fontAlgn="b"/>
+                      <a:r>
+                        <a:rPr lang="en-US" sz="1600" b="0" i="0" u="none" strike="noStrike" dirty="0">
+                          <a:solidFill>
+                            <a:srgbClr val="000000"/>
+                          </a:solidFill>
+                          <a:effectLst/>
+                          <a:latin typeface="Calibri"/>
+                        </a:rPr>
+                        <a:t>ARM Cortex-M4</a:t>
+                      </a:r>
+                    </a:p>
+                  </a:txBody>
+                  <a:tcPr marL="45720" marR="45720" marT="9144" marB="9144" anchor="b">
+                    <a:lnL w="6350" cap="flat" cmpd="sng" algn="ctr">
+                      <a:solidFill>
+                        <a:srgbClr val="000000"/>
+                      </a:solidFill>
+                      <a:prstDash val="solid"/>
+                      <a:round/>
+                      <a:headEnd type="none" w="med" len="med"/>
+                      <a:tailEnd type="none" w="med" len="med"/>
+                    </a:lnL>
+                    <a:lnR w="6350" cap="flat" cmpd="sng" algn="ctr">
+                      <a:solidFill>
+                        <a:srgbClr val="000000"/>
+                      </a:solidFill>
+                      <a:prstDash val="solid"/>
+                      <a:round/>
+                      <a:headEnd type="none" w="med" len="med"/>
+                      <a:tailEnd type="none" w="med" len="med"/>
+                    </a:lnR>
+                    <a:lnT w="6350" cap="flat" cmpd="sng" algn="ctr">
+                      <a:solidFill>
+                        <a:srgbClr val="000000"/>
+                      </a:solidFill>
+                      <a:prstDash val="solid"/>
+                      <a:round/>
+                      <a:headEnd type="none" w="med" len="med"/>
+                      <a:tailEnd type="none" w="med" len="med"/>
+                    </a:lnT>
+                    <a:lnB w="6350" cap="flat" cmpd="sng" algn="ctr">
+                      <a:solidFill>
+                        <a:srgbClr val="000000"/>
+                      </a:solidFill>
+                      <a:prstDash val="solid"/>
+                      <a:round/>
+                      <a:headEnd type="none" w="med" len="med"/>
+                      <a:tailEnd type="none" w="med" len="med"/>
+                    </a:lnB>
+                    <a:solidFill>
+                      <a:srgbClr val="FFFF00"/>
+                    </a:solidFill>
+                  </a:tcPr>
+                </a:tc>
+                <a:tc>
+                  <a:txBody>
+                    <a:bodyPr/>
+                    <a:lstStyle/>
+                    <a:p>
+                      <a:pPr algn="l" fontAlgn="b"/>
+                      <a:r>
+                        <a:rPr lang="en-US" sz="1600" b="0" i="0" u="none" strike="noStrike">
+                          <a:solidFill>
+                            <a:srgbClr val="000000"/>
+                          </a:solidFill>
+                          <a:effectLst/>
+                          <a:latin typeface="Calibri"/>
+                        </a:rPr>
+                        <a:t>120 MHz</a:t>
+                      </a:r>
+                    </a:p>
+                  </a:txBody>
+                  <a:tcPr marL="45720" marR="45720" marT="9144" marB="9144" anchor="b">
+                    <a:lnL w="6350" cap="flat" cmpd="sng" algn="ctr">
+                      <a:solidFill>
+                        <a:srgbClr val="000000"/>
+                      </a:solidFill>
+                      <a:prstDash val="solid"/>
+                      <a:round/>
+                      <a:headEnd type="none" w="med" len="med"/>
+                      <a:tailEnd type="none" w="med" len="med"/>
+                    </a:lnL>
+                    <a:lnR w="6350" cap="flat" cmpd="sng" algn="ctr">
+                      <a:solidFill>
+                        <a:srgbClr val="000000"/>
+                      </a:solidFill>
+                      <a:prstDash val="solid"/>
+                      <a:round/>
+                      <a:headEnd type="none" w="med" len="med"/>
+                      <a:tailEnd type="none" w="med" len="med"/>
+                    </a:lnR>
+                    <a:lnT w="6350" cap="flat" cmpd="sng" algn="ctr">
+                      <a:solidFill>
+                        <a:srgbClr val="000000"/>
+                      </a:solidFill>
+                      <a:prstDash val="solid"/>
+                      <a:round/>
+                      <a:headEnd type="none" w="med" len="med"/>
+                      <a:tailEnd type="none" w="med" len="med"/>
+                    </a:lnT>
+                    <a:lnB w="6350" cap="flat" cmpd="sng" algn="ctr">
+                      <a:solidFill>
+                        <a:srgbClr val="000000"/>
+                      </a:solidFill>
+                      <a:prstDash val="solid"/>
+                      <a:round/>
+                      <a:headEnd type="none" w="med" len="med"/>
+                      <a:tailEnd type="none" w="med" len="med"/>
+                    </a:lnB>
+                    <a:solidFill>
+                      <a:srgbClr val="FFFF00"/>
+                    </a:solidFill>
+                  </a:tcPr>
+                </a:tc>
+                <a:tc>
+                  <a:txBody>
+                    <a:bodyPr/>
+                    <a:lstStyle/>
+                    <a:p>
+                      <a:pPr algn="l" fontAlgn="b"/>
+                      <a:r>
+                        <a:rPr lang="en-US" sz="1600" b="0" i="0" u="none" strike="noStrike">
+                          <a:solidFill>
+                            <a:srgbClr val="000000"/>
+                          </a:solidFill>
+                          <a:effectLst/>
+                          <a:latin typeface="Calibri"/>
+                        </a:rPr>
+                        <a:t>32-bit</a:t>
+                      </a:r>
+                    </a:p>
+                  </a:txBody>
+                  <a:tcPr marL="45720" marR="45720" marT="9144" marB="9144" anchor="b">
+                    <a:lnL w="6350" cap="flat" cmpd="sng" algn="ctr">
+                      <a:solidFill>
+                        <a:srgbClr val="000000"/>
+                      </a:solidFill>
+                      <a:prstDash val="solid"/>
+                      <a:round/>
+                      <a:headEnd type="none" w="med" len="med"/>
+                      <a:tailEnd type="none" w="med" len="med"/>
+                    </a:lnL>
+                    <a:lnR w="6350" cap="flat" cmpd="sng" algn="ctr">
+                      <a:solidFill>
+                        <a:srgbClr val="000000"/>
+                      </a:solidFill>
+                      <a:prstDash val="solid"/>
+                      <a:round/>
+                      <a:headEnd type="none" w="med" len="med"/>
+                      <a:tailEnd type="none" w="med" len="med"/>
+                    </a:lnR>
+                    <a:lnT w="6350" cap="flat" cmpd="sng" algn="ctr">
+                      <a:solidFill>
+                        <a:srgbClr val="000000"/>
+                      </a:solidFill>
+                      <a:prstDash val="solid"/>
+                      <a:round/>
+                      <a:headEnd type="none" w="med" len="med"/>
+                      <a:tailEnd type="none" w="med" len="med"/>
+                    </a:lnT>
+                    <a:lnB w="6350" cap="flat" cmpd="sng" algn="ctr">
+                      <a:solidFill>
+                        <a:srgbClr val="000000"/>
+                      </a:solidFill>
+                      <a:prstDash val="solid"/>
+                      <a:round/>
+                      <a:headEnd type="none" w="med" len="med"/>
+                      <a:tailEnd type="none" w="med" len="med"/>
+                    </a:lnB>
+                    <a:solidFill>
+                      <a:srgbClr val="FFFF00"/>
+                    </a:solidFill>
+                  </a:tcPr>
+                </a:tc>
+                <a:tc>
+                  <a:txBody>
+                    <a:bodyPr/>
+                    <a:lstStyle/>
+                    <a:p>
+                      <a:pPr algn="l" fontAlgn="b"/>
+                      <a:r>
+                        <a:rPr lang="en-US" sz="1600" b="1" i="0" u="none" strike="noStrike">
+                          <a:solidFill>
+                            <a:srgbClr val="000000"/>
+                          </a:solidFill>
+                          <a:effectLst/>
+                          <a:latin typeface="Calibri"/>
+                        </a:rPr>
+                        <a:t>Yes</a:t>
+                      </a:r>
+                    </a:p>
+                  </a:txBody>
+                  <a:tcPr marL="45720" marR="45720" marT="9144" marB="9144" anchor="b">
+                    <a:lnL w="6350" cap="flat" cmpd="sng" algn="ctr">
+                      <a:solidFill>
+                        <a:srgbClr val="000000"/>
+                      </a:solidFill>
+                      <a:prstDash val="solid"/>
+                      <a:round/>
+                      <a:headEnd type="none" w="med" len="med"/>
+                      <a:tailEnd type="none" w="med" len="med"/>
+                    </a:lnL>
+                    <a:lnR w="6350" cap="flat" cmpd="sng" algn="ctr">
+                      <a:solidFill>
+                        <a:srgbClr val="000000"/>
+                      </a:solidFill>
+                      <a:prstDash val="solid"/>
+                      <a:round/>
+                      <a:headEnd type="none" w="med" len="med"/>
+                      <a:tailEnd type="none" w="med" len="med"/>
+                    </a:lnR>
+                    <a:lnT w="6350" cap="flat" cmpd="sng" algn="ctr">
+                      <a:solidFill>
+                        <a:srgbClr val="000000"/>
+                      </a:solidFill>
+                      <a:prstDash val="solid"/>
+                      <a:round/>
+                      <a:headEnd type="none" w="med" len="med"/>
+                      <a:tailEnd type="none" w="med" len="med"/>
+                    </a:lnT>
+                    <a:lnB w="6350" cap="flat" cmpd="sng" algn="ctr">
+                      <a:solidFill>
+                        <a:srgbClr val="000000"/>
+                      </a:solidFill>
+                      <a:prstDash val="solid"/>
+                      <a:round/>
+                      <a:headEnd type="none" w="med" len="med"/>
+                      <a:tailEnd type="none" w="med" len="med"/>
+                    </a:lnB>
+                    <a:solidFill>
+                      <a:srgbClr val="FFFF00"/>
+                    </a:solidFill>
+                  </a:tcPr>
+                </a:tc>
+                <a:tc>
+                  <a:txBody>
+                    <a:bodyPr/>
+                    <a:lstStyle/>
+                    <a:p>
+                      <a:pPr algn="l" fontAlgn="b"/>
+                      <a:r>
+                        <a:rPr lang="en-US" sz="1600" b="0" i="0" u="none" strike="noStrike">
+                          <a:solidFill>
+                            <a:srgbClr val="000000"/>
+                          </a:solidFill>
+                          <a:effectLst/>
+                          <a:latin typeface="Calibri"/>
+                        </a:rPr>
+                        <a:t>192 KB</a:t>
+                      </a:r>
+                    </a:p>
+                  </a:txBody>
+                  <a:tcPr marL="45720" marR="45720" marT="9144" marB="9144" anchor="b">
+                    <a:lnL w="6350" cap="flat" cmpd="sng" algn="ctr">
+                      <a:solidFill>
+                        <a:srgbClr val="000000"/>
+                      </a:solidFill>
+                      <a:prstDash val="solid"/>
+                      <a:round/>
+                      <a:headEnd type="none" w="med" len="med"/>
+                      <a:tailEnd type="none" w="med" len="med"/>
+                    </a:lnL>
+                    <a:lnR w="6350" cap="flat" cmpd="sng" algn="ctr">
+                      <a:solidFill>
+                        <a:srgbClr val="000000"/>
+                      </a:solidFill>
+                      <a:prstDash val="solid"/>
+                      <a:round/>
+                      <a:headEnd type="none" w="med" len="med"/>
+                      <a:tailEnd type="none" w="med" len="med"/>
+                    </a:lnR>
+                    <a:lnT w="6350" cap="flat" cmpd="sng" algn="ctr">
+                      <a:solidFill>
+                        <a:srgbClr val="000000"/>
+                      </a:solidFill>
+                      <a:prstDash val="solid"/>
+                      <a:round/>
+                      <a:headEnd type="none" w="med" len="med"/>
+                      <a:tailEnd type="none" w="med" len="med"/>
+                    </a:lnT>
+                    <a:lnB w="6350" cap="flat" cmpd="sng" algn="ctr">
+                      <a:solidFill>
+                        <a:srgbClr val="000000"/>
+                      </a:solidFill>
+                      <a:prstDash val="solid"/>
+                      <a:round/>
+                      <a:headEnd type="none" w="med" len="med"/>
+                      <a:tailEnd type="none" w="med" len="med"/>
+                    </a:lnB>
+                    <a:solidFill>
+                      <a:srgbClr val="FFFF00"/>
+                    </a:solidFill>
+                  </a:tcPr>
+                </a:tc>
+              </a:tr>
+              <a:tr h="200025">
+                <a:tc>
+                  <a:txBody>
+                    <a:bodyPr/>
+                    <a:lstStyle/>
+                    <a:p>
+                      <a:pPr algn="l" fontAlgn="b"/>
+                      <a:r>
+                        <a:rPr lang="en-US" sz="1600" b="0" i="0" u="none" strike="noStrike">
+                          <a:solidFill>
+                            <a:srgbClr val="000000"/>
+                          </a:solidFill>
+                          <a:effectLst/>
+                          <a:latin typeface="Calibri"/>
+                        </a:rPr>
+                        <a:t>PJRC</a:t>
+                      </a:r>
+                    </a:p>
+                  </a:txBody>
+                  <a:tcPr marL="45720" marR="45720" marT="9144" marB="9144" anchor="b">
+                    <a:lnL w="6350" cap="flat" cmpd="sng" algn="ctr">
+                      <a:solidFill>
+                        <a:srgbClr val="000000"/>
+                      </a:solidFill>
+                      <a:prstDash val="solid"/>
+                      <a:round/>
+                      <a:headEnd type="none" w="med" len="med"/>
+                      <a:tailEnd type="none" w="med" len="med"/>
+                    </a:lnL>
+                    <a:lnR w="6350" cap="flat" cmpd="sng" algn="ctr">
+                      <a:solidFill>
+                        <a:srgbClr val="000000"/>
+                      </a:solidFill>
+                      <a:prstDash val="solid"/>
+                      <a:round/>
+                      <a:headEnd type="none" w="med" len="med"/>
+                      <a:tailEnd type="none" w="med" len="med"/>
+                    </a:lnR>
+                    <a:lnT w="6350" cap="flat" cmpd="sng" algn="ctr">
+                      <a:solidFill>
+                        <a:srgbClr val="000000"/>
+                      </a:solidFill>
+                      <a:prstDash val="solid"/>
+                      <a:round/>
+                      <a:headEnd type="none" w="med" len="med"/>
+                      <a:tailEnd type="none" w="med" len="med"/>
+                    </a:lnT>
+                    <a:lnB w="6350" cap="flat" cmpd="sng" algn="ctr">
+                      <a:solidFill>
+                        <a:srgbClr val="000000"/>
+                      </a:solidFill>
+                      <a:prstDash val="solid"/>
+                      <a:round/>
+                      <a:headEnd type="none" w="med" len="med"/>
+                      <a:tailEnd type="none" w="med" len="med"/>
+                    </a:lnB>
+                    <a:solidFill>
+                      <a:srgbClr val="FFFF00"/>
+                    </a:solidFill>
+                  </a:tcPr>
+                </a:tc>
+                <a:tc>
+                  <a:txBody>
+                    <a:bodyPr/>
+                    <a:lstStyle/>
+                    <a:p>
+                      <a:pPr algn="l" fontAlgn="b"/>
+                      <a:r>
+                        <a:rPr lang="en-US" sz="1600" b="1" i="0" u="none" strike="noStrike">
+                          <a:solidFill>
+                            <a:srgbClr val="000000"/>
+                          </a:solidFill>
+                          <a:effectLst/>
+                          <a:latin typeface="Calibri"/>
+                        </a:rPr>
+                        <a:t>Teensy 3.6</a:t>
+                      </a:r>
+                    </a:p>
+                  </a:txBody>
+                  <a:tcPr marL="45720" marR="45720" marT="9144" marB="9144" anchor="b">
+                    <a:lnL w="6350" cap="flat" cmpd="sng" algn="ctr">
+                      <a:solidFill>
+                        <a:srgbClr val="000000"/>
+                      </a:solidFill>
+                      <a:prstDash val="solid"/>
+                      <a:round/>
+                      <a:headEnd type="none" w="med" len="med"/>
+                      <a:tailEnd type="none" w="med" len="med"/>
+                    </a:lnL>
+                    <a:lnR w="6350" cap="flat" cmpd="sng" algn="ctr">
+                      <a:solidFill>
+                        <a:srgbClr val="000000"/>
+                      </a:solidFill>
+                      <a:prstDash val="solid"/>
+                      <a:round/>
+                      <a:headEnd type="none" w="med" len="med"/>
+                      <a:tailEnd type="none" w="med" len="med"/>
+                    </a:lnR>
+                    <a:lnT w="6350" cap="flat" cmpd="sng" algn="ctr">
+                      <a:solidFill>
+                        <a:srgbClr val="000000"/>
+                      </a:solidFill>
+                      <a:prstDash val="solid"/>
+                      <a:round/>
+                      <a:headEnd type="none" w="med" len="med"/>
+                      <a:tailEnd type="none" w="med" len="med"/>
+                    </a:lnT>
+                    <a:lnB w="6350" cap="flat" cmpd="sng" algn="ctr">
+                      <a:solidFill>
+                        <a:srgbClr val="000000"/>
+                      </a:solidFill>
+                      <a:prstDash val="solid"/>
+                      <a:round/>
+                      <a:headEnd type="none" w="med" len="med"/>
+                      <a:tailEnd type="none" w="med" len="med"/>
+                    </a:lnB>
+                    <a:solidFill>
+                      <a:srgbClr val="FFFF00"/>
+                    </a:solidFill>
+                  </a:tcPr>
+                </a:tc>
+                <a:tc>
+                  <a:txBody>
+                    <a:bodyPr/>
+                    <a:lstStyle/>
+                    <a:p>
+                      <a:pPr algn="l" fontAlgn="b"/>
+                      <a:r>
+                        <a:rPr lang="en-US" sz="1600" b="0" i="0" u="none" strike="noStrike">
+                          <a:solidFill>
+                            <a:srgbClr val="000000"/>
+                          </a:solidFill>
+                          <a:effectLst/>
+                          <a:latin typeface="Calibri"/>
+                        </a:rPr>
+                        <a:t>NXP</a:t>
+                      </a:r>
+                    </a:p>
+                  </a:txBody>
+                  <a:tcPr marL="45720" marR="45720" marT="9144" marB="9144" anchor="b">
+                    <a:lnL w="6350" cap="flat" cmpd="sng" algn="ctr">
+                      <a:solidFill>
+                        <a:srgbClr val="000000"/>
+                      </a:solidFill>
+                      <a:prstDash val="solid"/>
+                      <a:round/>
+                      <a:headEnd type="none" w="med" len="med"/>
+                      <a:tailEnd type="none" w="med" len="med"/>
+                    </a:lnL>
+                    <a:lnR w="6350" cap="flat" cmpd="sng" algn="ctr">
+                      <a:solidFill>
+                        <a:srgbClr val="000000"/>
+                      </a:solidFill>
+                      <a:prstDash val="solid"/>
+                      <a:round/>
+                      <a:headEnd type="none" w="med" len="med"/>
+                      <a:tailEnd type="none" w="med" len="med"/>
+                    </a:lnR>
+                    <a:lnT w="6350" cap="flat" cmpd="sng" algn="ctr">
+                      <a:solidFill>
+                        <a:srgbClr val="000000"/>
+                      </a:solidFill>
+                      <a:prstDash val="solid"/>
+                      <a:round/>
+                      <a:headEnd type="none" w="med" len="med"/>
+                      <a:tailEnd type="none" w="med" len="med"/>
+                    </a:lnT>
+                    <a:lnB w="6350" cap="flat" cmpd="sng" algn="ctr">
+                      <a:solidFill>
+                        <a:srgbClr val="000000"/>
+                      </a:solidFill>
+                      <a:prstDash val="solid"/>
+                      <a:round/>
+                      <a:headEnd type="none" w="med" len="med"/>
+                      <a:tailEnd type="none" w="med" len="med"/>
+                    </a:lnB>
+                    <a:solidFill>
+                      <a:srgbClr val="FFFF00"/>
+                    </a:solidFill>
+                  </a:tcPr>
+                </a:tc>
+                <a:tc>
+                  <a:txBody>
+                    <a:bodyPr/>
+                    <a:lstStyle/>
+                    <a:p>
+                      <a:pPr algn="l" fontAlgn="b"/>
+                      <a:r>
+                        <a:rPr lang="en-US" sz="1600" b="0" i="0" u="none" strike="noStrike" dirty="0" smtClean="0">
+                          <a:solidFill>
+                            <a:srgbClr val="000000"/>
+                          </a:solidFill>
+                          <a:effectLst/>
+                          <a:latin typeface="Calibri"/>
+                        </a:rPr>
+                        <a:t>MK66FX1M0</a:t>
+                      </a:r>
+                      <a:endParaRPr lang="en-US" sz="1600" b="0" i="0" u="none" strike="noStrike" dirty="0">
+                        <a:solidFill>
+                          <a:srgbClr val="000000"/>
+                        </a:solidFill>
+                        <a:effectLst/>
+                        <a:latin typeface="Calibri"/>
+                      </a:endParaRPr>
+                    </a:p>
+                  </a:txBody>
+                  <a:tcPr marL="45720" marR="45720" marT="9144" marB="9144" anchor="b">
+                    <a:lnL w="6350" cap="flat" cmpd="sng" algn="ctr">
+                      <a:solidFill>
+                        <a:srgbClr val="000000"/>
+                      </a:solidFill>
+                      <a:prstDash val="solid"/>
+                      <a:round/>
+                      <a:headEnd type="none" w="med" len="med"/>
+                      <a:tailEnd type="none" w="med" len="med"/>
+                    </a:lnL>
+                    <a:lnR w="6350" cap="flat" cmpd="sng" algn="ctr">
+                      <a:solidFill>
+                        <a:srgbClr val="000000"/>
+                      </a:solidFill>
+                      <a:prstDash val="solid"/>
+                      <a:round/>
+                      <a:headEnd type="none" w="med" len="med"/>
+                      <a:tailEnd type="none" w="med" len="med"/>
+                    </a:lnR>
+                    <a:lnT w="6350" cap="flat" cmpd="sng" algn="ctr">
+                      <a:solidFill>
+                        <a:srgbClr val="000000"/>
+                      </a:solidFill>
+                      <a:prstDash val="solid"/>
+                      <a:round/>
+                      <a:headEnd type="none" w="med" len="med"/>
+                      <a:tailEnd type="none" w="med" len="med"/>
+                    </a:lnT>
+                    <a:lnB w="6350" cap="flat" cmpd="sng" algn="ctr">
+                      <a:solidFill>
+                        <a:srgbClr val="000000"/>
+                      </a:solidFill>
+                      <a:prstDash val="solid"/>
+                      <a:round/>
+                      <a:headEnd type="none" w="med" len="med"/>
+                      <a:tailEnd type="none" w="med" len="med"/>
+                    </a:lnB>
+                    <a:solidFill>
+                      <a:srgbClr val="FFFF00"/>
+                    </a:solidFill>
+                  </a:tcPr>
+                </a:tc>
+                <a:tc>
+                  <a:txBody>
+                    <a:bodyPr/>
+                    <a:lstStyle/>
+                    <a:p>
+                      <a:pPr algn="l" fontAlgn="b"/>
+                      <a:r>
+                        <a:rPr lang="en-US" sz="1600" b="0" i="0" u="none" strike="noStrike">
+                          <a:solidFill>
+                            <a:srgbClr val="000000"/>
+                          </a:solidFill>
+                          <a:effectLst/>
+                          <a:latin typeface="Calibri"/>
+                        </a:rPr>
+                        <a:t>ARM Cortex-M4</a:t>
+                      </a:r>
+                    </a:p>
+                  </a:txBody>
+                  <a:tcPr marL="45720" marR="45720" marT="9144" marB="9144" anchor="b">
+                    <a:lnL w="6350" cap="flat" cmpd="sng" algn="ctr">
+                      <a:solidFill>
+                        <a:srgbClr val="000000"/>
+                      </a:solidFill>
+                      <a:prstDash val="solid"/>
+                      <a:round/>
+                      <a:headEnd type="none" w="med" len="med"/>
+                      <a:tailEnd type="none" w="med" len="med"/>
+                    </a:lnL>
+                    <a:lnR w="6350" cap="flat" cmpd="sng" algn="ctr">
+                      <a:solidFill>
+                        <a:srgbClr val="000000"/>
+                      </a:solidFill>
+                      <a:prstDash val="solid"/>
+                      <a:round/>
+                      <a:headEnd type="none" w="med" len="med"/>
+                      <a:tailEnd type="none" w="med" len="med"/>
+                    </a:lnR>
+                    <a:lnT w="6350" cap="flat" cmpd="sng" algn="ctr">
+                      <a:solidFill>
+                        <a:srgbClr val="000000"/>
+                      </a:solidFill>
+                      <a:prstDash val="solid"/>
+                      <a:round/>
+                      <a:headEnd type="none" w="med" len="med"/>
+                      <a:tailEnd type="none" w="med" len="med"/>
+                    </a:lnT>
+                    <a:lnB w="6350" cap="flat" cmpd="sng" algn="ctr">
+                      <a:solidFill>
+                        <a:srgbClr val="000000"/>
+                      </a:solidFill>
+                      <a:prstDash val="solid"/>
+                      <a:round/>
+                      <a:headEnd type="none" w="med" len="med"/>
+                      <a:tailEnd type="none" w="med" len="med"/>
+                    </a:lnB>
+                    <a:solidFill>
+                      <a:srgbClr val="FFFF00"/>
+                    </a:solidFill>
+                  </a:tcPr>
+                </a:tc>
+                <a:tc>
+                  <a:txBody>
+                    <a:bodyPr/>
+                    <a:lstStyle/>
+                    <a:p>
+                      <a:pPr algn="l" fontAlgn="b"/>
+                      <a:r>
+                        <a:rPr lang="en-US" sz="1600" b="0" i="0" u="none" strike="noStrike">
+                          <a:solidFill>
+                            <a:srgbClr val="000000"/>
+                          </a:solidFill>
+                          <a:effectLst/>
+                          <a:latin typeface="Calibri"/>
+                        </a:rPr>
+                        <a:t>180 MHz</a:t>
+                      </a:r>
+                    </a:p>
+                  </a:txBody>
+                  <a:tcPr marL="45720" marR="45720" marT="9144" marB="9144" anchor="b">
+                    <a:lnL w="6350" cap="flat" cmpd="sng" algn="ctr">
+                      <a:solidFill>
+                        <a:srgbClr val="000000"/>
+                      </a:solidFill>
+                      <a:prstDash val="solid"/>
+                      <a:round/>
+                      <a:headEnd type="none" w="med" len="med"/>
+                      <a:tailEnd type="none" w="med" len="med"/>
+                    </a:lnL>
+                    <a:lnR w="6350" cap="flat" cmpd="sng" algn="ctr">
+                      <a:solidFill>
+                        <a:srgbClr val="000000"/>
+                      </a:solidFill>
+                      <a:prstDash val="solid"/>
+                      <a:round/>
+                      <a:headEnd type="none" w="med" len="med"/>
+                      <a:tailEnd type="none" w="med" len="med"/>
+                    </a:lnR>
+                    <a:lnT w="6350" cap="flat" cmpd="sng" algn="ctr">
+                      <a:solidFill>
+                        <a:srgbClr val="000000"/>
+                      </a:solidFill>
+                      <a:prstDash val="solid"/>
+                      <a:round/>
+                      <a:headEnd type="none" w="med" len="med"/>
+                      <a:tailEnd type="none" w="med" len="med"/>
+                    </a:lnT>
+                    <a:lnB w="6350" cap="flat" cmpd="sng" algn="ctr">
+                      <a:solidFill>
+                        <a:srgbClr val="000000"/>
+                      </a:solidFill>
+                      <a:prstDash val="solid"/>
+                      <a:round/>
+                      <a:headEnd type="none" w="med" len="med"/>
+                      <a:tailEnd type="none" w="med" len="med"/>
+                    </a:lnB>
+                    <a:solidFill>
+                      <a:srgbClr val="FFFF00"/>
+                    </a:solidFill>
+                  </a:tcPr>
+                </a:tc>
+                <a:tc>
+                  <a:txBody>
+                    <a:bodyPr/>
+                    <a:lstStyle/>
+                    <a:p>
+                      <a:pPr algn="l" fontAlgn="b"/>
+                      <a:r>
+                        <a:rPr lang="en-US" sz="1600" b="0" i="0" u="none" strike="noStrike">
+                          <a:solidFill>
+                            <a:srgbClr val="000000"/>
+                          </a:solidFill>
+                          <a:effectLst/>
+                          <a:latin typeface="Calibri"/>
+                        </a:rPr>
+                        <a:t>32-bit</a:t>
+                      </a:r>
+                    </a:p>
+                  </a:txBody>
+                  <a:tcPr marL="45720" marR="45720" marT="9144" marB="9144" anchor="b">
+                    <a:lnL w="6350" cap="flat" cmpd="sng" algn="ctr">
+                      <a:solidFill>
+                        <a:srgbClr val="000000"/>
+                      </a:solidFill>
+                      <a:prstDash val="solid"/>
+                      <a:round/>
+                      <a:headEnd type="none" w="med" len="med"/>
+                      <a:tailEnd type="none" w="med" len="med"/>
+                    </a:lnL>
+                    <a:lnR w="6350" cap="flat" cmpd="sng" algn="ctr">
+                      <a:solidFill>
+                        <a:srgbClr val="000000"/>
+                      </a:solidFill>
+                      <a:prstDash val="solid"/>
+                      <a:round/>
+                      <a:headEnd type="none" w="med" len="med"/>
+                      <a:tailEnd type="none" w="med" len="med"/>
+                    </a:lnR>
+                    <a:lnT w="6350" cap="flat" cmpd="sng" algn="ctr">
+                      <a:solidFill>
+                        <a:srgbClr val="000000"/>
+                      </a:solidFill>
+                      <a:prstDash val="solid"/>
+                      <a:round/>
+                      <a:headEnd type="none" w="med" len="med"/>
+                      <a:tailEnd type="none" w="med" len="med"/>
+                    </a:lnT>
+                    <a:lnB w="6350" cap="flat" cmpd="sng" algn="ctr">
+                      <a:solidFill>
+                        <a:srgbClr val="000000"/>
+                      </a:solidFill>
+                      <a:prstDash val="solid"/>
+                      <a:round/>
+                      <a:headEnd type="none" w="med" len="med"/>
+                      <a:tailEnd type="none" w="med" len="med"/>
+                    </a:lnB>
+                    <a:solidFill>
+                      <a:srgbClr val="FFFF00"/>
+                    </a:solidFill>
+                  </a:tcPr>
+                </a:tc>
+                <a:tc>
+                  <a:txBody>
+                    <a:bodyPr/>
+                    <a:lstStyle/>
+                    <a:p>
+                      <a:pPr algn="l" fontAlgn="b"/>
+                      <a:r>
+                        <a:rPr lang="en-US" sz="1600" b="1" i="0" u="none" strike="noStrike">
+                          <a:solidFill>
+                            <a:srgbClr val="000000"/>
+                          </a:solidFill>
+                          <a:effectLst/>
+                          <a:latin typeface="Calibri"/>
+                        </a:rPr>
+                        <a:t>Yes</a:t>
+                      </a:r>
+                    </a:p>
+                  </a:txBody>
+                  <a:tcPr marL="45720" marR="45720" marT="9144" marB="9144" anchor="b">
+                    <a:lnL w="6350" cap="flat" cmpd="sng" algn="ctr">
+                      <a:solidFill>
+                        <a:srgbClr val="000000"/>
+                      </a:solidFill>
+                      <a:prstDash val="solid"/>
+                      <a:round/>
+                      <a:headEnd type="none" w="med" len="med"/>
+                      <a:tailEnd type="none" w="med" len="med"/>
+                    </a:lnL>
+                    <a:lnR w="6350" cap="flat" cmpd="sng" algn="ctr">
+                      <a:solidFill>
+                        <a:srgbClr val="000000"/>
+                      </a:solidFill>
+                      <a:prstDash val="solid"/>
+                      <a:round/>
+                      <a:headEnd type="none" w="med" len="med"/>
+                      <a:tailEnd type="none" w="med" len="med"/>
+                    </a:lnR>
+                    <a:lnT w="6350" cap="flat" cmpd="sng" algn="ctr">
+                      <a:solidFill>
+                        <a:srgbClr val="000000"/>
+                      </a:solidFill>
+                      <a:prstDash val="solid"/>
+                      <a:round/>
+                      <a:headEnd type="none" w="med" len="med"/>
+                      <a:tailEnd type="none" w="med" len="med"/>
+                    </a:lnT>
+                    <a:lnB w="6350" cap="flat" cmpd="sng" algn="ctr">
+                      <a:solidFill>
+                        <a:srgbClr val="000000"/>
+                      </a:solidFill>
+                      <a:prstDash val="solid"/>
+                      <a:round/>
+                      <a:headEnd type="none" w="med" len="med"/>
+                      <a:tailEnd type="none" w="med" len="med"/>
+                    </a:lnB>
+                    <a:solidFill>
+                      <a:srgbClr val="FFFF00"/>
+                    </a:solidFill>
+                  </a:tcPr>
+                </a:tc>
+                <a:tc>
+                  <a:txBody>
+                    <a:bodyPr/>
+                    <a:lstStyle/>
+                    <a:p>
+                      <a:pPr algn="l" fontAlgn="b"/>
+                      <a:r>
+                        <a:rPr lang="en-US" sz="1600" b="0" i="0" u="none" strike="noStrike">
+                          <a:solidFill>
+                            <a:srgbClr val="000000"/>
+                          </a:solidFill>
+                          <a:effectLst/>
+                          <a:latin typeface="Calibri"/>
+                        </a:rPr>
+                        <a:t>256 KB</a:t>
+                      </a:r>
+                    </a:p>
+                  </a:txBody>
+                  <a:tcPr marL="45720" marR="45720" marT="9144" marB="9144" anchor="b">
+                    <a:lnL w="6350" cap="flat" cmpd="sng" algn="ctr">
+                      <a:solidFill>
+                        <a:srgbClr val="000000"/>
+                      </a:solidFill>
+                      <a:prstDash val="solid"/>
+                      <a:round/>
+                      <a:headEnd type="none" w="med" len="med"/>
+                      <a:tailEnd type="none" w="med" len="med"/>
+                    </a:lnL>
+                    <a:lnR w="6350" cap="flat" cmpd="sng" algn="ctr">
+                      <a:solidFill>
+                        <a:srgbClr val="000000"/>
+                      </a:solidFill>
+                      <a:prstDash val="solid"/>
+                      <a:round/>
+                      <a:headEnd type="none" w="med" len="med"/>
+                      <a:tailEnd type="none" w="med" len="med"/>
+                    </a:lnR>
+                    <a:lnT w="6350" cap="flat" cmpd="sng" algn="ctr">
+                      <a:solidFill>
+                        <a:srgbClr val="000000"/>
+                      </a:solidFill>
+                      <a:prstDash val="solid"/>
+                      <a:round/>
+                      <a:headEnd type="none" w="med" len="med"/>
+                      <a:tailEnd type="none" w="med" len="med"/>
+                    </a:lnT>
+                    <a:lnB w="6350" cap="flat" cmpd="sng" algn="ctr">
+                      <a:solidFill>
+                        <a:srgbClr val="000000"/>
+                      </a:solidFill>
+                      <a:prstDash val="solid"/>
+                      <a:round/>
+                      <a:headEnd type="none" w="med" len="med"/>
+                      <a:tailEnd type="none" w="med" len="med"/>
+                    </a:lnB>
+                    <a:solidFill>
+                      <a:srgbClr val="FFFF00"/>
+                    </a:solidFill>
+                  </a:tcPr>
+                </a:tc>
+              </a:tr>
+              <a:tr h="200025">
+                <a:tc>
+                  <a:txBody>
+                    <a:bodyPr/>
+                    <a:lstStyle/>
+                    <a:p>
+                      <a:pPr algn="l" fontAlgn="b"/>
+                      <a:r>
+                        <a:rPr lang="en-US" sz="1600" b="0" i="0" u="none" strike="noStrike">
+                          <a:solidFill>
+                            <a:srgbClr val="000000"/>
+                          </a:solidFill>
+                          <a:effectLst/>
+                          <a:latin typeface="Calibri"/>
+                        </a:rPr>
+                        <a:t>NXP</a:t>
+                      </a:r>
+                    </a:p>
+                  </a:txBody>
+                  <a:tcPr marL="45720" marR="45720" marT="9144" marB="9144" anchor="b">
+                    <a:lnL w="6350" cap="flat" cmpd="sng" algn="ctr">
+                      <a:solidFill>
+                        <a:srgbClr val="000000"/>
+                      </a:solidFill>
+                      <a:prstDash val="solid"/>
+                      <a:round/>
+                      <a:headEnd type="none" w="med" len="med"/>
+                      <a:tailEnd type="none" w="med" len="med"/>
+                    </a:lnL>
+                    <a:lnR w="6350" cap="flat" cmpd="sng" algn="ctr">
+                      <a:solidFill>
+                        <a:srgbClr val="000000"/>
+                      </a:solidFill>
+                      <a:prstDash val="solid"/>
+                      <a:round/>
+                      <a:headEnd type="none" w="med" len="med"/>
+                      <a:tailEnd type="none" w="med" len="med"/>
+                    </a:lnR>
+                    <a:lnT w="6350" cap="flat" cmpd="sng" algn="ctr">
+                      <a:solidFill>
+                        <a:srgbClr val="000000"/>
+                      </a:solidFill>
+                      <a:prstDash val="solid"/>
+                      <a:round/>
+                      <a:headEnd type="none" w="med" len="med"/>
+                      <a:tailEnd type="none" w="med" len="med"/>
+                    </a:lnT>
+                    <a:lnB w="6350" cap="flat" cmpd="sng" algn="ctr">
+                      <a:solidFill>
+                        <a:srgbClr val="000000"/>
+                      </a:solidFill>
+                      <a:prstDash val="solid"/>
+                      <a:round/>
+                      <a:headEnd type="none" w="med" len="med"/>
+                      <a:tailEnd type="none" w="med" len="med"/>
+                    </a:lnB>
+                    <a:solidFill>
+                      <a:srgbClr val="FFFFFF"/>
+                    </a:solidFill>
+                  </a:tcPr>
+                </a:tc>
+                <a:tc>
+                  <a:txBody>
+                    <a:bodyPr/>
+                    <a:lstStyle/>
+                    <a:p>
+                      <a:pPr algn="l" fontAlgn="b"/>
+                      <a:r>
+                        <a:rPr lang="en-US" sz="1600" b="0" i="0" u="none" strike="noStrike">
+                          <a:solidFill>
+                            <a:srgbClr val="000000"/>
+                          </a:solidFill>
+                          <a:effectLst/>
+                          <a:latin typeface="Calibri"/>
+                        </a:rPr>
+                        <a:t>FRDM-K66F</a:t>
+                      </a:r>
+                    </a:p>
+                  </a:txBody>
+                  <a:tcPr marL="45720" marR="45720" marT="9144" marB="9144" anchor="b">
+                    <a:lnL w="6350" cap="flat" cmpd="sng" algn="ctr">
+                      <a:solidFill>
+                        <a:srgbClr val="000000"/>
+                      </a:solidFill>
+                      <a:prstDash val="solid"/>
+                      <a:round/>
+                      <a:headEnd type="none" w="med" len="med"/>
+                      <a:tailEnd type="none" w="med" len="med"/>
+                    </a:lnL>
+                    <a:lnR w="6350" cap="flat" cmpd="sng" algn="ctr">
+                      <a:solidFill>
+                        <a:srgbClr val="000000"/>
+                      </a:solidFill>
+                      <a:prstDash val="solid"/>
+                      <a:round/>
+                      <a:headEnd type="none" w="med" len="med"/>
+                      <a:tailEnd type="none" w="med" len="med"/>
+                    </a:lnR>
+                    <a:lnT w="6350" cap="flat" cmpd="sng" algn="ctr">
+                      <a:solidFill>
+                        <a:srgbClr val="000000"/>
+                      </a:solidFill>
+                      <a:prstDash val="solid"/>
+                      <a:round/>
+                      <a:headEnd type="none" w="med" len="med"/>
+                      <a:tailEnd type="none" w="med" len="med"/>
+                    </a:lnT>
+                    <a:lnB w="6350" cap="flat" cmpd="sng" algn="ctr">
+                      <a:solidFill>
+                        <a:srgbClr val="000000"/>
+                      </a:solidFill>
+                      <a:prstDash val="solid"/>
+                      <a:round/>
+                      <a:headEnd type="none" w="med" len="med"/>
+                      <a:tailEnd type="none" w="med" len="med"/>
+                    </a:lnB>
+                    <a:solidFill>
+                      <a:srgbClr val="FFFFFF"/>
+                    </a:solidFill>
+                  </a:tcPr>
+                </a:tc>
+                <a:tc>
+                  <a:txBody>
+                    <a:bodyPr/>
+                    <a:lstStyle/>
+                    <a:p>
+                      <a:pPr algn="l" fontAlgn="b"/>
+                      <a:r>
+                        <a:rPr lang="en-US" sz="1600" b="0" i="0" u="none" strike="noStrike">
+                          <a:solidFill>
+                            <a:srgbClr val="000000"/>
+                          </a:solidFill>
+                          <a:effectLst/>
+                          <a:latin typeface="Calibri"/>
+                        </a:rPr>
+                        <a:t>NXP</a:t>
+                      </a:r>
+                    </a:p>
+                  </a:txBody>
+                  <a:tcPr marL="45720" marR="45720" marT="9144" marB="9144" anchor="b">
+                    <a:lnL w="6350" cap="flat" cmpd="sng" algn="ctr">
+                      <a:solidFill>
+                        <a:srgbClr val="000000"/>
+                      </a:solidFill>
+                      <a:prstDash val="solid"/>
+                      <a:round/>
+                      <a:headEnd type="none" w="med" len="med"/>
+                      <a:tailEnd type="none" w="med" len="med"/>
+                    </a:lnL>
+                    <a:lnR w="6350" cap="flat" cmpd="sng" algn="ctr">
+                      <a:solidFill>
+                        <a:srgbClr val="000000"/>
+                      </a:solidFill>
+                      <a:prstDash val="solid"/>
+                      <a:round/>
+                      <a:headEnd type="none" w="med" len="med"/>
+                      <a:tailEnd type="none" w="med" len="med"/>
+                    </a:lnR>
+                    <a:lnT w="6350" cap="flat" cmpd="sng" algn="ctr">
+                      <a:solidFill>
+                        <a:srgbClr val="000000"/>
+                      </a:solidFill>
+                      <a:prstDash val="solid"/>
+                      <a:round/>
+                      <a:headEnd type="none" w="med" len="med"/>
+                      <a:tailEnd type="none" w="med" len="med"/>
+                    </a:lnT>
+                    <a:lnB w="6350" cap="flat" cmpd="sng" algn="ctr">
+                      <a:solidFill>
+                        <a:srgbClr val="000000"/>
+                      </a:solidFill>
+                      <a:prstDash val="solid"/>
+                      <a:round/>
+                      <a:headEnd type="none" w="med" len="med"/>
+                      <a:tailEnd type="none" w="med" len="med"/>
+                    </a:lnB>
+                    <a:solidFill>
+                      <a:srgbClr val="FFFFFF"/>
+                    </a:solidFill>
+                  </a:tcPr>
+                </a:tc>
+                <a:tc>
+                  <a:txBody>
+                    <a:bodyPr/>
+                    <a:lstStyle/>
+                    <a:p>
+                      <a:pPr algn="l" fontAlgn="b"/>
+                      <a:r>
+                        <a:rPr lang="en-US" sz="1600" b="0" i="0" u="none" strike="noStrike">
+                          <a:solidFill>
+                            <a:srgbClr val="000000"/>
+                          </a:solidFill>
+                          <a:effectLst/>
+                          <a:latin typeface="Calibri"/>
+                        </a:rPr>
+                        <a:t>MK66FN2M0</a:t>
+                      </a:r>
+                    </a:p>
+                  </a:txBody>
+                  <a:tcPr marL="45720" marR="45720" marT="9144" marB="9144" anchor="b">
+                    <a:lnL w="6350" cap="flat" cmpd="sng" algn="ctr">
+                      <a:solidFill>
+                        <a:srgbClr val="000000"/>
+                      </a:solidFill>
+                      <a:prstDash val="solid"/>
+                      <a:round/>
+                      <a:headEnd type="none" w="med" len="med"/>
+                      <a:tailEnd type="none" w="med" len="med"/>
+                    </a:lnL>
+                    <a:lnR w="6350" cap="flat" cmpd="sng" algn="ctr">
+                      <a:solidFill>
+                        <a:srgbClr val="000000"/>
+                      </a:solidFill>
+                      <a:prstDash val="solid"/>
+                      <a:round/>
+                      <a:headEnd type="none" w="med" len="med"/>
+                      <a:tailEnd type="none" w="med" len="med"/>
+                    </a:lnR>
+                    <a:lnT w="6350" cap="flat" cmpd="sng" algn="ctr">
+                      <a:solidFill>
+                        <a:srgbClr val="000000"/>
+                      </a:solidFill>
+                      <a:prstDash val="solid"/>
+                      <a:round/>
+                      <a:headEnd type="none" w="med" len="med"/>
+                      <a:tailEnd type="none" w="med" len="med"/>
+                    </a:lnT>
+                    <a:lnB w="6350" cap="flat" cmpd="sng" algn="ctr">
+                      <a:solidFill>
+                        <a:srgbClr val="000000"/>
+                      </a:solidFill>
+                      <a:prstDash val="solid"/>
+                      <a:round/>
+                      <a:headEnd type="none" w="med" len="med"/>
+                      <a:tailEnd type="none" w="med" len="med"/>
+                    </a:lnB>
+                    <a:solidFill>
+                      <a:srgbClr val="FFFFFF"/>
+                    </a:solidFill>
+                  </a:tcPr>
+                </a:tc>
+                <a:tc>
+                  <a:txBody>
+                    <a:bodyPr/>
+                    <a:lstStyle/>
+                    <a:p>
+                      <a:pPr algn="l" fontAlgn="b"/>
+                      <a:r>
+                        <a:rPr lang="en-US" sz="1600" b="0" i="0" u="none" strike="noStrike">
+                          <a:solidFill>
+                            <a:srgbClr val="000000"/>
+                          </a:solidFill>
+                          <a:effectLst/>
+                          <a:latin typeface="Calibri"/>
+                        </a:rPr>
+                        <a:t>ARM Cortex-M4F</a:t>
+                      </a:r>
+                    </a:p>
+                  </a:txBody>
+                  <a:tcPr marL="45720" marR="45720" marT="9144" marB="9144" anchor="b">
+                    <a:lnL w="6350" cap="flat" cmpd="sng" algn="ctr">
+                      <a:solidFill>
+                        <a:srgbClr val="000000"/>
+                      </a:solidFill>
+                      <a:prstDash val="solid"/>
+                      <a:round/>
+                      <a:headEnd type="none" w="med" len="med"/>
+                      <a:tailEnd type="none" w="med" len="med"/>
+                    </a:lnL>
+                    <a:lnR w="6350" cap="flat" cmpd="sng" algn="ctr">
+                      <a:solidFill>
+                        <a:srgbClr val="000000"/>
+                      </a:solidFill>
+                      <a:prstDash val="solid"/>
+                      <a:round/>
+                      <a:headEnd type="none" w="med" len="med"/>
+                      <a:tailEnd type="none" w="med" len="med"/>
+                    </a:lnR>
+                    <a:lnT w="6350" cap="flat" cmpd="sng" algn="ctr">
+                      <a:solidFill>
+                        <a:srgbClr val="000000"/>
+                      </a:solidFill>
+                      <a:prstDash val="solid"/>
+                      <a:round/>
+                      <a:headEnd type="none" w="med" len="med"/>
+                      <a:tailEnd type="none" w="med" len="med"/>
+                    </a:lnT>
+                    <a:lnB w="6350" cap="flat" cmpd="sng" algn="ctr">
+                      <a:solidFill>
+                        <a:srgbClr val="000000"/>
+                      </a:solidFill>
+                      <a:prstDash val="solid"/>
+                      <a:round/>
+                      <a:headEnd type="none" w="med" len="med"/>
+                      <a:tailEnd type="none" w="med" len="med"/>
+                    </a:lnB>
+                    <a:solidFill>
+                      <a:srgbClr val="FFFFFF"/>
+                    </a:solidFill>
+                  </a:tcPr>
+                </a:tc>
+                <a:tc>
+                  <a:txBody>
+                    <a:bodyPr/>
+                    <a:lstStyle/>
+                    <a:p>
+                      <a:pPr algn="l" fontAlgn="b"/>
+                      <a:r>
+                        <a:rPr lang="en-US" sz="1600" b="0" i="0" u="none" strike="noStrike">
+                          <a:solidFill>
+                            <a:srgbClr val="000000"/>
+                          </a:solidFill>
+                          <a:effectLst/>
+                          <a:latin typeface="Calibri"/>
+                        </a:rPr>
+                        <a:t>180 MHz</a:t>
+                      </a:r>
+                    </a:p>
+                  </a:txBody>
+                  <a:tcPr marL="45720" marR="45720" marT="9144" marB="9144" anchor="b">
+                    <a:lnL w="6350" cap="flat" cmpd="sng" algn="ctr">
+                      <a:solidFill>
+                        <a:srgbClr val="000000"/>
+                      </a:solidFill>
+                      <a:prstDash val="solid"/>
+                      <a:round/>
+                      <a:headEnd type="none" w="med" len="med"/>
+                      <a:tailEnd type="none" w="med" len="med"/>
+                    </a:lnL>
+                    <a:lnR w="6350" cap="flat" cmpd="sng" algn="ctr">
+                      <a:solidFill>
+                        <a:srgbClr val="000000"/>
+                      </a:solidFill>
+                      <a:prstDash val="solid"/>
+                      <a:round/>
+                      <a:headEnd type="none" w="med" len="med"/>
+                      <a:tailEnd type="none" w="med" len="med"/>
+                    </a:lnR>
+                    <a:lnT w="6350" cap="flat" cmpd="sng" algn="ctr">
+                      <a:solidFill>
+                        <a:srgbClr val="000000"/>
+                      </a:solidFill>
+                      <a:prstDash val="solid"/>
+                      <a:round/>
+                      <a:headEnd type="none" w="med" len="med"/>
+                      <a:tailEnd type="none" w="med" len="med"/>
+                    </a:lnT>
+                    <a:lnB w="6350" cap="flat" cmpd="sng" algn="ctr">
+                      <a:solidFill>
+                        <a:srgbClr val="000000"/>
+                      </a:solidFill>
+                      <a:prstDash val="solid"/>
+                      <a:round/>
+                      <a:headEnd type="none" w="med" len="med"/>
+                      <a:tailEnd type="none" w="med" len="med"/>
+                    </a:lnB>
+                    <a:solidFill>
+                      <a:srgbClr val="FFFFFF"/>
+                    </a:solidFill>
+                  </a:tcPr>
+                </a:tc>
+                <a:tc>
+                  <a:txBody>
+                    <a:bodyPr/>
+                    <a:lstStyle/>
+                    <a:p>
+                      <a:pPr algn="l" fontAlgn="b"/>
+                      <a:r>
+                        <a:rPr lang="en-US" sz="1600" b="0" i="0" u="none" strike="noStrike">
+                          <a:solidFill>
+                            <a:srgbClr val="000000"/>
+                          </a:solidFill>
+                          <a:effectLst/>
+                          <a:latin typeface="Calibri"/>
+                        </a:rPr>
+                        <a:t>32-bit</a:t>
+                      </a:r>
+                    </a:p>
+                  </a:txBody>
+                  <a:tcPr marL="45720" marR="45720" marT="9144" marB="9144" anchor="b">
+                    <a:lnL w="6350" cap="flat" cmpd="sng" algn="ctr">
+                      <a:solidFill>
+                        <a:srgbClr val="000000"/>
+                      </a:solidFill>
+                      <a:prstDash val="solid"/>
+                      <a:round/>
+                      <a:headEnd type="none" w="med" len="med"/>
+                      <a:tailEnd type="none" w="med" len="med"/>
+                    </a:lnL>
+                    <a:lnR w="6350" cap="flat" cmpd="sng" algn="ctr">
+                      <a:solidFill>
+                        <a:srgbClr val="000000"/>
+                      </a:solidFill>
+                      <a:prstDash val="solid"/>
+                      <a:round/>
+                      <a:headEnd type="none" w="med" len="med"/>
+                      <a:tailEnd type="none" w="med" len="med"/>
+                    </a:lnR>
+                    <a:lnT w="6350" cap="flat" cmpd="sng" algn="ctr">
+                      <a:solidFill>
+                        <a:srgbClr val="000000"/>
+                      </a:solidFill>
+                      <a:prstDash val="solid"/>
+                      <a:round/>
+                      <a:headEnd type="none" w="med" len="med"/>
+                      <a:tailEnd type="none" w="med" len="med"/>
+                    </a:lnT>
+                    <a:lnB w="6350" cap="flat" cmpd="sng" algn="ctr">
+                      <a:solidFill>
+                        <a:srgbClr val="000000"/>
+                      </a:solidFill>
+                      <a:prstDash val="solid"/>
+                      <a:round/>
+                      <a:headEnd type="none" w="med" len="med"/>
+                      <a:tailEnd type="none" w="med" len="med"/>
+                    </a:lnB>
+                    <a:solidFill>
+                      <a:srgbClr val="FFFFFF"/>
+                    </a:solidFill>
+                  </a:tcPr>
+                </a:tc>
+                <a:tc>
+                  <a:txBody>
+                    <a:bodyPr/>
+                    <a:lstStyle/>
+                    <a:p>
+                      <a:pPr algn="l" fontAlgn="b"/>
+                      <a:r>
+                        <a:rPr lang="en-US" sz="1600" b="0" i="0" u="none" strike="noStrike" dirty="0">
+                          <a:solidFill>
+                            <a:srgbClr val="000000"/>
+                          </a:solidFill>
+                          <a:effectLst/>
+                          <a:latin typeface="Calibri"/>
+                        </a:rPr>
+                        <a:t>Yes</a:t>
+                      </a:r>
+                    </a:p>
+                  </a:txBody>
+                  <a:tcPr marL="45720" marR="45720" marT="9144" marB="9144" anchor="b">
+                    <a:lnL w="6350" cap="flat" cmpd="sng" algn="ctr">
+                      <a:solidFill>
+                        <a:srgbClr val="000000"/>
+                      </a:solidFill>
+                      <a:prstDash val="solid"/>
+                      <a:round/>
+                      <a:headEnd type="none" w="med" len="med"/>
+                      <a:tailEnd type="none" w="med" len="med"/>
+                    </a:lnL>
+                    <a:lnR w="6350" cap="flat" cmpd="sng" algn="ctr">
+                      <a:solidFill>
+                        <a:srgbClr val="000000"/>
+                      </a:solidFill>
+                      <a:prstDash val="solid"/>
+                      <a:round/>
+                      <a:headEnd type="none" w="med" len="med"/>
+                      <a:tailEnd type="none" w="med" len="med"/>
+                    </a:lnR>
+                    <a:lnT w="6350" cap="flat" cmpd="sng" algn="ctr">
+                      <a:solidFill>
+                        <a:srgbClr val="000000"/>
+                      </a:solidFill>
+                      <a:prstDash val="solid"/>
+                      <a:round/>
+                      <a:headEnd type="none" w="med" len="med"/>
+                      <a:tailEnd type="none" w="med" len="med"/>
+                    </a:lnT>
+                    <a:lnB w="6350" cap="flat" cmpd="sng" algn="ctr">
+                      <a:solidFill>
+                        <a:srgbClr val="000000"/>
+                      </a:solidFill>
+                      <a:prstDash val="solid"/>
+                      <a:round/>
+                      <a:headEnd type="none" w="med" len="med"/>
+                      <a:tailEnd type="none" w="med" len="med"/>
+                    </a:lnB>
+                    <a:solidFill>
+                      <a:srgbClr val="FFFFFF"/>
+                    </a:solidFill>
+                  </a:tcPr>
+                </a:tc>
+                <a:tc>
+                  <a:txBody>
+                    <a:bodyPr/>
+                    <a:lstStyle/>
+                    <a:p>
+                      <a:pPr algn="l" fontAlgn="b"/>
+                      <a:r>
+                        <a:rPr lang="en-US" sz="1600" b="0" i="0" u="none" strike="noStrike" dirty="0">
+                          <a:solidFill>
+                            <a:srgbClr val="000000"/>
+                          </a:solidFill>
+                          <a:effectLst/>
+                          <a:latin typeface="Calibri"/>
+                        </a:rPr>
+                        <a:t>256 KB</a:t>
+                      </a:r>
+                    </a:p>
+                  </a:txBody>
+                  <a:tcPr marL="45720" marR="45720" marT="9144" marB="9144" anchor="b">
                     <a:lnL w="6350" cap="flat" cmpd="sng" algn="ctr">
                       <a:solidFill>
                         <a:srgbClr val="000000"/>

--- a/2016-10-06 Teensy FFT Speed/Figures.pptx
+++ b/2016-10-06 Teensy FFT Speed/Figures.pptx
@@ -9,8 +9,9 @@
     <p:sldId id="265" r:id="rId3"/>
     <p:sldId id="264" r:id="rId4"/>
     <p:sldId id="257" r:id="rId5"/>
-    <p:sldId id="259" r:id="rId6"/>
-    <p:sldId id="261" r:id="rId7"/>
+    <p:sldId id="266" r:id="rId6"/>
+    <p:sldId id="259" r:id="rId7"/>
+    <p:sldId id="261" r:id="rId8"/>
   </p:sldIdLst>
   <p:sldSz cx="9144000" cy="6858000" type="screen4x3"/>
   <p:notesSz cx="6858000" cy="9144000"/>
@@ -293,7 +294,7 @@
           <a:p>
             <a:fld id="{416C9C19-CFF4-4FAE-9690-4F73D1444028}" type="datetimeFigureOut">
               <a:rPr lang="en-US" smtClean="0"/>
-              <a:t>10/5/2016</a:t>
+              <a:t>10/8/2016</a:t>
             </a:fld>
             <a:endParaRPr lang="en-US"/>
           </a:p>
@@ -463,7 +464,7 @@
           <a:p>
             <a:fld id="{416C9C19-CFF4-4FAE-9690-4F73D1444028}" type="datetimeFigureOut">
               <a:rPr lang="en-US" smtClean="0"/>
-              <a:t>10/5/2016</a:t>
+              <a:t>10/8/2016</a:t>
             </a:fld>
             <a:endParaRPr lang="en-US"/>
           </a:p>
@@ -643,7 +644,7 @@
           <a:p>
             <a:fld id="{416C9C19-CFF4-4FAE-9690-4F73D1444028}" type="datetimeFigureOut">
               <a:rPr lang="en-US" smtClean="0"/>
-              <a:t>10/5/2016</a:t>
+              <a:t>10/8/2016</a:t>
             </a:fld>
             <a:endParaRPr lang="en-US"/>
           </a:p>
@@ -813,7 +814,7 @@
           <a:p>
             <a:fld id="{416C9C19-CFF4-4FAE-9690-4F73D1444028}" type="datetimeFigureOut">
               <a:rPr lang="en-US" smtClean="0"/>
-              <a:t>10/5/2016</a:t>
+              <a:t>10/8/2016</a:t>
             </a:fld>
             <a:endParaRPr lang="en-US"/>
           </a:p>
@@ -1059,7 +1060,7 @@
           <a:p>
             <a:fld id="{416C9C19-CFF4-4FAE-9690-4F73D1444028}" type="datetimeFigureOut">
               <a:rPr lang="en-US" smtClean="0"/>
-              <a:t>10/5/2016</a:t>
+              <a:t>10/8/2016</a:t>
             </a:fld>
             <a:endParaRPr lang="en-US"/>
           </a:p>
@@ -1347,7 +1348,7 @@
           <a:p>
             <a:fld id="{416C9C19-CFF4-4FAE-9690-4F73D1444028}" type="datetimeFigureOut">
               <a:rPr lang="en-US" smtClean="0"/>
-              <a:t>10/5/2016</a:t>
+              <a:t>10/8/2016</a:t>
             </a:fld>
             <a:endParaRPr lang="en-US"/>
           </a:p>
@@ -1769,7 +1770,7 @@
           <a:p>
             <a:fld id="{416C9C19-CFF4-4FAE-9690-4F73D1444028}" type="datetimeFigureOut">
               <a:rPr lang="en-US" smtClean="0"/>
-              <a:t>10/5/2016</a:t>
+              <a:t>10/8/2016</a:t>
             </a:fld>
             <a:endParaRPr lang="en-US"/>
           </a:p>
@@ -1887,7 +1888,7 @@
           <a:p>
             <a:fld id="{416C9C19-CFF4-4FAE-9690-4F73D1444028}" type="datetimeFigureOut">
               <a:rPr lang="en-US" smtClean="0"/>
-              <a:t>10/5/2016</a:t>
+              <a:t>10/8/2016</a:t>
             </a:fld>
             <a:endParaRPr lang="en-US"/>
           </a:p>
@@ -1982,7 +1983,7 @@
           <a:p>
             <a:fld id="{416C9C19-CFF4-4FAE-9690-4F73D1444028}" type="datetimeFigureOut">
               <a:rPr lang="en-US" smtClean="0"/>
-              <a:t>10/5/2016</a:t>
+              <a:t>10/8/2016</a:t>
             </a:fld>
             <a:endParaRPr lang="en-US"/>
           </a:p>
@@ -2259,7 +2260,7 @@
           <a:p>
             <a:fld id="{416C9C19-CFF4-4FAE-9690-4F73D1444028}" type="datetimeFigureOut">
               <a:rPr lang="en-US" smtClean="0"/>
-              <a:t>10/5/2016</a:t>
+              <a:t>10/8/2016</a:t>
             </a:fld>
             <a:endParaRPr lang="en-US"/>
           </a:p>
@@ -2512,7 +2513,7 @@
           <a:p>
             <a:fld id="{416C9C19-CFF4-4FAE-9690-4F73D1444028}" type="datetimeFigureOut">
               <a:rPr lang="en-US" smtClean="0"/>
-              <a:t>10/5/2016</a:t>
+              <a:t>10/8/2016</a:t>
             </a:fld>
             <a:endParaRPr lang="en-US"/>
           </a:p>
@@ -2725,7 +2726,7 @@
           <a:p>
             <a:fld id="{416C9C19-CFF4-4FAE-9690-4F73D1444028}" type="datetimeFigureOut">
               <a:rPr lang="en-US" smtClean="0"/>
-              <a:t>10/5/2016</a:t>
+              <a:t>10/8/2016</a:t>
             </a:fld>
             <a:endParaRPr lang="en-US"/>
           </a:p>
@@ -23313,6 +23314,1370 @@
           <a:chExt cx="0" cy="0"/>
         </a:xfrm>
       </p:grpSpPr>
+      <p:graphicFrame>
+        <p:nvGraphicFramePr>
+          <p:cNvPr id="2" name="Table 1"/>
+          <p:cNvGraphicFramePr>
+            <a:graphicFrameLocks noGrp="1"/>
+          </p:cNvGraphicFramePr>
+          <p:nvPr>
+            <p:extLst>
+              <p:ext uri="{D42A27DB-BD31-4B8C-83A1-F6EECF244321}">
+                <p14:modId xmlns:p14="http://schemas.microsoft.com/office/powerpoint/2010/main" val="943326633"/>
+              </p:ext>
+            </p:extLst>
+          </p:nvPr>
+        </p:nvGraphicFramePr>
+        <p:xfrm>
+          <a:off x="1524000" y="3291681"/>
+          <a:ext cx="4648199" cy="1682496"/>
+        </p:xfrm>
+        <a:graphic>
+          <a:graphicData uri="http://schemas.openxmlformats.org/drawingml/2006/table">
+            <a:tbl>
+              <a:tblPr/>
+              <a:tblGrid>
+                <a:gridCol w="1257416"/>
+                <a:gridCol w="1130261"/>
+                <a:gridCol w="1130261"/>
+                <a:gridCol w="1130261"/>
+              </a:tblGrid>
+              <a:tr h="190500">
+                <a:tc gridSpan="4">
+                  <a:txBody>
+                    <a:bodyPr/>
+                    <a:lstStyle/>
+                    <a:p>
+                      <a:pPr algn="ctr" fontAlgn="b"/>
+                      <a:r>
+                        <a:rPr lang="en-US" sz="1600" b="1" i="0" u="none" strike="noStrike">
+                          <a:solidFill>
+                            <a:srgbClr val="000000"/>
+                          </a:solidFill>
+                          <a:effectLst/>
+                          <a:latin typeface="Calibri"/>
+                        </a:rPr>
+                        <a:t>Speed Relative to Teensy 3.2 (128-pt CMSIS FFT)</a:t>
+                      </a:r>
+                    </a:p>
+                  </a:txBody>
+                  <a:tcPr marL="45720" marR="45720" marT="18288" marB="18288" anchor="b">
+                    <a:lnL w="6350" cap="flat" cmpd="sng" algn="ctr">
+                      <a:solidFill>
+                        <a:srgbClr val="000000"/>
+                      </a:solidFill>
+                      <a:prstDash val="solid"/>
+                      <a:round/>
+                      <a:headEnd type="none" w="med" len="med"/>
+                      <a:tailEnd type="none" w="med" len="med"/>
+                    </a:lnL>
+                    <a:lnR w="6350" cap="flat" cmpd="sng" algn="ctr">
+                      <a:solidFill>
+                        <a:srgbClr val="000000"/>
+                      </a:solidFill>
+                      <a:prstDash val="solid"/>
+                      <a:round/>
+                      <a:headEnd type="none" w="med" len="med"/>
+                      <a:tailEnd type="none" w="med" len="med"/>
+                    </a:lnR>
+                    <a:lnT w="6350" cap="flat" cmpd="sng" algn="ctr">
+                      <a:solidFill>
+                        <a:srgbClr val="000000"/>
+                      </a:solidFill>
+                      <a:prstDash val="solid"/>
+                      <a:round/>
+                      <a:headEnd type="none" w="med" len="med"/>
+                      <a:tailEnd type="none" w="med" len="med"/>
+                    </a:lnT>
+                    <a:lnB w="6350" cap="flat" cmpd="sng" algn="ctr">
+                      <a:solidFill>
+                        <a:srgbClr val="000000"/>
+                      </a:solidFill>
+                      <a:prstDash val="solid"/>
+                      <a:round/>
+                      <a:headEnd type="none" w="med" len="med"/>
+                      <a:tailEnd type="none" w="med" len="med"/>
+                    </a:lnB>
+                    <a:solidFill>
+                      <a:srgbClr val="F2F2F2"/>
+                    </a:solidFill>
+                  </a:tcPr>
+                </a:tc>
+                <a:tc hMerge="1">
+                  <a:txBody>
+                    <a:bodyPr/>
+                    <a:lstStyle/>
+                    <a:p>
+                      <a:endParaRPr lang="en-US"/>
+                    </a:p>
+                  </a:txBody>
+                  <a:tcPr/>
+                </a:tc>
+                <a:tc hMerge="1">
+                  <a:txBody>
+                    <a:bodyPr/>
+                    <a:lstStyle/>
+                    <a:p>
+                      <a:endParaRPr lang="en-US"/>
+                    </a:p>
+                  </a:txBody>
+                  <a:tcPr/>
+                </a:tc>
+                <a:tc hMerge="1">
+                  <a:txBody>
+                    <a:bodyPr/>
+                    <a:lstStyle/>
+                    <a:p>
+                      <a:endParaRPr lang="en-US"/>
+                    </a:p>
+                  </a:txBody>
+                  <a:tcPr/>
+                </a:tc>
+              </a:tr>
+              <a:tr h="190500">
+                <a:tc>
+                  <a:txBody>
+                    <a:bodyPr/>
+                    <a:lstStyle/>
+                    <a:p>
+                      <a:pPr algn="l" fontAlgn="b"/>
+                      <a:r>
+                        <a:rPr lang="en-US" sz="1600" b="0" i="0" u="none" strike="noStrike">
+                          <a:solidFill>
+                            <a:srgbClr val="000000"/>
+                          </a:solidFill>
+                          <a:effectLst/>
+                          <a:latin typeface="Calibri"/>
+                        </a:rPr>
+                        <a:t> </a:t>
+                      </a:r>
+                    </a:p>
+                  </a:txBody>
+                  <a:tcPr marL="45720" marR="45720" marT="18288" marB="18288" anchor="b">
+                    <a:lnL w="6350" cap="flat" cmpd="sng" algn="ctr">
+                      <a:solidFill>
+                        <a:srgbClr val="000000"/>
+                      </a:solidFill>
+                      <a:prstDash val="solid"/>
+                      <a:round/>
+                      <a:headEnd type="none" w="med" len="med"/>
+                      <a:tailEnd type="none" w="med" len="med"/>
+                    </a:lnL>
+                    <a:lnR w="6350" cap="flat" cmpd="sng" algn="ctr">
+                      <a:solidFill>
+                        <a:srgbClr val="000000"/>
+                      </a:solidFill>
+                      <a:prstDash val="solid"/>
+                      <a:round/>
+                      <a:headEnd type="none" w="med" len="med"/>
+                      <a:tailEnd type="none" w="med" len="med"/>
+                    </a:lnR>
+                    <a:lnT w="6350" cap="flat" cmpd="sng" algn="ctr">
+                      <a:solidFill>
+                        <a:srgbClr val="000000"/>
+                      </a:solidFill>
+                      <a:prstDash val="solid"/>
+                      <a:round/>
+                      <a:headEnd type="none" w="med" len="med"/>
+                      <a:tailEnd type="none" w="med" len="med"/>
+                    </a:lnT>
+                    <a:lnB w="6350" cap="flat" cmpd="sng" algn="ctr">
+                      <a:solidFill>
+                        <a:srgbClr val="000000"/>
+                      </a:solidFill>
+                      <a:prstDash val="solid"/>
+                      <a:round/>
+                      <a:headEnd type="none" w="med" len="med"/>
+                      <a:tailEnd type="none" w="med" len="med"/>
+                    </a:lnB>
+                    <a:solidFill>
+                      <a:srgbClr val="DCE6F1"/>
+                    </a:solidFill>
+                  </a:tcPr>
+                </a:tc>
+                <a:tc>
+                  <a:txBody>
+                    <a:bodyPr/>
+                    <a:lstStyle/>
+                    <a:p>
+                      <a:pPr algn="r" fontAlgn="b"/>
+                      <a:r>
+                        <a:rPr lang="en-US" sz="1600" b="1" i="0" u="none" strike="noStrike">
+                          <a:solidFill>
+                            <a:srgbClr val="000000"/>
+                          </a:solidFill>
+                          <a:effectLst/>
+                          <a:latin typeface="Calibri"/>
+                        </a:rPr>
+                        <a:t>Teensy 3.2</a:t>
+                      </a:r>
+                    </a:p>
+                  </a:txBody>
+                  <a:tcPr marL="45720" marR="45720" marT="18288" marB="18288" anchor="b">
+                    <a:lnL w="6350" cap="flat" cmpd="sng" algn="ctr">
+                      <a:solidFill>
+                        <a:srgbClr val="000000"/>
+                      </a:solidFill>
+                      <a:prstDash val="solid"/>
+                      <a:round/>
+                      <a:headEnd type="none" w="med" len="med"/>
+                      <a:tailEnd type="none" w="med" len="med"/>
+                    </a:lnL>
+                    <a:lnR w="6350" cap="flat" cmpd="sng" algn="ctr">
+                      <a:solidFill>
+                        <a:srgbClr val="000000"/>
+                      </a:solidFill>
+                      <a:prstDash val="solid"/>
+                      <a:round/>
+                      <a:headEnd type="none" w="med" len="med"/>
+                      <a:tailEnd type="none" w="med" len="med"/>
+                    </a:lnR>
+                    <a:lnT w="6350" cap="flat" cmpd="sng" algn="ctr">
+                      <a:solidFill>
+                        <a:srgbClr val="000000"/>
+                      </a:solidFill>
+                      <a:prstDash val="solid"/>
+                      <a:round/>
+                      <a:headEnd type="none" w="med" len="med"/>
+                      <a:tailEnd type="none" w="med" len="med"/>
+                    </a:lnT>
+                    <a:lnB w="6350" cap="flat" cmpd="sng" algn="ctr">
+                      <a:solidFill>
+                        <a:srgbClr val="000000"/>
+                      </a:solidFill>
+                      <a:prstDash val="solid"/>
+                      <a:round/>
+                      <a:headEnd type="none" w="med" len="med"/>
+                      <a:tailEnd type="none" w="med" len="med"/>
+                    </a:lnB>
+                    <a:solidFill>
+                      <a:srgbClr val="DCE6F1"/>
+                    </a:solidFill>
+                  </a:tcPr>
+                </a:tc>
+                <a:tc>
+                  <a:txBody>
+                    <a:bodyPr/>
+                    <a:lstStyle/>
+                    <a:p>
+                      <a:pPr algn="r" fontAlgn="b"/>
+                      <a:r>
+                        <a:rPr lang="en-US" sz="1600" b="1" i="0" u="none" strike="noStrike">
+                          <a:solidFill>
+                            <a:srgbClr val="000000"/>
+                          </a:solidFill>
+                          <a:effectLst/>
+                          <a:latin typeface="Calibri"/>
+                        </a:rPr>
+                        <a:t>Teensy 3.5</a:t>
+                      </a:r>
+                    </a:p>
+                  </a:txBody>
+                  <a:tcPr marL="45720" marR="45720" marT="18288" marB="18288" anchor="b">
+                    <a:lnL w="6350" cap="flat" cmpd="sng" algn="ctr">
+                      <a:solidFill>
+                        <a:srgbClr val="000000"/>
+                      </a:solidFill>
+                      <a:prstDash val="solid"/>
+                      <a:round/>
+                      <a:headEnd type="none" w="med" len="med"/>
+                      <a:tailEnd type="none" w="med" len="med"/>
+                    </a:lnL>
+                    <a:lnR w="6350" cap="flat" cmpd="sng" algn="ctr">
+                      <a:solidFill>
+                        <a:srgbClr val="000000"/>
+                      </a:solidFill>
+                      <a:prstDash val="solid"/>
+                      <a:round/>
+                      <a:headEnd type="none" w="med" len="med"/>
+                      <a:tailEnd type="none" w="med" len="med"/>
+                    </a:lnR>
+                    <a:lnT w="6350" cap="flat" cmpd="sng" algn="ctr">
+                      <a:solidFill>
+                        <a:srgbClr val="000000"/>
+                      </a:solidFill>
+                      <a:prstDash val="solid"/>
+                      <a:round/>
+                      <a:headEnd type="none" w="med" len="med"/>
+                      <a:tailEnd type="none" w="med" len="med"/>
+                    </a:lnT>
+                    <a:lnB w="6350" cap="flat" cmpd="sng" algn="ctr">
+                      <a:solidFill>
+                        <a:srgbClr val="000000"/>
+                      </a:solidFill>
+                      <a:prstDash val="solid"/>
+                      <a:round/>
+                      <a:headEnd type="none" w="med" len="med"/>
+                      <a:tailEnd type="none" w="med" len="med"/>
+                    </a:lnB>
+                    <a:solidFill>
+                      <a:srgbClr val="DCE6F1"/>
+                    </a:solidFill>
+                  </a:tcPr>
+                </a:tc>
+                <a:tc>
+                  <a:txBody>
+                    <a:bodyPr/>
+                    <a:lstStyle/>
+                    <a:p>
+                      <a:pPr algn="r" fontAlgn="b"/>
+                      <a:r>
+                        <a:rPr lang="en-US" sz="1600" b="1" i="0" u="none" strike="noStrike">
+                          <a:solidFill>
+                            <a:srgbClr val="000000"/>
+                          </a:solidFill>
+                          <a:effectLst/>
+                          <a:latin typeface="Calibri"/>
+                        </a:rPr>
+                        <a:t>Teensy 3.6</a:t>
+                      </a:r>
+                    </a:p>
+                  </a:txBody>
+                  <a:tcPr marL="45720" marR="45720" marT="18288" marB="18288" anchor="b">
+                    <a:lnL w="6350" cap="flat" cmpd="sng" algn="ctr">
+                      <a:solidFill>
+                        <a:srgbClr val="000000"/>
+                      </a:solidFill>
+                      <a:prstDash val="solid"/>
+                      <a:round/>
+                      <a:headEnd type="none" w="med" len="med"/>
+                      <a:tailEnd type="none" w="med" len="med"/>
+                    </a:lnL>
+                    <a:lnR w="6350" cap="flat" cmpd="sng" algn="ctr">
+                      <a:solidFill>
+                        <a:srgbClr val="000000"/>
+                      </a:solidFill>
+                      <a:prstDash val="solid"/>
+                      <a:round/>
+                      <a:headEnd type="none" w="med" len="med"/>
+                      <a:tailEnd type="none" w="med" len="med"/>
+                    </a:lnR>
+                    <a:lnT w="6350" cap="flat" cmpd="sng" algn="ctr">
+                      <a:solidFill>
+                        <a:srgbClr val="000000"/>
+                      </a:solidFill>
+                      <a:prstDash val="solid"/>
+                      <a:round/>
+                      <a:headEnd type="none" w="med" len="med"/>
+                      <a:tailEnd type="none" w="med" len="med"/>
+                    </a:lnT>
+                    <a:lnB w="6350" cap="flat" cmpd="sng" algn="ctr">
+                      <a:solidFill>
+                        <a:srgbClr val="000000"/>
+                      </a:solidFill>
+                      <a:prstDash val="solid"/>
+                      <a:round/>
+                      <a:headEnd type="none" w="med" len="med"/>
+                      <a:tailEnd type="none" w="med" len="med"/>
+                    </a:lnB>
+                    <a:solidFill>
+                      <a:srgbClr val="DCE6F1"/>
+                    </a:solidFill>
+                  </a:tcPr>
+                </a:tc>
+              </a:tr>
+              <a:tr h="190500">
+                <a:tc>
+                  <a:txBody>
+                    <a:bodyPr/>
+                    <a:lstStyle/>
+                    <a:p>
+                      <a:pPr algn="l" fontAlgn="b"/>
+                      <a:r>
+                        <a:rPr lang="en-US" sz="1600" b="1" i="0" u="none" strike="noStrike">
+                          <a:solidFill>
+                            <a:srgbClr val="000000"/>
+                          </a:solidFill>
+                          <a:effectLst/>
+                          <a:latin typeface="Calibri"/>
+                        </a:rPr>
+                        <a:t>Int16</a:t>
+                      </a:r>
+                    </a:p>
+                  </a:txBody>
+                  <a:tcPr marL="45720" marR="45720" marT="18288" marB="18288" anchor="b">
+                    <a:lnL w="6350" cap="flat" cmpd="sng" algn="ctr">
+                      <a:solidFill>
+                        <a:srgbClr val="000000"/>
+                      </a:solidFill>
+                      <a:prstDash val="solid"/>
+                      <a:round/>
+                      <a:headEnd type="none" w="med" len="med"/>
+                      <a:tailEnd type="none" w="med" len="med"/>
+                    </a:lnL>
+                    <a:lnR w="6350" cap="flat" cmpd="sng" algn="ctr">
+                      <a:solidFill>
+                        <a:srgbClr val="000000"/>
+                      </a:solidFill>
+                      <a:prstDash val="solid"/>
+                      <a:round/>
+                      <a:headEnd type="none" w="med" len="med"/>
+                      <a:tailEnd type="none" w="med" len="med"/>
+                    </a:lnR>
+                    <a:lnT w="6350" cap="flat" cmpd="sng" algn="ctr">
+                      <a:solidFill>
+                        <a:srgbClr val="000000"/>
+                      </a:solidFill>
+                      <a:prstDash val="solid"/>
+                      <a:round/>
+                      <a:headEnd type="none" w="med" len="med"/>
+                      <a:tailEnd type="none" w="med" len="med"/>
+                    </a:lnT>
+                    <a:lnB w="6350" cap="flat" cmpd="sng" algn="ctr">
+                      <a:solidFill>
+                        <a:srgbClr val="000000"/>
+                      </a:solidFill>
+                      <a:prstDash val="solid"/>
+                      <a:round/>
+                      <a:headEnd type="none" w="med" len="med"/>
+                      <a:tailEnd type="none" w="med" len="med"/>
+                    </a:lnB>
+                    <a:solidFill>
+                      <a:srgbClr val="FFFFFF"/>
+                    </a:solidFill>
+                  </a:tcPr>
+                </a:tc>
+                <a:tc>
+                  <a:txBody>
+                    <a:bodyPr/>
+                    <a:lstStyle/>
+                    <a:p>
+                      <a:pPr algn="r" fontAlgn="b"/>
+                      <a:r>
+                        <a:rPr lang="en-US" sz="1600" b="0" i="0" u="none" strike="noStrike">
+                          <a:solidFill>
+                            <a:srgbClr val="000000"/>
+                          </a:solidFill>
+                          <a:effectLst/>
+                          <a:latin typeface="Calibri"/>
+                        </a:rPr>
+                        <a:t>1.00</a:t>
+                      </a:r>
+                    </a:p>
+                  </a:txBody>
+                  <a:tcPr marL="45720" marR="45720" marT="18288" marB="18288" anchor="b">
+                    <a:lnL w="6350" cap="flat" cmpd="sng" algn="ctr">
+                      <a:solidFill>
+                        <a:srgbClr val="000000"/>
+                      </a:solidFill>
+                      <a:prstDash val="solid"/>
+                      <a:round/>
+                      <a:headEnd type="none" w="med" len="med"/>
+                      <a:tailEnd type="none" w="med" len="med"/>
+                    </a:lnL>
+                    <a:lnR w="6350" cap="flat" cmpd="sng" algn="ctr">
+                      <a:solidFill>
+                        <a:srgbClr val="000000"/>
+                      </a:solidFill>
+                      <a:prstDash val="solid"/>
+                      <a:round/>
+                      <a:headEnd type="none" w="med" len="med"/>
+                      <a:tailEnd type="none" w="med" len="med"/>
+                    </a:lnR>
+                    <a:lnT w="6350" cap="flat" cmpd="sng" algn="ctr">
+                      <a:solidFill>
+                        <a:srgbClr val="000000"/>
+                      </a:solidFill>
+                      <a:prstDash val="solid"/>
+                      <a:round/>
+                      <a:headEnd type="none" w="med" len="med"/>
+                      <a:tailEnd type="none" w="med" len="med"/>
+                    </a:lnT>
+                    <a:lnB w="6350" cap="flat" cmpd="sng" algn="ctr">
+                      <a:solidFill>
+                        <a:srgbClr val="000000"/>
+                      </a:solidFill>
+                      <a:prstDash val="solid"/>
+                      <a:round/>
+                      <a:headEnd type="none" w="med" len="med"/>
+                      <a:tailEnd type="none" w="med" len="med"/>
+                    </a:lnB>
+                    <a:solidFill>
+                      <a:srgbClr val="FFFFFF"/>
+                    </a:solidFill>
+                  </a:tcPr>
+                </a:tc>
+                <a:tc>
+                  <a:txBody>
+                    <a:bodyPr/>
+                    <a:lstStyle/>
+                    <a:p>
+                      <a:pPr algn="r" fontAlgn="b"/>
+                      <a:r>
+                        <a:rPr lang="en-US" sz="1600" b="0" i="0" u="none" strike="noStrike">
+                          <a:solidFill>
+                            <a:srgbClr val="000000"/>
+                          </a:solidFill>
+                          <a:effectLst/>
+                          <a:latin typeface="Calibri"/>
+                        </a:rPr>
+                        <a:t>1.30</a:t>
+                      </a:r>
+                    </a:p>
+                  </a:txBody>
+                  <a:tcPr marL="45720" marR="45720" marT="18288" marB="18288" anchor="b">
+                    <a:lnL w="6350" cap="flat" cmpd="sng" algn="ctr">
+                      <a:solidFill>
+                        <a:srgbClr val="000000"/>
+                      </a:solidFill>
+                      <a:prstDash val="solid"/>
+                      <a:round/>
+                      <a:headEnd type="none" w="med" len="med"/>
+                      <a:tailEnd type="none" w="med" len="med"/>
+                    </a:lnL>
+                    <a:lnR w="6350" cap="flat" cmpd="sng" algn="ctr">
+                      <a:solidFill>
+                        <a:srgbClr val="000000"/>
+                      </a:solidFill>
+                      <a:prstDash val="solid"/>
+                      <a:round/>
+                      <a:headEnd type="none" w="med" len="med"/>
+                      <a:tailEnd type="none" w="med" len="med"/>
+                    </a:lnR>
+                    <a:lnT w="6350" cap="flat" cmpd="sng" algn="ctr">
+                      <a:solidFill>
+                        <a:srgbClr val="000000"/>
+                      </a:solidFill>
+                      <a:prstDash val="solid"/>
+                      <a:round/>
+                      <a:headEnd type="none" w="med" len="med"/>
+                      <a:tailEnd type="none" w="med" len="med"/>
+                    </a:lnT>
+                    <a:lnB w="6350" cap="flat" cmpd="sng" algn="ctr">
+                      <a:solidFill>
+                        <a:srgbClr val="000000"/>
+                      </a:solidFill>
+                      <a:prstDash val="solid"/>
+                      <a:round/>
+                      <a:headEnd type="none" w="med" len="med"/>
+                      <a:tailEnd type="none" w="med" len="med"/>
+                    </a:lnB>
+                    <a:solidFill>
+                      <a:srgbClr val="FFFFFF"/>
+                    </a:solidFill>
+                  </a:tcPr>
+                </a:tc>
+                <a:tc>
+                  <a:txBody>
+                    <a:bodyPr/>
+                    <a:lstStyle/>
+                    <a:p>
+                      <a:pPr algn="r" fontAlgn="b"/>
+                      <a:r>
+                        <a:rPr lang="en-US" sz="1600" b="0" i="0" u="none" strike="noStrike">
+                          <a:solidFill>
+                            <a:srgbClr val="000000"/>
+                          </a:solidFill>
+                          <a:effectLst/>
+                          <a:latin typeface="Calibri"/>
+                        </a:rPr>
+                        <a:t>2.26</a:t>
+                      </a:r>
+                    </a:p>
+                  </a:txBody>
+                  <a:tcPr marL="45720" marR="45720" marT="18288" marB="18288" anchor="b">
+                    <a:lnL w="6350" cap="flat" cmpd="sng" algn="ctr">
+                      <a:solidFill>
+                        <a:srgbClr val="000000"/>
+                      </a:solidFill>
+                      <a:prstDash val="solid"/>
+                      <a:round/>
+                      <a:headEnd type="none" w="med" len="med"/>
+                      <a:tailEnd type="none" w="med" len="med"/>
+                    </a:lnL>
+                    <a:lnR w="6350" cap="flat" cmpd="sng" algn="ctr">
+                      <a:solidFill>
+                        <a:srgbClr val="000000"/>
+                      </a:solidFill>
+                      <a:prstDash val="solid"/>
+                      <a:round/>
+                      <a:headEnd type="none" w="med" len="med"/>
+                      <a:tailEnd type="none" w="med" len="med"/>
+                    </a:lnR>
+                    <a:lnT w="6350" cap="flat" cmpd="sng" algn="ctr">
+                      <a:solidFill>
+                        <a:srgbClr val="000000"/>
+                      </a:solidFill>
+                      <a:prstDash val="solid"/>
+                      <a:round/>
+                      <a:headEnd type="none" w="med" len="med"/>
+                      <a:tailEnd type="none" w="med" len="med"/>
+                    </a:lnT>
+                    <a:lnB w="6350" cap="flat" cmpd="sng" algn="ctr">
+                      <a:solidFill>
+                        <a:srgbClr val="000000"/>
+                      </a:solidFill>
+                      <a:prstDash val="solid"/>
+                      <a:round/>
+                      <a:headEnd type="none" w="med" len="med"/>
+                      <a:tailEnd type="none" w="med" len="med"/>
+                    </a:lnB>
+                    <a:solidFill>
+                      <a:srgbClr val="FFFFFF"/>
+                    </a:solidFill>
+                  </a:tcPr>
+                </a:tc>
+              </a:tr>
+              <a:tr h="190500">
+                <a:tc>
+                  <a:txBody>
+                    <a:bodyPr/>
+                    <a:lstStyle/>
+                    <a:p>
+                      <a:pPr algn="l" fontAlgn="b"/>
+                      <a:r>
+                        <a:rPr lang="en-US" sz="1600" b="1" i="0" u="none" strike="noStrike">
+                          <a:solidFill>
+                            <a:srgbClr val="000000"/>
+                          </a:solidFill>
+                          <a:effectLst/>
+                          <a:latin typeface="Calibri"/>
+                        </a:rPr>
+                        <a:t>Int32</a:t>
+                      </a:r>
+                    </a:p>
+                  </a:txBody>
+                  <a:tcPr marL="45720" marR="45720" marT="18288" marB="18288" anchor="b">
+                    <a:lnL w="6350" cap="flat" cmpd="sng" algn="ctr">
+                      <a:solidFill>
+                        <a:srgbClr val="000000"/>
+                      </a:solidFill>
+                      <a:prstDash val="solid"/>
+                      <a:round/>
+                      <a:headEnd type="none" w="med" len="med"/>
+                      <a:tailEnd type="none" w="med" len="med"/>
+                    </a:lnL>
+                    <a:lnR w="6350" cap="flat" cmpd="sng" algn="ctr">
+                      <a:solidFill>
+                        <a:srgbClr val="000000"/>
+                      </a:solidFill>
+                      <a:prstDash val="solid"/>
+                      <a:round/>
+                      <a:headEnd type="none" w="med" len="med"/>
+                      <a:tailEnd type="none" w="med" len="med"/>
+                    </a:lnR>
+                    <a:lnT w="6350" cap="flat" cmpd="sng" algn="ctr">
+                      <a:solidFill>
+                        <a:srgbClr val="000000"/>
+                      </a:solidFill>
+                      <a:prstDash val="solid"/>
+                      <a:round/>
+                      <a:headEnd type="none" w="med" len="med"/>
+                      <a:tailEnd type="none" w="med" len="med"/>
+                    </a:lnT>
+                    <a:lnB w="6350" cap="flat" cmpd="sng" algn="ctr">
+                      <a:solidFill>
+                        <a:srgbClr val="000000"/>
+                      </a:solidFill>
+                      <a:prstDash val="solid"/>
+                      <a:round/>
+                      <a:headEnd type="none" w="med" len="med"/>
+                      <a:tailEnd type="none" w="med" len="med"/>
+                    </a:lnB>
+                    <a:solidFill>
+                      <a:srgbClr val="FFFFFF"/>
+                    </a:solidFill>
+                  </a:tcPr>
+                </a:tc>
+                <a:tc>
+                  <a:txBody>
+                    <a:bodyPr/>
+                    <a:lstStyle/>
+                    <a:p>
+                      <a:pPr algn="r" fontAlgn="b"/>
+                      <a:r>
+                        <a:rPr lang="en-US" sz="1600" b="0" i="0" u="none" strike="noStrike">
+                          <a:solidFill>
+                            <a:srgbClr val="000000"/>
+                          </a:solidFill>
+                          <a:effectLst/>
+                          <a:latin typeface="Calibri"/>
+                        </a:rPr>
+                        <a:t>1.00</a:t>
+                      </a:r>
+                    </a:p>
+                  </a:txBody>
+                  <a:tcPr marL="45720" marR="45720" marT="18288" marB="18288" anchor="b">
+                    <a:lnL w="6350" cap="flat" cmpd="sng" algn="ctr">
+                      <a:solidFill>
+                        <a:srgbClr val="000000"/>
+                      </a:solidFill>
+                      <a:prstDash val="solid"/>
+                      <a:round/>
+                      <a:headEnd type="none" w="med" len="med"/>
+                      <a:tailEnd type="none" w="med" len="med"/>
+                    </a:lnL>
+                    <a:lnR w="6350" cap="flat" cmpd="sng" algn="ctr">
+                      <a:solidFill>
+                        <a:srgbClr val="000000"/>
+                      </a:solidFill>
+                      <a:prstDash val="solid"/>
+                      <a:round/>
+                      <a:headEnd type="none" w="med" len="med"/>
+                      <a:tailEnd type="none" w="med" len="med"/>
+                    </a:lnR>
+                    <a:lnT w="6350" cap="flat" cmpd="sng" algn="ctr">
+                      <a:solidFill>
+                        <a:srgbClr val="000000"/>
+                      </a:solidFill>
+                      <a:prstDash val="solid"/>
+                      <a:round/>
+                      <a:headEnd type="none" w="med" len="med"/>
+                      <a:tailEnd type="none" w="med" len="med"/>
+                    </a:lnT>
+                    <a:lnB w="6350" cap="flat" cmpd="sng" algn="ctr">
+                      <a:solidFill>
+                        <a:srgbClr val="000000"/>
+                      </a:solidFill>
+                      <a:prstDash val="solid"/>
+                      <a:round/>
+                      <a:headEnd type="none" w="med" len="med"/>
+                      <a:tailEnd type="none" w="med" len="med"/>
+                    </a:lnB>
+                    <a:solidFill>
+                      <a:srgbClr val="FFFFFF"/>
+                    </a:solidFill>
+                  </a:tcPr>
+                </a:tc>
+                <a:tc>
+                  <a:txBody>
+                    <a:bodyPr/>
+                    <a:lstStyle/>
+                    <a:p>
+                      <a:pPr algn="r" fontAlgn="b"/>
+                      <a:r>
+                        <a:rPr lang="en-US" sz="1600" b="0" i="0" u="none" strike="noStrike">
+                          <a:solidFill>
+                            <a:srgbClr val="000000"/>
+                          </a:solidFill>
+                          <a:effectLst/>
+                          <a:latin typeface="Calibri"/>
+                        </a:rPr>
+                        <a:t>1.31</a:t>
+                      </a:r>
+                    </a:p>
+                  </a:txBody>
+                  <a:tcPr marL="45720" marR="45720" marT="18288" marB="18288" anchor="b">
+                    <a:lnL w="6350" cap="flat" cmpd="sng" algn="ctr">
+                      <a:solidFill>
+                        <a:srgbClr val="000000"/>
+                      </a:solidFill>
+                      <a:prstDash val="solid"/>
+                      <a:round/>
+                      <a:headEnd type="none" w="med" len="med"/>
+                      <a:tailEnd type="none" w="med" len="med"/>
+                    </a:lnL>
+                    <a:lnR w="6350" cap="flat" cmpd="sng" algn="ctr">
+                      <a:solidFill>
+                        <a:srgbClr val="000000"/>
+                      </a:solidFill>
+                      <a:prstDash val="solid"/>
+                      <a:round/>
+                      <a:headEnd type="none" w="med" len="med"/>
+                      <a:tailEnd type="none" w="med" len="med"/>
+                    </a:lnR>
+                    <a:lnT w="6350" cap="flat" cmpd="sng" algn="ctr">
+                      <a:solidFill>
+                        <a:srgbClr val="000000"/>
+                      </a:solidFill>
+                      <a:prstDash val="solid"/>
+                      <a:round/>
+                      <a:headEnd type="none" w="med" len="med"/>
+                      <a:tailEnd type="none" w="med" len="med"/>
+                    </a:lnT>
+                    <a:lnB w="6350" cap="flat" cmpd="sng" algn="ctr">
+                      <a:solidFill>
+                        <a:srgbClr val="000000"/>
+                      </a:solidFill>
+                      <a:prstDash val="solid"/>
+                      <a:round/>
+                      <a:headEnd type="none" w="med" len="med"/>
+                      <a:tailEnd type="none" w="med" len="med"/>
+                    </a:lnB>
+                    <a:solidFill>
+                      <a:srgbClr val="FFFFFF"/>
+                    </a:solidFill>
+                  </a:tcPr>
+                </a:tc>
+                <a:tc>
+                  <a:txBody>
+                    <a:bodyPr/>
+                    <a:lstStyle/>
+                    <a:p>
+                      <a:pPr algn="r" fontAlgn="b"/>
+                      <a:r>
+                        <a:rPr lang="en-US" sz="1600" b="0" i="0" u="none" strike="noStrike">
+                          <a:solidFill>
+                            <a:srgbClr val="000000"/>
+                          </a:solidFill>
+                          <a:effectLst/>
+                          <a:latin typeface="Calibri"/>
+                        </a:rPr>
+                        <a:t>2.22</a:t>
+                      </a:r>
+                    </a:p>
+                  </a:txBody>
+                  <a:tcPr marL="45720" marR="45720" marT="18288" marB="18288" anchor="b">
+                    <a:lnL w="6350" cap="flat" cmpd="sng" algn="ctr">
+                      <a:solidFill>
+                        <a:srgbClr val="000000"/>
+                      </a:solidFill>
+                      <a:prstDash val="solid"/>
+                      <a:round/>
+                      <a:headEnd type="none" w="med" len="med"/>
+                      <a:tailEnd type="none" w="med" len="med"/>
+                    </a:lnL>
+                    <a:lnR w="6350" cap="flat" cmpd="sng" algn="ctr">
+                      <a:solidFill>
+                        <a:srgbClr val="000000"/>
+                      </a:solidFill>
+                      <a:prstDash val="solid"/>
+                      <a:round/>
+                      <a:headEnd type="none" w="med" len="med"/>
+                      <a:tailEnd type="none" w="med" len="med"/>
+                    </a:lnR>
+                    <a:lnT w="6350" cap="flat" cmpd="sng" algn="ctr">
+                      <a:solidFill>
+                        <a:srgbClr val="000000"/>
+                      </a:solidFill>
+                      <a:prstDash val="solid"/>
+                      <a:round/>
+                      <a:headEnd type="none" w="med" len="med"/>
+                      <a:tailEnd type="none" w="med" len="med"/>
+                    </a:lnT>
+                    <a:lnB w="6350" cap="flat" cmpd="sng" algn="ctr">
+                      <a:solidFill>
+                        <a:srgbClr val="000000"/>
+                      </a:solidFill>
+                      <a:prstDash val="solid"/>
+                      <a:round/>
+                      <a:headEnd type="none" w="med" len="med"/>
+                      <a:tailEnd type="none" w="med" len="med"/>
+                    </a:lnB>
+                    <a:solidFill>
+                      <a:srgbClr val="FFFFFF"/>
+                    </a:solidFill>
+                  </a:tcPr>
+                </a:tc>
+              </a:tr>
+              <a:tr h="190500">
+                <a:tc>
+                  <a:txBody>
+                    <a:bodyPr/>
+                    <a:lstStyle/>
+                    <a:p>
+                      <a:pPr algn="l" fontAlgn="b"/>
+                      <a:r>
+                        <a:rPr lang="en-US" sz="1600" b="1" i="0" u="none" strike="noStrike">
+                          <a:solidFill>
+                            <a:srgbClr val="000000"/>
+                          </a:solidFill>
+                          <a:effectLst/>
+                          <a:latin typeface="Calibri"/>
+                        </a:rPr>
+                        <a:t>Float32</a:t>
+                      </a:r>
+                    </a:p>
+                  </a:txBody>
+                  <a:tcPr marL="45720" marR="45720" marT="18288" marB="18288" anchor="b">
+                    <a:lnL w="6350" cap="flat" cmpd="sng" algn="ctr">
+                      <a:solidFill>
+                        <a:srgbClr val="000000"/>
+                      </a:solidFill>
+                      <a:prstDash val="solid"/>
+                      <a:round/>
+                      <a:headEnd type="none" w="med" len="med"/>
+                      <a:tailEnd type="none" w="med" len="med"/>
+                    </a:lnL>
+                    <a:lnR w="6350" cap="flat" cmpd="sng" algn="ctr">
+                      <a:solidFill>
+                        <a:srgbClr val="000000"/>
+                      </a:solidFill>
+                      <a:prstDash val="solid"/>
+                      <a:round/>
+                      <a:headEnd type="none" w="med" len="med"/>
+                      <a:tailEnd type="none" w="med" len="med"/>
+                    </a:lnR>
+                    <a:lnT w="6350" cap="flat" cmpd="sng" algn="ctr">
+                      <a:solidFill>
+                        <a:srgbClr val="000000"/>
+                      </a:solidFill>
+                      <a:prstDash val="solid"/>
+                      <a:round/>
+                      <a:headEnd type="none" w="med" len="med"/>
+                      <a:tailEnd type="none" w="med" len="med"/>
+                    </a:lnT>
+                    <a:lnB w="6350" cap="flat" cmpd="sng" algn="ctr">
+                      <a:solidFill>
+                        <a:srgbClr val="000000"/>
+                      </a:solidFill>
+                      <a:prstDash val="solid"/>
+                      <a:round/>
+                      <a:headEnd type="none" w="med" len="med"/>
+                      <a:tailEnd type="none" w="med" len="med"/>
+                    </a:lnB>
+                    <a:solidFill>
+                      <a:srgbClr val="FFFFFF"/>
+                    </a:solidFill>
+                  </a:tcPr>
+                </a:tc>
+                <a:tc>
+                  <a:txBody>
+                    <a:bodyPr/>
+                    <a:lstStyle/>
+                    <a:p>
+                      <a:pPr algn="r" fontAlgn="b"/>
+                      <a:r>
+                        <a:rPr lang="en-US" sz="1600" b="0" i="0" u="none" strike="noStrike">
+                          <a:solidFill>
+                            <a:srgbClr val="000000"/>
+                          </a:solidFill>
+                          <a:effectLst/>
+                          <a:latin typeface="Calibri"/>
+                        </a:rPr>
+                        <a:t>1.00</a:t>
+                      </a:r>
+                    </a:p>
+                  </a:txBody>
+                  <a:tcPr marL="45720" marR="45720" marT="18288" marB="18288" anchor="b">
+                    <a:lnL w="6350" cap="flat" cmpd="sng" algn="ctr">
+                      <a:solidFill>
+                        <a:srgbClr val="000000"/>
+                      </a:solidFill>
+                      <a:prstDash val="solid"/>
+                      <a:round/>
+                      <a:headEnd type="none" w="med" len="med"/>
+                      <a:tailEnd type="none" w="med" len="med"/>
+                    </a:lnL>
+                    <a:lnR w="6350" cap="flat" cmpd="sng" algn="ctr">
+                      <a:solidFill>
+                        <a:srgbClr val="000000"/>
+                      </a:solidFill>
+                      <a:prstDash val="solid"/>
+                      <a:round/>
+                      <a:headEnd type="none" w="med" len="med"/>
+                      <a:tailEnd type="none" w="med" len="med"/>
+                    </a:lnR>
+                    <a:lnT w="6350" cap="flat" cmpd="sng" algn="ctr">
+                      <a:solidFill>
+                        <a:srgbClr val="000000"/>
+                      </a:solidFill>
+                      <a:prstDash val="solid"/>
+                      <a:round/>
+                      <a:headEnd type="none" w="med" len="med"/>
+                      <a:tailEnd type="none" w="med" len="med"/>
+                    </a:lnT>
+                    <a:lnB w="6350" cap="flat" cmpd="sng" algn="ctr">
+                      <a:solidFill>
+                        <a:srgbClr val="000000"/>
+                      </a:solidFill>
+                      <a:prstDash val="solid"/>
+                      <a:round/>
+                      <a:headEnd type="none" w="med" len="med"/>
+                      <a:tailEnd type="none" w="med" len="med"/>
+                    </a:lnB>
+                    <a:solidFill>
+                      <a:srgbClr val="FFFFFF"/>
+                    </a:solidFill>
+                  </a:tcPr>
+                </a:tc>
+                <a:tc>
+                  <a:txBody>
+                    <a:bodyPr/>
+                    <a:lstStyle/>
+                    <a:p>
+                      <a:pPr algn="r" fontAlgn="b"/>
+                      <a:r>
+                        <a:rPr lang="en-US" sz="1600" b="0" i="0" u="none" strike="noStrike">
+                          <a:solidFill>
+                            <a:srgbClr val="000000"/>
+                          </a:solidFill>
+                          <a:effectLst/>
+                          <a:latin typeface="Calibri"/>
+                        </a:rPr>
+                        <a:t>10.39</a:t>
+                      </a:r>
+                    </a:p>
+                  </a:txBody>
+                  <a:tcPr marL="45720" marR="45720" marT="18288" marB="18288" anchor="b">
+                    <a:lnL w="6350" cap="flat" cmpd="sng" algn="ctr">
+                      <a:solidFill>
+                        <a:srgbClr val="000000"/>
+                      </a:solidFill>
+                      <a:prstDash val="solid"/>
+                      <a:round/>
+                      <a:headEnd type="none" w="med" len="med"/>
+                      <a:tailEnd type="none" w="med" len="med"/>
+                    </a:lnL>
+                    <a:lnR w="6350" cap="flat" cmpd="sng" algn="ctr">
+                      <a:solidFill>
+                        <a:srgbClr val="000000"/>
+                      </a:solidFill>
+                      <a:prstDash val="solid"/>
+                      <a:round/>
+                      <a:headEnd type="none" w="med" len="med"/>
+                      <a:tailEnd type="none" w="med" len="med"/>
+                    </a:lnR>
+                    <a:lnT w="6350" cap="flat" cmpd="sng" algn="ctr">
+                      <a:solidFill>
+                        <a:srgbClr val="000000"/>
+                      </a:solidFill>
+                      <a:prstDash val="solid"/>
+                      <a:round/>
+                      <a:headEnd type="none" w="med" len="med"/>
+                      <a:tailEnd type="none" w="med" len="med"/>
+                    </a:lnT>
+                    <a:lnB w="6350" cap="flat" cmpd="sng" algn="ctr">
+                      <a:solidFill>
+                        <a:srgbClr val="000000"/>
+                      </a:solidFill>
+                      <a:prstDash val="solid"/>
+                      <a:round/>
+                      <a:headEnd type="none" w="med" len="med"/>
+                      <a:tailEnd type="none" w="med" len="med"/>
+                    </a:lnB>
+                    <a:solidFill>
+                      <a:srgbClr val="FFFFFF"/>
+                    </a:solidFill>
+                  </a:tcPr>
+                </a:tc>
+                <a:tc>
+                  <a:txBody>
+                    <a:bodyPr/>
+                    <a:lstStyle/>
+                    <a:p>
+                      <a:pPr algn="r" fontAlgn="b"/>
+                      <a:r>
+                        <a:rPr lang="en-US" sz="1600" b="0" i="0" u="none" strike="noStrike">
+                          <a:solidFill>
+                            <a:srgbClr val="000000"/>
+                          </a:solidFill>
+                          <a:effectLst/>
+                          <a:latin typeface="Calibri"/>
+                        </a:rPr>
+                        <a:t>16.01</a:t>
+                      </a:r>
+                    </a:p>
+                  </a:txBody>
+                  <a:tcPr marL="45720" marR="45720" marT="18288" marB="18288" anchor="b">
+                    <a:lnL w="6350" cap="flat" cmpd="sng" algn="ctr">
+                      <a:solidFill>
+                        <a:srgbClr val="000000"/>
+                      </a:solidFill>
+                      <a:prstDash val="solid"/>
+                      <a:round/>
+                      <a:headEnd type="none" w="med" len="med"/>
+                      <a:tailEnd type="none" w="med" len="med"/>
+                    </a:lnL>
+                    <a:lnR w="6350" cap="flat" cmpd="sng" algn="ctr">
+                      <a:solidFill>
+                        <a:srgbClr val="000000"/>
+                      </a:solidFill>
+                      <a:prstDash val="solid"/>
+                      <a:round/>
+                      <a:headEnd type="none" w="med" len="med"/>
+                      <a:tailEnd type="none" w="med" len="med"/>
+                    </a:lnR>
+                    <a:lnT w="6350" cap="flat" cmpd="sng" algn="ctr">
+                      <a:solidFill>
+                        <a:srgbClr val="000000"/>
+                      </a:solidFill>
+                      <a:prstDash val="solid"/>
+                      <a:round/>
+                      <a:headEnd type="none" w="med" len="med"/>
+                      <a:tailEnd type="none" w="med" len="med"/>
+                    </a:lnT>
+                    <a:lnB w="6350" cap="flat" cmpd="sng" algn="ctr">
+                      <a:solidFill>
+                        <a:srgbClr val="000000"/>
+                      </a:solidFill>
+                      <a:prstDash val="solid"/>
+                      <a:round/>
+                      <a:headEnd type="none" w="med" len="med"/>
+                      <a:tailEnd type="none" w="med" len="med"/>
+                    </a:lnB>
+                    <a:solidFill>
+                      <a:srgbClr val="FFFFFF"/>
+                    </a:solidFill>
+                  </a:tcPr>
+                </a:tc>
+              </a:tr>
+              <a:tr h="190500">
+                <a:tc>
+                  <a:txBody>
+                    <a:bodyPr/>
+                    <a:lstStyle/>
+                    <a:p>
+                      <a:pPr algn="l" fontAlgn="b"/>
+                      <a:r>
+                        <a:rPr lang="en-US" sz="1600" b="0" i="1" u="none" strike="noStrike">
+                          <a:solidFill>
+                            <a:srgbClr val="000000"/>
+                          </a:solidFill>
+                          <a:effectLst/>
+                          <a:latin typeface="Calibri"/>
+                        </a:rPr>
+                        <a:t>Clock Speed</a:t>
+                      </a:r>
+                    </a:p>
+                  </a:txBody>
+                  <a:tcPr marL="45720" marR="45720" marT="18288" marB="18288" anchor="b">
+                    <a:lnL w="6350" cap="flat" cmpd="sng" algn="ctr">
+                      <a:solidFill>
+                        <a:srgbClr val="000000"/>
+                      </a:solidFill>
+                      <a:prstDash val="solid"/>
+                      <a:round/>
+                      <a:headEnd type="none" w="med" len="med"/>
+                      <a:tailEnd type="none" w="med" len="med"/>
+                    </a:lnL>
+                    <a:lnR w="6350" cap="flat" cmpd="sng" algn="ctr">
+                      <a:solidFill>
+                        <a:srgbClr val="000000"/>
+                      </a:solidFill>
+                      <a:prstDash val="solid"/>
+                      <a:round/>
+                      <a:headEnd type="none" w="med" len="med"/>
+                      <a:tailEnd type="none" w="med" len="med"/>
+                    </a:lnR>
+                    <a:lnT w="6350" cap="flat" cmpd="sng" algn="ctr">
+                      <a:solidFill>
+                        <a:srgbClr val="000000"/>
+                      </a:solidFill>
+                      <a:prstDash val="solid"/>
+                      <a:round/>
+                      <a:headEnd type="none" w="med" len="med"/>
+                      <a:tailEnd type="none" w="med" len="med"/>
+                    </a:lnT>
+                    <a:lnB w="6350" cap="flat" cmpd="sng" algn="ctr">
+                      <a:solidFill>
+                        <a:srgbClr val="000000"/>
+                      </a:solidFill>
+                      <a:prstDash val="solid"/>
+                      <a:round/>
+                      <a:headEnd type="none" w="med" len="med"/>
+                      <a:tailEnd type="none" w="med" len="med"/>
+                    </a:lnB>
+                    <a:solidFill>
+                      <a:srgbClr val="F2F2F2"/>
+                    </a:solidFill>
+                  </a:tcPr>
+                </a:tc>
+                <a:tc>
+                  <a:txBody>
+                    <a:bodyPr/>
+                    <a:lstStyle/>
+                    <a:p>
+                      <a:pPr algn="r" fontAlgn="b"/>
+                      <a:r>
+                        <a:rPr lang="en-US" sz="1600" b="0" i="1" u="none" strike="noStrike">
+                          <a:solidFill>
+                            <a:srgbClr val="000000"/>
+                          </a:solidFill>
+                          <a:effectLst/>
+                          <a:latin typeface="Calibri"/>
+                        </a:rPr>
+                        <a:t>1.00</a:t>
+                      </a:r>
+                    </a:p>
+                  </a:txBody>
+                  <a:tcPr marL="45720" marR="45720" marT="18288" marB="18288" anchor="b">
+                    <a:lnL w="6350" cap="flat" cmpd="sng" algn="ctr">
+                      <a:solidFill>
+                        <a:srgbClr val="000000"/>
+                      </a:solidFill>
+                      <a:prstDash val="solid"/>
+                      <a:round/>
+                      <a:headEnd type="none" w="med" len="med"/>
+                      <a:tailEnd type="none" w="med" len="med"/>
+                    </a:lnL>
+                    <a:lnR w="6350" cap="flat" cmpd="sng" algn="ctr">
+                      <a:solidFill>
+                        <a:srgbClr val="000000"/>
+                      </a:solidFill>
+                      <a:prstDash val="solid"/>
+                      <a:round/>
+                      <a:headEnd type="none" w="med" len="med"/>
+                      <a:tailEnd type="none" w="med" len="med"/>
+                    </a:lnR>
+                    <a:lnT w="6350" cap="flat" cmpd="sng" algn="ctr">
+                      <a:solidFill>
+                        <a:srgbClr val="000000"/>
+                      </a:solidFill>
+                      <a:prstDash val="solid"/>
+                      <a:round/>
+                      <a:headEnd type="none" w="med" len="med"/>
+                      <a:tailEnd type="none" w="med" len="med"/>
+                    </a:lnT>
+                    <a:lnB w="6350" cap="flat" cmpd="sng" algn="ctr">
+                      <a:solidFill>
+                        <a:srgbClr val="000000"/>
+                      </a:solidFill>
+                      <a:prstDash val="solid"/>
+                      <a:round/>
+                      <a:headEnd type="none" w="med" len="med"/>
+                      <a:tailEnd type="none" w="med" len="med"/>
+                    </a:lnB>
+                    <a:solidFill>
+                      <a:srgbClr val="F2F2F2"/>
+                    </a:solidFill>
+                  </a:tcPr>
+                </a:tc>
+                <a:tc>
+                  <a:txBody>
+                    <a:bodyPr/>
+                    <a:lstStyle/>
+                    <a:p>
+                      <a:pPr algn="r" fontAlgn="b"/>
+                      <a:r>
+                        <a:rPr lang="en-US" sz="1600" b="0" i="1" u="none" strike="noStrike">
+                          <a:solidFill>
+                            <a:srgbClr val="000000"/>
+                          </a:solidFill>
+                          <a:effectLst/>
+                          <a:latin typeface="Calibri"/>
+                        </a:rPr>
+                        <a:t>1.25</a:t>
+                      </a:r>
+                    </a:p>
+                  </a:txBody>
+                  <a:tcPr marL="45720" marR="45720" marT="18288" marB="18288" anchor="b">
+                    <a:lnL w="6350" cap="flat" cmpd="sng" algn="ctr">
+                      <a:solidFill>
+                        <a:srgbClr val="000000"/>
+                      </a:solidFill>
+                      <a:prstDash val="solid"/>
+                      <a:round/>
+                      <a:headEnd type="none" w="med" len="med"/>
+                      <a:tailEnd type="none" w="med" len="med"/>
+                    </a:lnL>
+                    <a:lnR w="6350" cap="flat" cmpd="sng" algn="ctr">
+                      <a:solidFill>
+                        <a:srgbClr val="000000"/>
+                      </a:solidFill>
+                      <a:prstDash val="solid"/>
+                      <a:round/>
+                      <a:headEnd type="none" w="med" len="med"/>
+                      <a:tailEnd type="none" w="med" len="med"/>
+                    </a:lnR>
+                    <a:lnT w="6350" cap="flat" cmpd="sng" algn="ctr">
+                      <a:solidFill>
+                        <a:srgbClr val="000000"/>
+                      </a:solidFill>
+                      <a:prstDash val="solid"/>
+                      <a:round/>
+                      <a:headEnd type="none" w="med" len="med"/>
+                      <a:tailEnd type="none" w="med" len="med"/>
+                    </a:lnT>
+                    <a:lnB w="6350" cap="flat" cmpd="sng" algn="ctr">
+                      <a:solidFill>
+                        <a:srgbClr val="000000"/>
+                      </a:solidFill>
+                      <a:prstDash val="solid"/>
+                      <a:round/>
+                      <a:headEnd type="none" w="med" len="med"/>
+                      <a:tailEnd type="none" w="med" len="med"/>
+                    </a:lnB>
+                    <a:solidFill>
+                      <a:srgbClr val="F2F2F2"/>
+                    </a:solidFill>
+                  </a:tcPr>
+                </a:tc>
+                <a:tc>
+                  <a:txBody>
+                    <a:bodyPr/>
+                    <a:lstStyle/>
+                    <a:p>
+                      <a:pPr algn="r" fontAlgn="b"/>
+                      <a:r>
+                        <a:rPr lang="en-US" sz="1600" b="0" i="1" u="none" strike="noStrike" dirty="0">
+                          <a:solidFill>
+                            <a:srgbClr val="000000"/>
+                          </a:solidFill>
+                          <a:effectLst/>
+                          <a:latin typeface="Calibri"/>
+                        </a:rPr>
+                        <a:t>1.88</a:t>
+                      </a:r>
+                    </a:p>
+                  </a:txBody>
+                  <a:tcPr marL="45720" marR="45720" marT="18288" marB="18288" anchor="b">
+                    <a:lnL w="6350" cap="flat" cmpd="sng" algn="ctr">
+                      <a:solidFill>
+                        <a:srgbClr val="000000"/>
+                      </a:solidFill>
+                      <a:prstDash val="solid"/>
+                      <a:round/>
+                      <a:headEnd type="none" w="med" len="med"/>
+                      <a:tailEnd type="none" w="med" len="med"/>
+                    </a:lnL>
+                    <a:lnR w="6350" cap="flat" cmpd="sng" algn="ctr">
+                      <a:solidFill>
+                        <a:srgbClr val="000000"/>
+                      </a:solidFill>
+                      <a:prstDash val="solid"/>
+                      <a:round/>
+                      <a:headEnd type="none" w="med" len="med"/>
+                      <a:tailEnd type="none" w="med" len="med"/>
+                    </a:lnR>
+                    <a:lnT w="6350" cap="flat" cmpd="sng" algn="ctr">
+                      <a:solidFill>
+                        <a:srgbClr val="000000"/>
+                      </a:solidFill>
+                      <a:prstDash val="solid"/>
+                      <a:round/>
+                      <a:headEnd type="none" w="med" len="med"/>
+                      <a:tailEnd type="none" w="med" len="med"/>
+                    </a:lnT>
+                    <a:lnB w="6350" cap="flat" cmpd="sng" algn="ctr">
+                      <a:solidFill>
+                        <a:srgbClr val="000000"/>
+                      </a:solidFill>
+                      <a:prstDash val="solid"/>
+                      <a:round/>
+                      <a:headEnd type="none" w="med" len="med"/>
+                      <a:tailEnd type="none" w="med" len="med"/>
+                    </a:lnB>
+                    <a:solidFill>
+                      <a:srgbClr val="F2F2F2"/>
+                    </a:solidFill>
+                  </a:tcPr>
+                </a:tc>
+              </a:tr>
+            </a:tbl>
+          </a:graphicData>
+        </a:graphic>
+      </p:graphicFrame>
+    </p:spTree>
+    <p:extLst>
+      <p:ext uri="{BB962C8B-B14F-4D97-AF65-F5344CB8AC3E}">
+        <p14:creationId xmlns:p14="http://schemas.microsoft.com/office/powerpoint/2010/main" val="2344342050"/>
+      </p:ext>
+    </p:extLst>
+  </p:cSld>
+  <p:clrMapOvr>
+    <a:masterClrMapping/>
+  </p:clrMapOvr>
+</p:sld>
+</file>
+
+<file path=ppt/slides/slide6.xml><?xml version="1.0" encoding="utf-8"?>
+<p:sld xmlns:a="http://schemas.openxmlformats.org/drawingml/2006/main" xmlns:r="http://schemas.openxmlformats.org/officeDocument/2006/relationships" xmlns:p="http://schemas.openxmlformats.org/presentationml/2006/main">
+  <p:cSld>
+    <p:spTree>
+      <p:nvGrpSpPr>
+        <p:cNvPr id="1" name=""/>
+        <p:cNvGrpSpPr/>
+        <p:nvPr/>
+      </p:nvGrpSpPr>
+      <p:grpSpPr>
+        <a:xfrm>
+          <a:off x="0" y="0"/>
+          <a:ext cx="0" cy="0"/>
+          <a:chOff x="0" y="0"/>
+          <a:chExt cx="0" cy="0"/>
+        </a:xfrm>
+      </p:grpSpPr>
       <p:pic>
         <p:nvPicPr>
           <p:cNvPr id="6146" name="Picture 2"/>
@@ -23390,7 +24755,7 @@
 </p:sld>
 </file>
 
-<file path=ppt/slides/slide6.xml><?xml version="1.0" encoding="utf-8"?>
+<file path=ppt/slides/slide7.xml><?xml version="1.0" encoding="utf-8"?>
 <p:sld xmlns:a="http://schemas.openxmlformats.org/drawingml/2006/main" xmlns:r="http://schemas.openxmlformats.org/officeDocument/2006/relationships" xmlns:p="http://schemas.openxmlformats.org/presentationml/2006/main">
   <p:cSld>
     <p:spTree>
